--- a/code_presentation/embeddings.pptx
+++ b/code_presentation/embeddings.pptx
@@ -7,16 +7,24 @@
   <p:sldIdLst>
     <p:sldId id="256" r:id="rId2"/>
     <p:sldId id="257" r:id="rId3"/>
-    <p:sldId id="259" r:id="rId4"/>
-    <p:sldId id="258" r:id="rId5"/>
-    <p:sldId id="269" r:id="rId6"/>
-    <p:sldId id="260" r:id="rId7"/>
-    <p:sldId id="263" r:id="rId8"/>
-    <p:sldId id="261" r:id="rId9"/>
-    <p:sldId id="262" r:id="rId10"/>
-    <p:sldId id="265" r:id="rId11"/>
-    <p:sldId id="268" r:id="rId12"/>
-    <p:sldId id="266" r:id="rId13"/>
+    <p:sldId id="277" r:id="rId4"/>
+    <p:sldId id="259" r:id="rId5"/>
+    <p:sldId id="273" r:id="rId6"/>
+    <p:sldId id="258" r:id="rId7"/>
+    <p:sldId id="275" r:id="rId8"/>
+    <p:sldId id="269" r:id="rId9"/>
+    <p:sldId id="260" r:id="rId10"/>
+    <p:sldId id="263" r:id="rId11"/>
+    <p:sldId id="261" r:id="rId12"/>
+    <p:sldId id="274" r:id="rId13"/>
+    <p:sldId id="262" r:id="rId14"/>
+    <p:sldId id="270" r:id="rId15"/>
+    <p:sldId id="265" r:id="rId16"/>
+    <p:sldId id="271" r:id="rId17"/>
+    <p:sldId id="268" r:id="rId18"/>
+    <p:sldId id="272" r:id="rId19"/>
+    <p:sldId id="266" r:id="rId20"/>
+    <p:sldId id="276" r:id="rId21"/>
   </p:sldIdLst>
   <p:sldSz cx="12192000" cy="6858000"/>
   <p:notesSz cx="6858000" cy="9144000"/>
@@ -3220,21 +3228,13 @@
         <p:spPr/>
         <p:txBody>
           <a:bodyPr>
-            <a:normAutofit fontScale="90000"/>
+            <a:normAutofit/>
           </a:bodyPr>
           <a:lstStyle/>
           <a:p>
             <a:r>
               <a:rPr lang="en-GB" dirty="0"/>
-              <a:t>Detecting Linguistic &amp; Rhetorical Change: A case of Reddit’s ‘</a:t>
-            </a:r>
-            <a:r>
-              <a:rPr lang="en-GB" dirty="0" err="1"/>
-              <a:t>The_DOnald</a:t>
-            </a:r>
-            <a:r>
-              <a:rPr lang="en-GB" dirty="0"/>
-              <a:t>’</a:t>
+              <a:t>Detecting Linguistic &amp; Rhetorical Change on Reddit</a:t>
             </a:r>
             <a:endParaRPr lang="en-US" dirty="0"/>
           </a:p>
@@ -3291,16 +3291,6 @@
 <file path=ppt/slides/slide10.xml><?xml version="1.0" encoding="utf-8"?>
 <p:sld xmlns:a="http://schemas.openxmlformats.org/drawingml/2006/main" xmlns:r="http://schemas.openxmlformats.org/officeDocument/2006/relationships" xmlns:p="http://schemas.openxmlformats.org/presentationml/2006/main">
   <p:cSld>
-    <p:bg>
-      <p:bgPr>
-        <a:solidFill>
-          <a:schemeClr val="bg1">
-            <a:lumMod val="95000"/>
-          </a:schemeClr>
-        </a:solidFill>
-        <a:effectLst/>
-      </p:bgPr>
-    </p:bg>
     <p:spTree>
       <p:nvGrpSpPr>
         <p:cNvPr id="1" name=""/>
@@ -3317,75 +3307,10 @@
       </p:grpSpPr>
       <p:sp>
         <p:nvSpPr>
-          <p:cNvPr id="77" name="Rectangle 76">
-            <a:extLst>
-              <a:ext uri="{FF2B5EF4-FFF2-40B4-BE49-F238E27FC236}">
-                <a16:creationId xmlns:a16="http://schemas.microsoft.com/office/drawing/2014/main" id="{42A9B402-66F6-477C-803C-FC8508A97926}"/>
-              </a:ext>
-              <a:ext uri="{C183D7F6-B498-43B3-948B-1728B52AA6E4}">
-                <adec:decorative xmlns:adec="http://schemas.microsoft.com/office/drawing/2017/decorative" val="1"/>
-              </a:ext>
-            </a:extLst>
-          </p:cNvPr>
-          <p:cNvSpPr>
-            <a:spLocks noGrp="1" noRot="1" noChangeAspect="1" noMove="1" noResize="1" noEditPoints="1" noAdjustHandles="1" noChangeArrowheads="1" noChangeShapeType="1" noTextEdit="1"/>
-          </p:cNvSpPr>
-          <p:nvPr>
-            <p:extLst>
-              <p:ext uri="{386F3935-93C4-4BCD-93E2-E3B085C9AB24}">
-                <p16:designElem xmlns:p16="http://schemas.microsoft.com/office/powerpoint/2015/main" val="1"/>
-              </p:ext>
-            </p:extLst>
-          </p:nvPr>
-        </p:nvSpPr>
-        <p:spPr>
-          <a:xfrm>
-            <a:off x="5315061" y="-2"/>
-            <a:ext cx="6876939" cy="6858002"/>
-          </a:xfrm>
-          <a:prstGeom prst="rect">
-            <a:avLst/>
-          </a:prstGeom>
-          <a:solidFill>
-            <a:schemeClr val="bg1">
-              <a:lumMod val="85000"/>
-            </a:schemeClr>
-          </a:solidFill>
-          <a:ln>
-            <a:noFill/>
-          </a:ln>
-        </p:spPr>
-        <p:style>
-          <a:lnRef idx="2">
-            <a:schemeClr val="accent1">
-              <a:shade val="50000"/>
-            </a:schemeClr>
-          </a:lnRef>
-          <a:fillRef idx="1">
-            <a:schemeClr val="accent1"/>
-          </a:fillRef>
-          <a:effectRef idx="0">
-            <a:schemeClr val="accent1"/>
-          </a:effectRef>
-          <a:fontRef idx="minor">
-            <a:schemeClr val="lt1"/>
-          </a:fontRef>
-        </p:style>
-        <p:txBody>
-          <a:bodyPr rtlCol="0" anchor="ctr"/>
-          <a:lstStyle/>
-          <a:p>
-            <a:pPr algn="ctr"/>
-            <a:endParaRPr lang="en-US"/>
-          </a:p>
-        </p:txBody>
-      </p:sp>
-      <p:sp>
-        <p:nvSpPr>
           <p:cNvPr id="2" name="Title 1">
             <a:extLst>
               <a:ext uri="{FF2B5EF4-FFF2-40B4-BE49-F238E27FC236}">
-                <a16:creationId xmlns:a16="http://schemas.microsoft.com/office/drawing/2014/main" id="{79D9BF73-8003-4564-8222-EB1FB6981435}"/>
+                <a16:creationId xmlns:a16="http://schemas.microsoft.com/office/drawing/2014/main" id="{2080E11F-B5F6-4C3E-95C6-BED246BAD541}"/>
               </a:ext>
             </a:extLst>
           </p:cNvPr>
@@ -3396,237 +3321,145 @@
             <p:ph type="title"/>
           </p:nvPr>
         </p:nvSpPr>
-        <p:spPr>
-          <a:xfrm>
-            <a:off x="6119732" y="1290025"/>
-            <a:ext cx="5291327" cy="1188720"/>
-          </a:xfrm>
-          <a:solidFill>
-            <a:srgbClr val="FFFFFF"/>
-          </a:solidFill>
-          <a:ln>
-            <a:solidFill>
-              <a:srgbClr val="404040"/>
-            </a:solidFill>
-          </a:ln>
-        </p:spPr>
-        <p:txBody>
-          <a:bodyPr vert="horz" lIns="182880" tIns="182880" rIns="182880" bIns="182880" rtlCol="0" anchor="ctr" anchorCtr="1">
+        <p:spPr/>
+        <p:txBody>
+          <a:bodyPr/>
+          <a:lstStyle/>
+          <a:p>
+            <a:r>
+              <a:rPr lang="en-GB" dirty="0"/>
+              <a:t>Ex4b: Linguistic Change/Difference</a:t>
+            </a:r>
+            <a:endParaRPr lang="en-US" dirty="0"/>
+          </a:p>
+        </p:txBody>
+      </p:sp>
+      <p:sp>
+        <p:nvSpPr>
+          <p:cNvPr id="3" name="Content Placeholder 2">
+            <a:extLst>
+              <a:ext uri="{FF2B5EF4-FFF2-40B4-BE49-F238E27FC236}">
+                <a16:creationId xmlns:a16="http://schemas.microsoft.com/office/drawing/2014/main" id="{E761316A-F97A-4D30-A6E5-9EE7D9918157}"/>
+              </a:ext>
+            </a:extLst>
+          </p:cNvPr>
+          <p:cNvSpPr>
+            <a:spLocks noGrp="1"/>
+          </p:cNvSpPr>
+          <p:nvPr>
+            <p:ph idx="1"/>
+          </p:nvPr>
+        </p:nvSpPr>
+        <p:spPr/>
+        <p:txBody>
+          <a:bodyPr>
             <a:normAutofit/>
           </a:bodyPr>
           <a:lstStyle/>
           <a:p>
             <a:r>
-              <a:rPr lang="en-US" sz="2800"/>
-              <a:t>Role of Facebook</a:t>
-            </a:r>
-          </a:p>
-        </p:txBody>
-      </p:sp>
-      <p:pic>
-        <p:nvPicPr>
-          <p:cNvPr id="6" name="Picture 6">
-            <a:extLst>
-              <a:ext uri="{FF2B5EF4-FFF2-40B4-BE49-F238E27FC236}">
-                <a16:creationId xmlns:a16="http://schemas.microsoft.com/office/drawing/2014/main" id="{E6CA0522-CAA8-41AE-A23A-8C516C83D048}"/>
-              </a:ext>
-            </a:extLst>
-          </p:cNvPr>
-          <p:cNvPicPr>
-            <a:picLocks noChangeAspect="1" noChangeArrowheads="1"/>
-          </p:cNvPicPr>
-          <p:nvPr/>
-        </p:nvPicPr>
-        <p:blipFill>
-          <a:blip r:embed="rId2">
-            <a:extLst>
-              <a:ext uri="{28A0092B-C50C-407E-A947-70E740481C1C}">
-                <a14:useLocalDpi xmlns:a14="http://schemas.microsoft.com/office/drawing/2010/main" val="0"/>
-              </a:ext>
-            </a:extLst>
-          </a:blip>
-          <a:stretch>
-            <a:fillRect/>
-          </a:stretch>
-        </p:blipFill>
-        <p:spPr bwMode="auto">
-          <a:xfrm>
-            <a:off x="278357" y="3428999"/>
-            <a:ext cx="4436677" cy="3429001"/>
-          </a:xfrm>
-          <a:prstGeom prst="rect">
-            <a:avLst/>
-          </a:prstGeom>
-          <a:noFill/>
-          <a:extLst>
-            <a:ext uri="{909E8E84-426E-40DD-AFC4-6F175D3DCCD1}">
-              <a14:hiddenFill xmlns:a14="http://schemas.microsoft.com/office/drawing/2010/main">
-                <a:solidFill>
-                  <a:srgbClr val="FFFFFF"/>
-                </a:solidFill>
-              </a14:hiddenFill>
-            </a:ext>
-          </a:extLst>
-        </p:spPr>
-      </p:pic>
-      <p:sp>
-        <p:nvSpPr>
-          <p:cNvPr id="4" name="Text Placeholder 3">
-            <a:extLst>
-              <a:ext uri="{FF2B5EF4-FFF2-40B4-BE49-F238E27FC236}">
-                <a16:creationId xmlns:a16="http://schemas.microsoft.com/office/drawing/2014/main" id="{CF31CE8D-B2D4-4DEC-B1B3-DED146C57518}"/>
-              </a:ext>
-            </a:extLst>
-          </p:cNvPr>
-          <p:cNvSpPr>
-            <a:spLocks noGrp="1"/>
-          </p:cNvSpPr>
-          <p:nvPr>
-            <p:ph type="body" sz="half" idx="2"/>
-          </p:nvPr>
-        </p:nvSpPr>
-        <p:spPr>
-          <a:xfrm>
-            <a:off x="6119732" y="2858703"/>
-            <a:ext cx="5285791" cy="3042547"/>
-          </a:xfrm>
-        </p:spPr>
-        <p:txBody>
-          <a:bodyPr vert="horz" lIns="91440" tIns="45720" rIns="91440" bIns="45720" rtlCol="0">
-            <a:normAutofit/>
-          </a:bodyPr>
-          <a:lstStyle/>
-          <a:p>
-            <a:pPr marL="285750" indent="-228600" algn="l">
-              <a:buFont typeface="Arial" panose="020B0604020202020204" pitchFamily="34" charset="0"/>
-              <a:buChar char="•"/>
-            </a:pPr>
-            <a:r>
-              <a:rPr lang="en-US" dirty="0">
-                <a:solidFill>
-                  <a:schemeClr val="tx1">
-                    <a:lumMod val="85000"/>
-                    <a:lumOff val="15000"/>
-                  </a:schemeClr>
-                </a:solidFill>
-              </a:rPr>
-              <a:t>Greater change in the linguistic context surrounding Facebook over Twitter</a:t>
-            </a:r>
-          </a:p>
-          <a:p>
-            <a:pPr marL="742950" lvl="1" indent="-228600">
-              <a:buFont typeface="Arial" panose="020B0604020202020204" pitchFamily="34" charset="0"/>
-              <a:buChar char="•"/>
-            </a:pPr>
+              <a:rPr lang="en-GB" dirty="0"/>
+              <a:t>Adapted from Hamilton, </a:t>
+            </a:r>
+            <a:r>
+              <a:rPr lang="en-GB" dirty="0" err="1"/>
+              <a:t>Jurafsky</a:t>
+            </a:r>
+            <a:r>
+              <a:rPr lang="en-GB" dirty="0"/>
+              <a:t>, </a:t>
+            </a:r>
+            <a:r>
+              <a:rPr lang="en-GB" dirty="0" err="1"/>
+              <a:t>Lescovec</a:t>
+            </a:r>
+            <a:r>
+              <a:rPr lang="en-GB" dirty="0"/>
+              <a:t> paper</a:t>
+            </a:r>
+          </a:p>
+          <a:p>
             <a:r>
               <a:rPr lang="en-US" dirty="0"/>
-              <a:t>Higher scale</a:t>
-            </a:r>
-          </a:p>
-          <a:p>
-            <a:pPr marL="742950" lvl="1" indent="-228600">
-              <a:buFont typeface="Arial" panose="020B0604020202020204" pitchFamily="34" charset="0"/>
-              <a:buChar char="•"/>
-            </a:pPr>
-            <a:r>
-              <a:rPr lang="en-US" dirty="0">
-                <a:solidFill>
-                  <a:schemeClr val="tx1">
-                    <a:lumMod val="85000"/>
-                    <a:lumOff val="15000"/>
-                  </a:schemeClr>
-                </a:solidFill>
-              </a:rPr>
-              <a:t>Starker changes</a:t>
-            </a:r>
-          </a:p>
-          <a:p>
-            <a:pPr marL="742950" lvl="1" indent="-228600">
-              <a:buFont typeface="Arial" panose="020B0604020202020204" pitchFamily="34" charset="0"/>
-              <a:buChar char="•"/>
-            </a:pPr>
+              <a:t>Three key functions:</a:t>
+            </a:r>
+          </a:p>
+          <a:p>
+            <a:pPr lvl="1"/>
             <a:r>
               <a:rPr lang="en-US" dirty="0"/>
-              <a:t>Trump’s Twitter usage as unsurprising</a:t>
-            </a:r>
-            <a:endParaRPr lang="en-US" dirty="0">
-              <a:solidFill>
-                <a:schemeClr val="tx1">
-                  <a:lumMod val="85000"/>
-                  <a:lumOff val="15000"/>
-                </a:schemeClr>
-              </a:solidFill>
-            </a:endParaRPr>
-          </a:p>
-          <a:p>
-            <a:pPr marL="285750" indent="-228600" algn="l">
-              <a:buFont typeface="Arial" panose="020B0604020202020204" pitchFamily="34" charset="0"/>
-              <a:buChar char="•"/>
-            </a:pPr>
-            <a:r>
-              <a:rPr lang="en-US" dirty="0">
-                <a:solidFill>
-                  <a:schemeClr val="tx1">
-                    <a:lumMod val="85000"/>
-                    <a:lumOff val="15000"/>
-                  </a:schemeClr>
-                </a:solidFill>
-              </a:rPr>
-              <a:t>Early 2018: Cambridge Analytica scandal</a:t>
-            </a:r>
-          </a:p>
-        </p:txBody>
-      </p:sp>
-      <p:pic>
-        <p:nvPicPr>
-          <p:cNvPr id="20" name="Picture 8">
-            <a:extLst>
-              <a:ext uri="{FF2B5EF4-FFF2-40B4-BE49-F238E27FC236}">
-                <a16:creationId xmlns:a16="http://schemas.microsoft.com/office/drawing/2014/main" id="{57C6746A-15AB-47AF-A337-E6C5D2968D21}"/>
-              </a:ext>
-            </a:extLst>
-          </p:cNvPr>
-          <p:cNvPicPr>
-            <a:picLocks noChangeAspect="1" noChangeArrowheads="1"/>
-          </p:cNvPicPr>
-          <p:nvPr/>
-        </p:nvPicPr>
-        <p:blipFill>
-          <a:blip r:embed="rId3">
-            <a:extLst>
-              <a:ext uri="{28A0092B-C50C-407E-A947-70E740481C1C}">
-                <a14:useLocalDpi xmlns:a14="http://schemas.microsoft.com/office/drawing/2010/main" val="0"/>
-              </a:ext>
-            </a:extLst>
-          </a:blip>
-          <a:stretch>
-            <a:fillRect/>
-          </a:stretch>
-        </p:blipFill>
-        <p:spPr bwMode="auto">
-          <a:xfrm>
-            <a:off x="278357" y="0"/>
-            <a:ext cx="4436676" cy="3429000"/>
-          </a:xfrm>
-          <a:prstGeom prst="rect">
-            <a:avLst/>
-          </a:prstGeom>
-          <a:noFill/>
-          <a:extLst>
-            <a:ext uri="{909E8E84-426E-40DD-AFC4-6F175D3DCCD1}">
-              <a14:hiddenFill xmlns:a14="http://schemas.microsoft.com/office/drawing/2010/main">
-                <a:solidFill>
-                  <a:srgbClr val="FFFFFF"/>
-                </a:solidFill>
-              </a14:hiddenFill>
-            </a:ext>
-          </a:extLst>
-        </p:spPr>
-      </p:pic>
+              <a:t>`</a:t>
+            </a:r>
+            <a:r>
+              <a:rPr lang="en-US" dirty="0" err="1"/>
+              <a:t>intersection_align_gensim</a:t>
+            </a:r>
+            <a:r>
+              <a:rPr lang="en-US" dirty="0"/>
+              <a:t>`: </a:t>
+            </a:r>
+          </a:p>
+          <a:p>
+            <a:pPr lvl="2"/>
+            <a:r>
+              <a:rPr lang="en-US" dirty="0"/>
+              <a:t>Intersects two word2vec models. </a:t>
+            </a:r>
+          </a:p>
+          <a:p>
+            <a:pPr lvl="2"/>
+            <a:r>
+              <a:rPr lang="en-US" u="sng" dirty="0"/>
+              <a:t>Keeps shared vocab only.</a:t>
+            </a:r>
+            <a:r>
+              <a:rPr lang="en-US" dirty="0"/>
+              <a:t> Does it lose out on new words that enter the corpus?</a:t>
+            </a:r>
+          </a:p>
+          <a:p>
+            <a:pPr lvl="1"/>
+            <a:r>
+              <a:rPr lang="en-US" dirty="0"/>
+              <a:t>`</a:t>
+            </a:r>
+            <a:r>
+              <a:rPr lang="en-US" dirty="0" err="1"/>
+              <a:t>Procrustes_align_gensim</a:t>
+            </a:r>
+            <a:r>
+              <a:rPr lang="en-US" dirty="0"/>
+              <a:t>`: Aligns Model 2  to Model 1 after intersection</a:t>
+            </a:r>
+          </a:p>
+          <a:p>
+            <a:pPr lvl="1"/>
+            <a:r>
+              <a:rPr lang="en-US" dirty="0"/>
+              <a:t>`</a:t>
+            </a:r>
+            <a:r>
+              <a:rPr lang="en-US" dirty="0" err="1"/>
+              <a:t>getDivergence</a:t>
+            </a:r>
+            <a:r>
+              <a:rPr lang="en-US" dirty="0"/>
+              <a:t>`: </a:t>
+            </a:r>
+          </a:p>
+          <a:p>
+            <a:pPr lvl="2"/>
+            <a:r>
+              <a:rPr lang="en-US" dirty="0"/>
+              <a:t>Pairwise Cosine Dissimilarity of a word for a category (time, true class, topic, etc.)</a:t>
+            </a:r>
+          </a:p>
+        </p:txBody>
+      </p:sp>
     </p:spTree>
     <p:extLst>
       <p:ext uri="{BB962C8B-B14F-4D97-AF65-F5344CB8AC3E}">
-        <p14:creationId xmlns:p14="http://schemas.microsoft.com/office/powerpoint/2010/main" val="2684644933"/>
+        <p14:creationId xmlns:p14="http://schemas.microsoft.com/office/powerpoint/2010/main" val="772021865"/>
       </p:ext>
     </p:extLst>
   </p:cSld>
@@ -3663,19 +3496,120 @@
           <a:chExt cx="0" cy="0"/>
         </a:xfrm>
       </p:grpSpPr>
+      <p:sp>
+        <p:nvSpPr>
+          <p:cNvPr id="4" name="Title 3">
+            <a:extLst>
+              <a:ext uri="{FF2B5EF4-FFF2-40B4-BE49-F238E27FC236}">
+                <a16:creationId xmlns:a16="http://schemas.microsoft.com/office/drawing/2014/main" id="{7ACC7330-9AF2-467C-A773-5B87555634F5}"/>
+              </a:ext>
+            </a:extLst>
+          </p:cNvPr>
+          <p:cNvSpPr>
+            <a:spLocks noGrp="1"/>
+          </p:cNvSpPr>
+          <p:nvPr>
+            <p:ph type="title"/>
+          </p:nvPr>
+        </p:nvSpPr>
+        <p:spPr>
+          <a:xfrm>
+            <a:off x="1014985" y="1114046"/>
+            <a:ext cx="3044950" cy="1627792"/>
+          </a:xfrm>
+        </p:spPr>
+        <p:txBody>
+          <a:bodyPr vert="horz" lIns="274320" tIns="182880" rIns="274320" bIns="182880" rtlCol="0" anchor="ctr" anchorCtr="1">
+            <a:normAutofit/>
+          </a:bodyPr>
+          <a:lstStyle/>
+          <a:p>
+            <a:r>
+              <a:rPr lang="en-GB" sz="2800" dirty="0"/>
+              <a:t>Clinton’s Emails mattered*</a:t>
+            </a:r>
+            <a:endParaRPr lang="en-US" sz="2800" dirty="0"/>
+          </a:p>
+        </p:txBody>
+      </p:sp>
+      <p:sp>
+        <p:nvSpPr>
+          <p:cNvPr id="71" name="Rectangle 70">
+            <a:extLst>
+              <a:ext uri="{FF2B5EF4-FFF2-40B4-BE49-F238E27FC236}">
+                <a16:creationId xmlns:a16="http://schemas.microsoft.com/office/drawing/2014/main" id="{5CEBAAEF-3E73-4D85-9A3C-E40FEAFAEE6C}"/>
+              </a:ext>
+              <a:ext uri="{C183D7F6-B498-43B3-948B-1728B52AA6E4}">
+                <adec:decorative xmlns:adec="http://schemas.microsoft.com/office/drawing/2017/decorative" val="1"/>
+              </a:ext>
+            </a:extLst>
+          </p:cNvPr>
+          <p:cNvSpPr>
+            <a:spLocks noGrp="1" noRot="1" noChangeAspect="1" noMove="1" noResize="1" noEditPoints="1" noAdjustHandles="1" noChangeArrowheads="1" noChangeShapeType="1" noTextEdit="1"/>
+          </p:cNvSpPr>
+          <p:nvPr>
+            <p:extLst>
+              <p:ext uri="{386F3935-93C4-4BCD-93E2-E3B085C9AB24}">
+                <p16:designElem xmlns:p16="http://schemas.microsoft.com/office/powerpoint/2015/main" val="1"/>
+              </p:ext>
+            </p:extLst>
+          </p:nvPr>
+        </p:nvSpPr>
+        <p:spPr>
+          <a:xfrm>
+            <a:off x="4654296" y="0"/>
+            <a:ext cx="7537703" cy="6858000"/>
+          </a:xfrm>
+          <a:prstGeom prst="rect">
+            <a:avLst/>
+          </a:prstGeom>
+          <a:solidFill>
+            <a:srgbClr val="FFFFFF"/>
+          </a:solidFill>
+          <a:ln>
+            <a:noFill/>
+          </a:ln>
+        </p:spPr>
+        <p:style>
+          <a:lnRef idx="2">
+            <a:schemeClr val="accent1">
+              <a:shade val="50000"/>
+            </a:schemeClr>
+          </a:lnRef>
+          <a:fillRef idx="1">
+            <a:schemeClr val="accent1"/>
+          </a:fillRef>
+          <a:effectRef idx="0">
+            <a:schemeClr val="accent1"/>
+          </a:effectRef>
+          <a:fontRef idx="minor">
+            <a:schemeClr val="lt1"/>
+          </a:fontRef>
+        </p:style>
+        <p:txBody>
+          <a:bodyPr rtlCol="0" anchor="ctr"/>
+          <a:lstStyle/>
+          <a:p>
+            <a:pPr algn="ctr"/>
+            <a:endParaRPr lang="en-US"/>
+          </a:p>
+        </p:txBody>
+      </p:sp>
       <p:pic>
         <p:nvPicPr>
-          <p:cNvPr id="3074" name="Picture 2">
-            <a:extLst>
-              <a:ext uri="{FF2B5EF4-FFF2-40B4-BE49-F238E27FC236}">
-                <a16:creationId xmlns:a16="http://schemas.microsoft.com/office/drawing/2014/main" id="{0ED467E6-FC75-4C95-8CDB-66B067DC549E}"/>
+          <p:cNvPr id="2050" name="Picture 2">
+            <a:extLst>
+              <a:ext uri="{FF2B5EF4-FFF2-40B4-BE49-F238E27FC236}">
+                <a16:creationId xmlns:a16="http://schemas.microsoft.com/office/drawing/2014/main" id="{5193628E-61EE-4D7F-8F96-42E391796645}"/>
               </a:ext>
             </a:extLst>
           </p:cNvPr>
           <p:cNvPicPr>
-            <a:picLocks noChangeAspect="1" noChangeArrowheads="1"/>
+            <a:picLocks noGrp="1" noChangeAspect="1" noChangeArrowheads="1"/>
           </p:cNvPicPr>
-          <p:nvPr/>
+          <p:nvPr>
+            <p:ph idx="1"/>
+          </p:nvPr>
         </p:nvPicPr>
         <p:blipFill>
           <a:blip r:embed="rId2">
@@ -3691,8 +3625,8 @@
         </p:blipFill>
         <p:spPr bwMode="auto">
           <a:xfrm>
-            <a:off x="926355" y="4025209"/>
-            <a:ext cx="3462350" cy="2734043"/>
+            <a:off x="5294376" y="799917"/>
+            <a:ext cx="6257544" cy="4943459"/>
           </a:xfrm>
           <a:prstGeom prst="rect">
             <a:avLst/>
@@ -3711,6 +3645,347 @@
       </p:pic>
       <p:sp>
         <p:nvSpPr>
+          <p:cNvPr id="6" name="Text Placeholder 5">
+            <a:extLst>
+              <a:ext uri="{FF2B5EF4-FFF2-40B4-BE49-F238E27FC236}">
+                <a16:creationId xmlns:a16="http://schemas.microsoft.com/office/drawing/2014/main" id="{D68377B9-A0EB-491F-BF6C-EB1540C79CA5}"/>
+              </a:ext>
+            </a:extLst>
+          </p:cNvPr>
+          <p:cNvSpPr>
+            <a:spLocks noGrp="1"/>
+          </p:cNvSpPr>
+          <p:nvPr>
+            <p:ph type="body" sz="half" idx="2"/>
+          </p:nvPr>
+        </p:nvSpPr>
+        <p:spPr>
+          <a:xfrm>
+            <a:off x="640080" y="3271646"/>
+            <a:ext cx="3794760" cy="2194036"/>
+          </a:xfrm>
+        </p:spPr>
+        <p:txBody>
+          <a:bodyPr/>
+          <a:lstStyle/>
+          <a:p>
+            <a:pPr marL="285750" indent="-285750" algn="l">
+              <a:buFont typeface="Arial" panose="020B0604020202020204" pitchFamily="34" charset="0"/>
+              <a:buChar char="•"/>
+            </a:pPr>
+            <a:r>
+              <a:rPr lang="en-GB" dirty="0"/>
+              <a:t>Vastly different meaning in October 2016 and reversion to old meaning right after</a:t>
+            </a:r>
+          </a:p>
+          <a:p>
+            <a:pPr marL="285750" indent="-285750" algn="l">
+              <a:buFont typeface="Arial" panose="020B0604020202020204" pitchFamily="34" charset="0"/>
+              <a:buChar char="•"/>
+            </a:pPr>
+            <a:r>
+              <a:rPr lang="en-GB" dirty="0"/>
+              <a:t>Wedge issue only in that one month</a:t>
+            </a:r>
+          </a:p>
+          <a:p>
+            <a:pPr marL="285750" indent="-285750" algn="l">
+              <a:buFont typeface="Arial" panose="020B0604020202020204" pitchFamily="34" charset="0"/>
+              <a:buChar char="•"/>
+            </a:pPr>
+            <a:r>
+              <a:rPr lang="en-US" dirty="0"/>
+              <a:t>Oversized reportage</a:t>
+            </a:r>
+          </a:p>
+        </p:txBody>
+      </p:sp>
+    </p:spTree>
+    <p:extLst>
+      <p:ext uri="{BB962C8B-B14F-4D97-AF65-F5344CB8AC3E}">
+        <p14:creationId xmlns:p14="http://schemas.microsoft.com/office/powerpoint/2010/main" val="455795564"/>
+      </p:ext>
+    </p:extLst>
+  </p:cSld>
+  <p:clrMapOvr>
+    <a:masterClrMapping/>
+  </p:clrMapOvr>
+</p:sld>
+</file>
+
+<file path=ppt/slides/slide12.xml><?xml version="1.0" encoding="utf-8"?>
+<p:sld xmlns:a="http://schemas.openxmlformats.org/drawingml/2006/main" xmlns:r="http://schemas.openxmlformats.org/officeDocument/2006/relationships" xmlns:p="http://schemas.openxmlformats.org/presentationml/2006/main">
+  <p:cSld>
+    <p:bg>
+      <p:bgPr>
+        <a:solidFill>
+          <a:schemeClr val="bg1">
+            <a:lumMod val="95000"/>
+          </a:schemeClr>
+        </a:solidFill>
+        <a:effectLst/>
+      </p:bgPr>
+    </p:bg>
+    <p:spTree>
+      <p:nvGrpSpPr>
+        <p:cNvPr id="1" name=""/>
+        <p:cNvGrpSpPr/>
+        <p:nvPr/>
+      </p:nvGrpSpPr>
+      <p:grpSpPr>
+        <a:xfrm>
+          <a:off x="0" y="0"/>
+          <a:ext cx="0" cy="0"/>
+          <a:chOff x="0" y="0"/>
+          <a:chExt cx="0" cy="0"/>
+        </a:xfrm>
+      </p:grpSpPr>
+      <p:sp>
+        <p:nvSpPr>
+          <p:cNvPr id="4" name="Title 3">
+            <a:extLst>
+              <a:ext uri="{FF2B5EF4-FFF2-40B4-BE49-F238E27FC236}">
+                <a16:creationId xmlns:a16="http://schemas.microsoft.com/office/drawing/2014/main" id="{7ACC7330-9AF2-467C-A773-5B87555634F5}"/>
+              </a:ext>
+            </a:extLst>
+          </p:cNvPr>
+          <p:cNvSpPr>
+            <a:spLocks noGrp="1"/>
+          </p:cNvSpPr>
+          <p:nvPr>
+            <p:ph type="title"/>
+          </p:nvPr>
+        </p:nvSpPr>
+        <p:spPr>
+          <a:xfrm>
+            <a:off x="1014985" y="1114046"/>
+            <a:ext cx="3044950" cy="1627792"/>
+          </a:xfrm>
+        </p:spPr>
+        <p:txBody>
+          <a:bodyPr vert="horz" lIns="274320" tIns="182880" rIns="274320" bIns="182880" rtlCol="0" anchor="ctr" anchorCtr="1">
+            <a:normAutofit/>
+          </a:bodyPr>
+          <a:lstStyle/>
+          <a:p>
+            <a:r>
+              <a:rPr lang="en-GB" sz="2800" dirty="0"/>
+              <a:t>Clinton’s Emails mattered*</a:t>
+            </a:r>
+            <a:endParaRPr lang="en-US" sz="2800" dirty="0"/>
+          </a:p>
+        </p:txBody>
+      </p:sp>
+      <p:sp>
+        <p:nvSpPr>
+          <p:cNvPr id="71" name="Rectangle 70">
+            <a:extLst>
+              <a:ext uri="{FF2B5EF4-FFF2-40B4-BE49-F238E27FC236}">
+                <a16:creationId xmlns:a16="http://schemas.microsoft.com/office/drawing/2014/main" id="{5CEBAAEF-3E73-4D85-9A3C-E40FEAFAEE6C}"/>
+              </a:ext>
+              <a:ext uri="{C183D7F6-B498-43B3-948B-1728B52AA6E4}">
+                <adec:decorative xmlns:adec="http://schemas.microsoft.com/office/drawing/2017/decorative" val="1"/>
+              </a:ext>
+            </a:extLst>
+          </p:cNvPr>
+          <p:cNvSpPr>
+            <a:spLocks noGrp="1" noRot="1" noChangeAspect="1" noMove="1" noResize="1" noEditPoints="1" noAdjustHandles="1" noChangeArrowheads="1" noChangeShapeType="1" noTextEdit="1"/>
+          </p:cNvSpPr>
+          <p:nvPr>
+            <p:extLst>
+              <p:ext uri="{386F3935-93C4-4BCD-93E2-E3B085C9AB24}">
+                <p16:designElem xmlns:p16="http://schemas.microsoft.com/office/powerpoint/2015/main" val="1"/>
+              </p:ext>
+            </p:extLst>
+          </p:nvPr>
+        </p:nvSpPr>
+        <p:spPr>
+          <a:xfrm>
+            <a:off x="4654296" y="0"/>
+            <a:ext cx="7537703" cy="6858000"/>
+          </a:xfrm>
+          <a:prstGeom prst="rect">
+            <a:avLst/>
+          </a:prstGeom>
+          <a:solidFill>
+            <a:srgbClr val="FFFFFF"/>
+          </a:solidFill>
+          <a:ln>
+            <a:noFill/>
+          </a:ln>
+        </p:spPr>
+        <p:style>
+          <a:lnRef idx="2">
+            <a:schemeClr val="accent1">
+              <a:shade val="50000"/>
+            </a:schemeClr>
+          </a:lnRef>
+          <a:fillRef idx="1">
+            <a:schemeClr val="accent1"/>
+          </a:fillRef>
+          <a:effectRef idx="0">
+            <a:schemeClr val="accent1"/>
+          </a:effectRef>
+          <a:fontRef idx="minor">
+            <a:schemeClr val="lt1"/>
+          </a:fontRef>
+        </p:style>
+        <p:txBody>
+          <a:bodyPr rtlCol="0" anchor="ctr"/>
+          <a:lstStyle/>
+          <a:p>
+            <a:pPr algn="ctr"/>
+            <a:endParaRPr lang="en-US"/>
+          </a:p>
+        </p:txBody>
+      </p:sp>
+      <p:pic>
+        <p:nvPicPr>
+          <p:cNvPr id="2050" name="Picture 2">
+            <a:extLst>
+              <a:ext uri="{FF2B5EF4-FFF2-40B4-BE49-F238E27FC236}">
+                <a16:creationId xmlns:a16="http://schemas.microsoft.com/office/drawing/2014/main" id="{5193628E-61EE-4D7F-8F96-42E391796645}"/>
+              </a:ext>
+            </a:extLst>
+          </p:cNvPr>
+          <p:cNvPicPr>
+            <a:picLocks noGrp="1" noChangeAspect="1" noChangeArrowheads="1"/>
+          </p:cNvPicPr>
+          <p:nvPr>
+            <p:ph idx="1"/>
+          </p:nvPr>
+        </p:nvPicPr>
+        <p:blipFill>
+          <a:blip r:embed="rId2">
+            <a:extLst>
+              <a:ext uri="{28A0092B-C50C-407E-A947-70E740481C1C}">
+                <a14:useLocalDpi xmlns:a14="http://schemas.microsoft.com/office/drawing/2010/main" val="0"/>
+              </a:ext>
+            </a:extLst>
+          </a:blip>
+          <a:stretch>
+            <a:fillRect/>
+          </a:stretch>
+        </p:blipFill>
+        <p:spPr bwMode="auto">
+          <a:xfrm>
+            <a:off x="5294376" y="799917"/>
+            <a:ext cx="6257544" cy="4943459"/>
+          </a:xfrm>
+          <a:prstGeom prst="rect">
+            <a:avLst/>
+          </a:prstGeom>
+          <a:noFill/>
+          <a:extLst>
+            <a:ext uri="{909E8E84-426E-40DD-AFC4-6F175D3DCCD1}">
+              <a14:hiddenFill xmlns:a14="http://schemas.microsoft.com/office/drawing/2010/main">
+                <a:solidFill>
+                  <a:srgbClr val="FFFFFF"/>
+                </a:solidFill>
+              </a14:hiddenFill>
+            </a:ext>
+          </a:extLst>
+        </p:spPr>
+      </p:pic>
+      <p:sp>
+        <p:nvSpPr>
+          <p:cNvPr id="6" name="Text Placeholder 5">
+            <a:extLst>
+              <a:ext uri="{FF2B5EF4-FFF2-40B4-BE49-F238E27FC236}">
+                <a16:creationId xmlns:a16="http://schemas.microsoft.com/office/drawing/2014/main" id="{D68377B9-A0EB-491F-BF6C-EB1540C79CA5}"/>
+              </a:ext>
+            </a:extLst>
+          </p:cNvPr>
+          <p:cNvSpPr>
+            <a:spLocks noGrp="1"/>
+          </p:cNvSpPr>
+          <p:nvPr>
+            <p:ph type="body" sz="half" idx="2"/>
+          </p:nvPr>
+        </p:nvSpPr>
+        <p:spPr>
+          <a:xfrm>
+            <a:off x="640080" y="3271646"/>
+            <a:ext cx="3794760" cy="2194036"/>
+          </a:xfrm>
+        </p:spPr>
+        <p:txBody>
+          <a:bodyPr/>
+          <a:lstStyle/>
+          <a:p>
+            <a:pPr marL="285750" indent="-285750" algn="l">
+              <a:buFont typeface="Arial" panose="020B0604020202020204" pitchFamily="34" charset="0"/>
+              <a:buChar char="•"/>
+            </a:pPr>
+            <a:r>
+              <a:rPr lang="en-GB" dirty="0"/>
+              <a:t>Vastly different meaning in October 2016 and reversion to old meaning right after</a:t>
+            </a:r>
+          </a:p>
+          <a:p>
+            <a:pPr marL="285750" indent="-285750" algn="l">
+              <a:buFont typeface="Arial" panose="020B0604020202020204" pitchFamily="34" charset="0"/>
+              <a:buChar char="•"/>
+            </a:pPr>
+            <a:r>
+              <a:rPr lang="en-GB" dirty="0"/>
+              <a:t>Wedge issue only in that one month</a:t>
+            </a:r>
+          </a:p>
+          <a:p>
+            <a:pPr marL="285750" indent="-285750" algn="l">
+              <a:buFont typeface="Arial" panose="020B0604020202020204" pitchFamily="34" charset="0"/>
+              <a:buChar char="•"/>
+            </a:pPr>
+            <a:r>
+              <a:rPr lang="en-US" dirty="0"/>
+              <a:t>Oversized reportage</a:t>
+            </a:r>
+          </a:p>
+        </p:txBody>
+      </p:sp>
+    </p:spTree>
+    <p:extLst>
+      <p:ext uri="{BB962C8B-B14F-4D97-AF65-F5344CB8AC3E}">
+        <p14:creationId xmlns:p14="http://schemas.microsoft.com/office/powerpoint/2010/main" val="3341158713"/>
+      </p:ext>
+    </p:extLst>
+  </p:cSld>
+  <p:clrMapOvr>
+    <a:masterClrMapping/>
+  </p:clrMapOvr>
+</p:sld>
+</file>
+
+<file path=ppt/slides/slide13.xml><?xml version="1.0" encoding="utf-8"?>
+<p:sld xmlns:a="http://schemas.openxmlformats.org/drawingml/2006/main" xmlns:r="http://schemas.openxmlformats.org/officeDocument/2006/relationships" xmlns:p="http://schemas.openxmlformats.org/presentationml/2006/main">
+  <p:cSld>
+    <p:bg>
+      <p:bgPr>
+        <a:solidFill>
+          <a:schemeClr val="bg1">
+            <a:lumMod val="95000"/>
+          </a:schemeClr>
+        </a:solidFill>
+        <a:effectLst/>
+      </p:bgPr>
+    </p:bg>
+    <p:spTree>
+      <p:nvGrpSpPr>
+        <p:cNvPr id="1" name=""/>
+        <p:cNvGrpSpPr/>
+        <p:nvPr/>
+      </p:nvGrpSpPr>
+      <p:grpSpPr>
+        <a:xfrm>
+          <a:off x="0" y="0"/>
+          <a:ext cx="0" cy="0"/>
+          <a:chOff x="0" y="0"/>
+          <a:chExt cx="0" cy="0"/>
+        </a:xfrm>
+      </p:grpSpPr>
+      <p:sp>
+        <p:nvSpPr>
           <p:cNvPr id="2" name="Title 1">
             <a:extLst>
               <a:ext uri="{FF2B5EF4-FFF2-40B4-BE49-F238E27FC236}">
@@ -3722,13 +3997,568 @@
             <a:spLocks noGrp="1"/>
           </p:cNvSpPr>
           <p:nvPr>
-            <p:ph type="title" idx="4294967295"/>
+            <p:ph type="title"/>
           </p:nvPr>
         </p:nvSpPr>
         <p:spPr>
           <a:xfrm>
-            <a:off x="789721" y="98748"/>
-            <a:ext cx="3616325" cy="647700"/>
+            <a:off x="1014985" y="1114046"/>
+            <a:ext cx="3044950" cy="1627792"/>
+          </a:xfrm>
+        </p:spPr>
+        <p:txBody>
+          <a:bodyPr vert="horz" lIns="274320" tIns="182880" rIns="274320" bIns="182880" rtlCol="0" anchor="ctr" anchorCtr="1">
+            <a:normAutofit/>
+          </a:bodyPr>
+          <a:lstStyle/>
+          <a:p>
+            <a:r>
+              <a:rPr lang="en-GB" sz="2800" dirty="0"/>
+              <a:t>Changing Nature of ‘Russia’</a:t>
+            </a:r>
+            <a:endParaRPr lang="en-US" sz="2800" dirty="0"/>
+          </a:p>
+        </p:txBody>
+      </p:sp>
+      <p:sp>
+        <p:nvSpPr>
+          <p:cNvPr id="71" name="Rectangle 70">
+            <a:extLst>
+              <a:ext uri="{FF2B5EF4-FFF2-40B4-BE49-F238E27FC236}">
+                <a16:creationId xmlns:a16="http://schemas.microsoft.com/office/drawing/2014/main" id="{5CEBAAEF-3E73-4D85-9A3C-E40FEAFAEE6C}"/>
+              </a:ext>
+              <a:ext uri="{C183D7F6-B498-43B3-948B-1728B52AA6E4}">
+                <adec:decorative xmlns:adec="http://schemas.microsoft.com/office/drawing/2017/decorative" val="1"/>
+              </a:ext>
+            </a:extLst>
+          </p:cNvPr>
+          <p:cNvSpPr>
+            <a:spLocks noGrp="1" noRot="1" noChangeAspect="1" noMove="1" noResize="1" noEditPoints="1" noAdjustHandles="1" noChangeArrowheads="1" noChangeShapeType="1" noTextEdit="1"/>
+          </p:cNvSpPr>
+          <p:nvPr>
+            <p:extLst>
+              <p:ext uri="{386F3935-93C4-4BCD-93E2-E3B085C9AB24}">
+                <p16:designElem xmlns:p16="http://schemas.microsoft.com/office/powerpoint/2015/main" val="1"/>
+              </p:ext>
+            </p:extLst>
+          </p:nvPr>
+        </p:nvSpPr>
+        <p:spPr>
+          <a:xfrm>
+            <a:off x="4654296" y="0"/>
+            <a:ext cx="7537703" cy="6858000"/>
+          </a:xfrm>
+          <a:prstGeom prst="rect">
+            <a:avLst/>
+          </a:prstGeom>
+          <a:solidFill>
+            <a:srgbClr val="FFFFFF"/>
+          </a:solidFill>
+          <a:ln>
+            <a:noFill/>
+          </a:ln>
+        </p:spPr>
+        <p:style>
+          <a:lnRef idx="2">
+            <a:schemeClr val="accent1">
+              <a:shade val="50000"/>
+            </a:schemeClr>
+          </a:lnRef>
+          <a:fillRef idx="1">
+            <a:schemeClr val="accent1"/>
+          </a:fillRef>
+          <a:effectRef idx="0">
+            <a:schemeClr val="accent1"/>
+          </a:effectRef>
+          <a:fontRef idx="minor">
+            <a:schemeClr val="lt1"/>
+          </a:fontRef>
+        </p:style>
+        <p:txBody>
+          <a:bodyPr rtlCol="0" anchor="ctr"/>
+          <a:lstStyle/>
+          <a:p>
+            <a:pPr algn="ctr"/>
+            <a:endParaRPr lang="en-US"/>
+          </a:p>
+        </p:txBody>
+      </p:sp>
+      <p:pic>
+        <p:nvPicPr>
+          <p:cNvPr id="3074" name="Picture 2">
+            <a:extLst>
+              <a:ext uri="{FF2B5EF4-FFF2-40B4-BE49-F238E27FC236}">
+                <a16:creationId xmlns:a16="http://schemas.microsoft.com/office/drawing/2014/main" id="{3B805A00-D715-4F6B-882C-D4CA0787DDF5}"/>
+              </a:ext>
+            </a:extLst>
+          </p:cNvPr>
+          <p:cNvPicPr>
+            <a:picLocks noGrp="1" noChangeAspect="1" noChangeArrowheads="1"/>
+          </p:cNvPicPr>
+          <p:nvPr>
+            <p:ph idx="1"/>
+          </p:nvPr>
+        </p:nvPicPr>
+        <p:blipFill>
+          <a:blip r:embed="rId2">
+            <a:extLst>
+              <a:ext uri="{28A0092B-C50C-407E-A947-70E740481C1C}">
+                <a14:useLocalDpi xmlns:a14="http://schemas.microsoft.com/office/drawing/2010/main" val="0"/>
+              </a:ext>
+            </a:extLst>
+          </a:blip>
+          <a:stretch>
+            <a:fillRect/>
+          </a:stretch>
+        </p:blipFill>
+        <p:spPr bwMode="auto">
+          <a:xfrm>
+            <a:off x="5294376" y="853495"/>
+            <a:ext cx="6257544" cy="4836304"/>
+          </a:xfrm>
+          <a:prstGeom prst="rect">
+            <a:avLst/>
+          </a:prstGeom>
+          <a:noFill/>
+          <a:extLst>
+            <a:ext uri="{909E8E84-426E-40DD-AFC4-6F175D3DCCD1}">
+              <a14:hiddenFill xmlns:a14="http://schemas.microsoft.com/office/drawing/2010/main">
+                <a:solidFill>
+                  <a:srgbClr val="FFFFFF"/>
+                </a:solidFill>
+              </a14:hiddenFill>
+            </a:ext>
+          </a:extLst>
+        </p:spPr>
+      </p:pic>
+      <p:sp>
+        <p:nvSpPr>
+          <p:cNvPr id="4" name="Text Placeholder 3">
+            <a:extLst>
+              <a:ext uri="{FF2B5EF4-FFF2-40B4-BE49-F238E27FC236}">
+                <a16:creationId xmlns:a16="http://schemas.microsoft.com/office/drawing/2014/main" id="{CF31CE8D-B2D4-4DEC-B1B3-DED146C57518}"/>
+              </a:ext>
+            </a:extLst>
+          </p:cNvPr>
+          <p:cNvSpPr>
+            <a:spLocks noGrp="1"/>
+          </p:cNvSpPr>
+          <p:nvPr>
+            <p:ph type="body" sz="half" idx="2"/>
+          </p:nvPr>
+        </p:nvSpPr>
+        <p:spPr>
+          <a:xfrm>
+            <a:off x="640080" y="3171384"/>
+            <a:ext cx="3794760" cy="2194036"/>
+          </a:xfrm>
+        </p:spPr>
+        <p:txBody>
+          <a:bodyPr/>
+          <a:lstStyle/>
+          <a:p>
+            <a:pPr marL="285750" indent="-285750" algn="l">
+              <a:buFont typeface="Arial" panose="020B0604020202020204" pitchFamily="34" charset="0"/>
+              <a:buChar char="•"/>
+            </a:pPr>
+            <a:r>
+              <a:rPr lang="en-GB" dirty="0"/>
+              <a:t>April 2016: First news of DNC hack</a:t>
+            </a:r>
+          </a:p>
+          <a:p>
+            <a:pPr marL="285750" indent="-285750" algn="l">
+              <a:buFont typeface="Arial" panose="020B0604020202020204" pitchFamily="34" charset="0"/>
+              <a:buChar char="•"/>
+            </a:pPr>
+            <a:r>
+              <a:rPr lang="en-GB" dirty="0"/>
+              <a:t>October 2016: Election month – email hack takes centre-stage</a:t>
+            </a:r>
+          </a:p>
+          <a:p>
+            <a:pPr marL="285750" indent="-285750" algn="l">
+              <a:buFont typeface="Arial" panose="020B0604020202020204" pitchFamily="34" charset="0"/>
+              <a:buChar char="•"/>
+            </a:pPr>
+            <a:r>
+              <a:rPr lang="en-GB" dirty="0"/>
+              <a:t>After October 2016: Minimal change =&gt; some consensus about Russia’s role? (even if the interpretation may vary)</a:t>
+            </a:r>
+            <a:endParaRPr lang="en-US" dirty="0"/>
+          </a:p>
+        </p:txBody>
+      </p:sp>
+    </p:spTree>
+    <p:extLst>
+      <p:ext uri="{BB962C8B-B14F-4D97-AF65-F5344CB8AC3E}">
+        <p14:creationId xmlns:p14="http://schemas.microsoft.com/office/powerpoint/2010/main" val="4025758087"/>
+      </p:ext>
+    </p:extLst>
+  </p:cSld>
+  <p:clrMapOvr>
+    <a:masterClrMapping/>
+  </p:clrMapOvr>
+</p:sld>
+</file>
+
+<file path=ppt/slides/slide14.xml><?xml version="1.0" encoding="utf-8"?>
+<p:sld xmlns:a="http://schemas.openxmlformats.org/drawingml/2006/main" xmlns:r="http://schemas.openxmlformats.org/officeDocument/2006/relationships" xmlns:p="http://schemas.openxmlformats.org/presentationml/2006/main">
+  <p:cSld>
+    <p:bg>
+      <p:bgPr>
+        <a:solidFill>
+          <a:schemeClr val="bg1">
+            <a:lumMod val="95000"/>
+          </a:schemeClr>
+        </a:solidFill>
+        <a:effectLst/>
+      </p:bgPr>
+    </p:bg>
+    <p:spTree>
+      <p:nvGrpSpPr>
+        <p:cNvPr id="1" name=""/>
+        <p:cNvGrpSpPr/>
+        <p:nvPr/>
+      </p:nvGrpSpPr>
+      <p:grpSpPr>
+        <a:xfrm>
+          <a:off x="0" y="0"/>
+          <a:ext cx="0" cy="0"/>
+          <a:chOff x="0" y="0"/>
+          <a:chExt cx="0" cy="0"/>
+        </a:xfrm>
+      </p:grpSpPr>
+      <p:sp>
+        <p:nvSpPr>
+          <p:cNvPr id="2" name="Title 1">
+            <a:extLst>
+              <a:ext uri="{FF2B5EF4-FFF2-40B4-BE49-F238E27FC236}">
+                <a16:creationId xmlns:a16="http://schemas.microsoft.com/office/drawing/2014/main" id="{79D9BF73-8003-4564-8222-EB1FB6981435}"/>
+              </a:ext>
+            </a:extLst>
+          </p:cNvPr>
+          <p:cNvSpPr>
+            <a:spLocks noGrp="1"/>
+          </p:cNvSpPr>
+          <p:nvPr>
+            <p:ph type="title"/>
+          </p:nvPr>
+        </p:nvSpPr>
+        <p:spPr>
+          <a:xfrm>
+            <a:off x="1014985" y="1114046"/>
+            <a:ext cx="3044950" cy="1627792"/>
+          </a:xfrm>
+        </p:spPr>
+        <p:txBody>
+          <a:bodyPr vert="horz" lIns="274320" tIns="182880" rIns="274320" bIns="182880" rtlCol="0" anchor="ctr" anchorCtr="1">
+            <a:normAutofit/>
+          </a:bodyPr>
+          <a:lstStyle/>
+          <a:p>
+            <a:r>
+              <a:rPr lang="en-GB" sz="2800" dirty="0"/>
+              <a:t>Changing Nature of ‘Russia’</a:t>
+            </a:r>
+            <a:endParaRPr lang="en-US" sz="2800" dirty="0"/>
+          </a:p>
+        </p:txBody>
+      </p:sp>
+      <p:sp>
+        <p:nvSpPr>
+          <p:cNvPr id="71" name="Rectangle 70">
+            <a:extLst>
+              <a:ext uri="{FF2B5EF4-FFF2-40B4-BE49-F238E27FC236}">
+                <a16:creationId xmlns:a16="http://schemas.microsoft.com/office/drawing/2014/main" id="{5CEBAAEF-3E73-4D85-9A3C-E40FEAFAEE6C}"/>
+              </a:ext>
+              <a:ext uri="{C183D7F6-B498-43B3-948B-1728B52AA6E4}">
+                <adec:decorative xmlns:adec="http://schemas.microsoft.com/office/drawing/2017/decorative" val="1"/>
+              </a:ext>
+            </a:extLst>
+          </p:cNvPr>
+          <p:cNvSpPr>
+            <a:spLocks noGrp="1" noRot="1" noChangeAspect="1" noMove="1" noResize="1" noEditPoints="1" noAdjustHandles="1" noChangeArrowheads="1" noChangeShapeType="1" noTextEdit="1"/>
+          </p:cNvSpPr>
+          <p:nvPr>
+            <p:extLst>
+              <p:ext uri="{386F3935-93C4-4BCD-93E2-E3B085C9AB24}">
+                <p16:designElem xmlns:p16="http://schemas.microsoft.com/office/powerpoint/2015/main" val="1"/>
+              </p:ext>
+            </p:extLst>
+          </p:nvPr>
+        </p:nvSpPr>
+        <p:spPr>
+          <a:xfrm>
+            <a:off x="4654296" y="0"/>
+            <a:ext cx="7537703" cy="6858000"/>
+          </a:xfrm>
+          <a:prstGeom prst="rect">
+            <a:avLst/>
+          </a:prstGeom>
+          <a:solidFill>
+            <a:srgbClr val="FFFFFF"/>
+          </a:solidFill>
+          <a:ln>
+            <a:noFill/>
+          </a:ln>
+        </p:spPr>
+        <p:style>
+          <a:lnRef idx="2">
+            <a:schemeClr val="accent1">
+              <a:shade val="50000"/>
+            </a:schemeClr>
+          </a:lnRef>
+          <a:fillRef idx="1">
+            <a:schemeClr val="accent1"/>
+          </a:fillRef>
+          <a:effectRef idx="0">
+            <a:schemeClr val="accent1"/>
+          </a:effectRef>
+          <a:fontRef idx="minor">
+            <a:schemeClr val="lt1"/>
+          </a:fontRef>
+        </p:style>
+        <p:txBody>
+          <a:bodyPr rtlCol="0" anchor="ctr"/>
+          <a:lstStyle/>
+          <a:p>
+            <a:pPr algn="ctr"/>
+            <a:endParaRPr lang="en-US"/>
+          </a:p>
+        </p:txBody>
+      </p:sp>
+      <p:pic>
+        <p:nvPicPr>
+          <p:cNvPr id="3074" name="Picture 2">
+            <a:extLst>
+              <a:ext uri="{FF2B5EF4-FFF2-40B4-BE49-F238E27FC236}">
+                <a16:creationId xmlns:a16="http://schemas.microsoft.com/office/drawing/2014/main" id="{3B805A00-D715-4F6B-882C-D4CA0787DDF5}"/>
+              </a:ext>
+            </a:extLst>
+          </p:cNvPr>
+          <p:cNvPicPr>
+            <a:picLocks noGrp="1" noChangeAspect="1" noChangeArrowheads="1"/>
+          </p:cNvPicPr>
+          <p:nvPr>
+            <p:ph idx="1"/>
+          </p:nvPr>
+        </p:nvPicPr>
+        <p:blipFill>
+          <a:blip r:embed="rId2">
+            <a:extLst>
+              <a:ext uri="{28A0092B-C50C-407E-A947-70E740481C1C}">
+                <a14:useLocalDpi xmlns:a14="http://schemas.microsoft.com/office/drawing/2010/main" val="0"/>
+              </a:ext>
+            </a:extLst>
+          </a:blip>
+          <a:stretch>
+            <a:fillRect/>
+          </a:stretch>
+        </p:blipFill>
+        <p:spPr bwMode="auto">
+          <a:xfrm>
+            <a:off x="5294376" y="853495"/>
+            <a:ext cx="6257544" cy="4836304"/>
+          </a:xfrm>
+          <a:prstGeom prst="rect">
+            <a:avLst/>
+          </a:prstGeom>
+          <a:noFill/>
+          <a:extLst>
+            <a:ext uri="{909E8E84-426E-40DD-AFC4-6F175D3DCCD1}">
+              <a14:hiddenFill xmlns:a14="http://schemas.microsoft.com/office/drawing/2010/main">
+                <a:solidFill>
+                  <a:srgbClr val="FFFFFF"/>
+                </a:solidFill>
+              </a14:hiddenFill>
+            </a:ext>
+          </a:extLst>
+        </p:spPr>
+      </p:pic>
+      <p:sp>
+        <p:nvSpPr>
+          <p:cNvPr id="4" name="Text Placeholder 3">
+            <a:extLst>
+              <a:ext uri="{FF2B5EF4-FFF2-40B4-BE49-F238E27FC236}">
+                <a16:creationId xmlns:a16="http://schemas.microsoft.com/office/drawing/2014/main" id="{CF31CE8D-B2D4-4DEC-B1B3-DED146C57518}"/>
+              </a:ext>
+            </a:extLst>
+          </p:cNvPr>
+          <p:cNvSpPr>
+            <a:spLocks noGrp="1"/>
+          </p:cNvSpPr>
+          <p:nvPr>
+            <p:ph type="body" sz="half" idx="2"/>
+          </p:nvPr>
+        </p:nvSpPr>
+        <p:spPr>
+          <a:xfrm>
+            <a:off x="640080" y="3171384"/>
+            <a:ext cx="3794760" cy="2194036"/>
+          </a:xfrm>
+        </p:spPr>
+        <p:txBody>
+          <a:bodyPr/>
+          <a:lstStyle/>
+          <a:p>
+            <a:pPr marL="285750" indent="-285750" algn="l">
+              <a:buFont typeface="Arial" panose="020B0604020202020204" pitchFamily="34" charset="0"/>
+              <a:buChar char="•"/>
+            </a:pPr>
+            <a:r>
+              <a:rPr lang="en-GB" dirty="0"/>
+              <a:t>April 2016: First news of DNC hack</a:t>
+            </a:r>
+          </a:p>
+          <a:p>
+            <a:pPr marL="285750" indent="-285750" algn="l">
+              <a:buFont typeface="Arial" panose="020B0604020202020204" pitchFamily="34" charset="0"/>
+              <a:buChar char="•"/>
+            </a:pPr>
+            <a:r>
+              <a:rPr lang="en-GB" dirty="0"/>
+              <a:t>October 2016: Election month – email hack takes centre-stage</a:t>
+            </a:r>
+          </a:p>
+          <a:p>
+            <a:pPr marL="285750" indent="-285750" algn="l">
+              <a:buFont typeface="Arial" panose="020B0604020202020204" pitchFamily="34" charset="0"/>
+              <a:buChar char="•"/>
+            </a:pPr>
+            <a:r>
+              <a:rPr lang="en-GB" dirty="0"/>
+              <a:t>After October 2016: Minimal change =&gt; some consensus about Russia’s role? (even if the interpretation may vary)</a:t>
+            </a:r>
+            <a:endParaRPr lang="en-US" dirty="0"/>
+          </a:p>
+        </p:txBody>
+      </p:sp>
+    </p:spTree>
+    <p:extLst>
+      <p:ext uri="{BB962C8B-B14F-4D97-AF65-F5344CB8AC3E}">
+        <p14:creationId xmlns:p14="http://schemas.microsoft.com/office/powerpoint/2010/main" val="1915834017"/>
+      </p:ext>
+    </p:extLst>
+  </p:cSld>
+  <p:clrMapOvr>
+    <a:masterClrMapping/>
+  </p:clrMapOvr>
+</p:sld>
+</file>
+
+<file path=ppt/slides/slide15.xml><?xml version="1.0" encoding="utf-8"?>
+<p:sld xmlns:a="http://schemas.openxmlformats.org/drawingml/2006/main" xmlns:r="http://schemas.openxmlformats.org/officeDocument/2006/relationships" xmlns:p="http://schemas.openxmlformats.org/presentationml/2006/main">
+  <p:cSld>
+    <p:bg>
+      <p:bgPr>
+        <a:solidFill>
+          <a:schemeClr val="bg1">
+            <a:lumMod val="95000"/>
+          </a:schemeClr>
+        </a:solidFill>
+        <a:effectLst/>
+      </p:bgPr>
+    </p:bg>
+    <p:spTree>
+      <p:nvGrpSpPr>
+        <p:cNvPr id="1" name=""/>
+        <p:cNvGrpSpPr/>
+        <p:nvPr/>
+      </p:nvGrpSpPr>
+      <p:grpSpPr>
+        <a:xfrm>
+          <a:off x="0" y="0"/>
+          <a:ext cx="0" cy="0"/>
+          <a:chOff x="0" y="0"/>
+          <a:chExt cx="0" cy="0"/>
+        </a:xfrm>
+      </p:grpSpPr>
+      <p:sp>
+        <p:nvSpPr>
+          <p:cNvPr id="77" name="Rectangle 76">
+            <a:extLst>
+              <a:ext uri="{FF2B5EF4-FFF2-40B4-BE49-F238E27FC236}">
+                <a16:creationId xmlns:a16="http://schemas.microsoft.com/office/drawing/2014/main" id="{42A9B402-66F6-477C-803C-FC8508A97926}"/>
+              </a:ext>
+              <a:ext uri="{C183D7F6-B498-43B3-948B-1728B52AA6E4}">
+                <adec:decorative xmlns:adec="http://schemas.microsoft.com/office/drawing/2017/decorative" val="1"/>
+              </a:ext>
+            </a:extLst>
+          </p:cNvPr>
+          <p:cNvSpPr>
+            <a:spLocks noGrp="1" noRot="1" noChangeAspect="1" noMove="1" noResize="1" noEditPoints="1" noAdjustHandles="1" noChangeArrowheads="1" noChangeShapeType="1" noTextEdit="1"/>
+          </p:cNvSpPr>
+          <p:nvPr>
+            <p:extLst>
+              <p:ext uri="{386F3935-93C4-4BCD-93E2-E3B085C9AB24}">
+                <p16:designElem xmlns:p16="http://schemas.microsoft.com/office/powerpoint/2015/main" val="1"/>
+              </p:ext>
+            </p:extLst>
+          </p:nvPr>
+        </p:nvSpPr>
+        <p:spPr>
+          <a:xfrm>
+            <a:off x="5315061" y="-2"/>
+            <a:ext cx="6876939" cy="6858002"/>
+          </a:xfrm>
+          <a:prstGeom prst="rect">
+            <a:avLst/>
+          </a:prstGeom>
+          <a:solidFill>
+            <a:schemeClr val="bg1">
+              <a:lumMod val="85000"/>
+            </a:schemeClr>
+          </a:solidFill>
+          <a:ln>
+            <a:noFill/>
+          </a:ln>
+        </p:spPr>
+        <p:style>
+          <a:lnRef idx="2">
+            <a:schemeClr val="accent1">
+              <a:shade val="50000"/>
+            </a:schemeClr>
+          </a:lnRef>
+          <a:fillRef idx="1">
+            <a:schemeClr val="accent1"/>
+          </a:fillRef>
+          <a:effectRef idx="0">
+            <a:schemeClr val="accent1"/>
+          </a:effectRef>
+          <a:fontRef idx="minor">
+            <a:schemeClr val="lt1"/>
+          </a:fontRef>
+        </p:style>
+        <p:txBody>
+          <a:bodyPr rtlCol="0" anchor="ctr"/>
+          <a:lstStyle/>
+          <a:p>
+            <a:pPr algn="ctr"/>
+            <a:endParaRPr lang="en-US"/>
+          </a:p>
+        </p:txBody>
+      </p:sp>
+      <p:sp>
+        <p:nvSpPr>
+          <p:cNvPr id="2" name="Title 1">
+            <a:extLst>
+              <a:ext uri="{FF2B5EF4-FFF2-40B4-BE49-F238E27FC236}">
+                <a16:creationId xmlns:a16="http://schemas.microsoft.com/office/drawing/2014/main" id="{79D9BF73-8003-4564-8222-EB1FB6981435}"/>
+              </a:ext>
+            </a:extLst>
+          </p:cNvPr>
+          <p:cNvSpPr>
+            <a:spLocks noGrp="1"/>
+          </p:cNvSpPr>
+          <p:nvPr>
+            <p:ph type="title"/>
+          </p:nvPr>
+        </p:nvSpPr>
+        <p:spPr>
+          <a:xfrm>
+            <a:off x="6119732" y="1290025"/>
+            <a:ext cx="5291327" cy="1188720"/>
           </a:xfrm>
           <a:solidFill>
             <a:srgbClr val="FFFFFF"/>
@@ -3741,23 +4571,177 @@
         </p:spPr>
         <p:txBody>
           <a:bodyPr vert="horz" lIns="182880" tIns="182880" rIns="182880" bIns="182880" rtlCol="0" anchor="ctr" anchorCtr="1">
-            <a:normAutofit fontScale="90000"/>
+            <a:normAutofit/>
           </a:bodyPr>
           <a:lstStyle/>
           <a:p>
             <a:r>
-              <a:rPr lang="en-US" sz="2800" dirty="0"/>
-              <a:t>‘News’ &amp; ‘Fake’</a:t>
+              <a:rPr lang="en-US" sz="2800"/>
+              <a:t>Role of Facebook</a:t>
             </a:r>
           </a:p>
         </p:txBody>
       </p:sp>
       <p:pic>
         <p:nvPicPr>
-          <p:cNvPr id="3076" name="Picture 4">
-            <a:extLst>
-              <a:ext uri="{FF2B5EF4-FFF2-40B4-BE49-F238E27FC236}">
-                <a16:creationId xmlns:a16="http://schemas.microsoft.com/office/drawing/2014/main" id="{DF3251B8-F66A-43AE-BED4-9DFB78F814C8}"/>
+          <p:cNvPr id="6" name="Picture 6">
+            <a:extLst>
+              <a:ext uri="{FF2B5EF4-FFF2-40B4-BE49-F238E27FC236}">
+                <a16:creationId xmlns:a16="http://schemas.microsoft.com/office/drawing/2014/main" id="{E6CA0522-CAA8-41AE-A23A-8C516C83D048}"/>
+              </a:ext>
+            </a:extLst>
+          </p:cNvPr>
+          <p:cNvPicPr>
+            <a:picLocks noChangeAspect="1" noChangeArrowheads="1"/>
+          </p:cNvPicPr>
+          <p:nvPr/>
+        </p:nvPicPr>
+        <p:blipFill>
+          <a:blip r:embed="rId2">
+            <a:extLst>
+              <a:ext uri="{28A0092B-C50C-407E-A947-70E740481C1C}">
+                <a14:useLocalDpi xmlns:a14="http://schemas.microsoft.com/office/drawing/2010/main" val="0"/>
+              </a:ext>
+            </a:extLst>
+          </a:blip>
+          <a:stretch>
+            <a:fillRect/>
+          </a:stretch>
+        </p:blipFill>
+        <p:spPr bwMode="auto">
+          <a:xfrm>
+            <a:off x="278357" y="3428999"/>
+            <a:ext cx="4436677" cy="3429001"/>
+          </a:xfrm>
+          <a:prstGeom prst="rect">
+            <a:avLst/>
+          </a:prstGeom>
+          <a:noFill/>
+          <a:extLst>
+            <a:ext uri="{909E8E84-426E-40DD-AFC4-6F175D3DCCD1}">
+              <a14:hiddenFill xmlns:a14="http://schemas.microsoft.com/office/drawing/2010/main">
+                <a:solidFill>
+                  <a:srgbClr val="FFFFFF"/>
+                </a:solidFill>
+              </a14:hiddenFill>
+            </a:ext>
+          </a:extLst>
+        </p:spPr>
+      </p:pic>
+      <p:sp>
+        <p:nvSpPr>
+          <p:cNvPr id="4" name="Text Placeholder 3">
+            <a:extLst>
+              <a:ext uri="{FF2B5EF4-FFF2-40B4-BE49-F238E27FC236}">
+                <a16:creationId xmlns:a16="http://schemas.microsoft.com/office/drawing/2014/main" id="{CF31CE8D-B2D4-4DEC-B1B3-DED146C57518}"/>
+              </a:ext>
+            </a:extLst>
+          </p:cNvPr>
+          <p:cNvSpPr>
+            <a:spLocks noGrp="1"/>
+          </p:cNvSpPr>
+          <p:nvPr>
+            <p:ph type="body" sz="half" idx="2"/>
+          </p:nvPr>
+        </p:nvSpPr>
+        <p:spPr>
+          <a:xfrm>
+            <a:off x="6119732" y="2858703"/>
+            <a:ext cx="5285791" cy="3042547"/>
+          </a:xfrm>
+        </p:spPr>
+        <p:txBody>
+          <a:bodyPr vert="horz" lIns="91440" tIns="45720" rIns="91440" bIns="45720" rtlCol="0">
+            <a:normAutofit/>
+          </a:bodyPr>
+          <a:lstStyle/>
+          <a:p>
+            <a:pPr marL="285750" indent="-228600" algn="l">
+              <a:buFont typeface="Arial" panose="020B0604020202020204" pitchFamily="34" charset="0"/>
+              <a:buChar char="•"/>
+            </a:pPr>
+            <a:r>
+              <a:rPr lang="en-US" dirty="0">
+                <a:solidFill>
+                  <a:schemeClr val="tx1">
+                    <a:lumMod val="85000"/>
+                    <a:lumOff val="15000"/>
+                  </a:schemeClr>
+                </a:solidFill>
+              </a:rPr>
+              <a:t>Greater change in the linguistic context surrounding Facebook over Twitter</a:t>
+            </a:r>
+          </a:p>
+          <a:p>
+            <a:pPr marL="742950" lvl="1" indent="-228600">
+              <a:buFont typeface="Arial" panose="020B0604020202020204" pitchFamily="34" charset="0"/>
+              <a:buChar char="•"/>
+            </a:pPr>
+            <a:r>
+              <a:rPr lang="en-US" dirty="0"/>
+              <a:t>Higher scale</a:t>
+            </a:r>
+          </a:p>
+          <a:p>
+            <a:pPr marL="742950" lvl="1" indent="-228600">
+              <a:buFont typeface="Arial" panose="020B0604020202020204" pitchFamily="34" charset="0"/>
+              <a:buChar char="•"/>
+            </a:pPr>
+            <a:r>
+              <a:rPr lang="en-US" dirty="0">
+                <a:solidFill>
+                  <a:schemeClr val="tx1">
+                    <a:lumMod val="85000"/>
+                    <a:lumOff val="15000"/>
+                  </a:schemeClr>
+                </a:solidFill>
+              </a:rPr>
+              <a:t>Starker changes</a:t>
+            </a:r>
+          </a:p>
+          <a:p>
+            <a:pPr marL="742950" lvl="1" indent="-228600">
+              <a:buFont typeface="Arial" panose="020B0604020202020204" pitchFamily="34" charset="0"/>
+              <a:buChar char="•"/>
+            </a:pPr>
+            <a:r>
+              <a:rPr lang="en-US" dirty="0"/>
+              <a:t>Trump’s Twitter usage as unsurprising</a:t>
+            </a:r>
+            <a:endParaRPr lang="en-US" dirty="0">
+              <a:solidFill>
+                <a:schemeClr val="tx1">
+                  <a:lumMod val="85000"/>
+                  <a:lumOff val="15000"/>
+                </a:schemeClr>
+              </a:solidFill>
+            </a:endParaRPr>
+          </a:p>
+          <a:p>
+            <a:pPr marL="285750" indent="-228600" algn="l">
+              <a:buFont typeface="Arial" panose="020B0604020202020204" pitchFamily="34" charset="0"/>
+              <a:buChar char="•"/>
+            </a:pPr>
+            <a:r>
+              <a:rPr lang="en-US" dirty="0">
+                <a:solidFill>
+                  <a:schemeClr val="tx1">
+                    <a:lumMod val="85000"/>
+                    <a:lumOff val="15000"/>
+                  </a:schemeClr>
+                </a:solidFill>
+              </a:rPr>
+              <a:t>Early 2018: Cambridge Analytica scandal</a:t>
+            </a:r>
+          </a:p>
+        </p:txBody>
+      </p:sp>
+      <p:pic>
+        <p:nvPicPr>
+          <p:cNvPr id="20" name="Picture 8">
+            <a:extLst>
+              <a:ext uri="{FF2B5EF4-FFF2-40B4-BE49-F238E27FC236}">
+                <a16:creationId xmlns:a16="http://schemas.microsoft.com/office/drawing/2014/main" id="{57C6746A-15AB-47AF-A337-E6C5D2968D21}"/>
               </a:ext>
             </a:extLst>
           </p:cNvPr>
@@ -3780,8 +4764,682 @@
         </p:blipFill>
         <p:spPr bwMode="auto">
           <a:xfrm>
-            <a:off x="909015" y="969433"/>
-            <a:ext cx="3497031" cy="2734043"/>
+            <a:off x="278357" y="0"/>
+            <a:ext cx="4436676" cy="3429000"/>
+          </a:xfrm>
+          <a:prstGeom prst="rect">
+            <a:avLst/>
+          </a:prstGeom>
+          <a:noFill/>
+          <a:extLst>
+            <a:ext uri="{909E8E84-426E-40DD-AFC4-6F175D3DCCD1}">
+              <a14:hiddenFill xmlns:a14="http://schemas.microsoft.com/office/drawing/2010/main">
+                <a:solidFill>
+                  <a:srgbClr val="FFFFFF"/>
+                </a:solidFill>
+              </a14:hiddenFill>
+            </a:ext>
+          </a:extLst>
+        </p:spPr>
+      </p:pic>
+    </p:spTree>
+    <p:extLst>
+      <p:ext uri="{BB962C8B-B14F-4D97-AF65-F5344CB8AC3E}">
+        <p14:creationId xmlns:p14="http://schemas.microsoft.com/office/powerpoint/2010/main" val="2684644933"/>
+      </p:ext>
+    </p:extLst>
+  </p:cSld>
+  <p:clrMapOvr>
+    <a:masterClrMapping/>
+  </p:clrMapOvr>
+</p:sld>
+</file>
+
+<file path=ppt/slides/slide16.xml><?xml version="1.0" encoding="utf-8"?>
+<p:sld xmlns:a="http://schemas.openxmlformats.org/drawingml/2006/main" xmlns:r="http://schemas.openxmlformats.org/officeDocument/2006/relationships" xmlns:p="http://schemas.openxmlformats.org/presentationml/2006/main">
+  <p:cSld>
+    <p:bg>
+      <p:bgPr>
+        <a:solidFill>
+          <a:schemeClr val="bg1">
+            <a:lumMod val="95000"/>
+          </a:schemeClr>
+        </a:solidFill>
+        <a:effectLst/>
+      </p:bgPr>
+    </p:bg>
+    <p:spTree>
+      <p:nvGrpSpPr>
+        <p:cNvPr id="1" name=""/>
+        <p:cNvGrpSpPr/>
+        <p:nvPr/>
+      </p:nvGrpSpPr>
+      <p:grpSpPr>
+        <a:xfrm>
+          <a:off x="0" y="0"/>
+          <a:ext cx="0" cy="0"/>
+          <a:chOff x="0" y="0"/>
+          <a:chExt cx="0" cy="0"/>
+        </a:xfrm>
+      </p:grpSpPr>
+      <p:sp>
+        <p:nvSpPr>
+          <p:cNvPr id="77" name="Rectangle 76">
+            <a:extLst>
+              <a:ext uri="{FF2B5EF4-FFF2-40B4-BE49-F238E27FC236}">
+                <a16:creationId xmlns:a16="http://schemas.microsoft.com/office/drawing/2014/main" id="{42A9B402-66F6-477C-803C-FC8508A97926}"/>
+              </a:ext>
+              <a:ext uri="{C183D7F6-B498-43B3-948B-1728B52AA6E4}">
+                <adec:decorative xmlns:adec="http://schemas.microsoft.com/office/drawing/2017/decorative" val="1"/>
+              </a:ext>
+            </a:extLst>
+          </p:cNvPr>
+          <p:cNvSpPr>
+            <a:spLocks noGrp="1" noRot="1" noChangeAspect="1" noMove="1" noResize="1" noEditPoints="1" noAdjustHandles="1" noChangeArrowheads="1" noChangeShapeType="1" noTextEdit="1"/>
+          </p:cNvSpPr>
+          <p:nvPr>
+            <p:extLst>
+              <p:ext uri="{386F3935-93C4-4BCD-93E2-E3B085C9AB24}">
+                <p16:designElem xmlns:p16="http://schemas.microsoft.com/office/powerpoint/2015/main" val="1"/>
+              </p:ext>
+            </p:extLst>
+          </p:nvPr>
+        </p:nvSpPr>
+        <p:spPr>
+          <a:xfrm>
+            <a:off x="5315061" y="-2"/>
+            <a:ext cx="6876939" cy="6858002"/>
+          </a:xfrm>
+          <a:prstGeom prst="rect">
+            <a:avLst/>
+          </a:prstGeom>
+          <a:solidFill>
+            <a:schemeClr val="bg1">
+              <a:lumMod val="85000"/>
+            </a:schemeClr>
+          </a:solidFill>
+          <a:ln>
+            <a:noFill/>
+          </a:ln>
+        </p:spPr>
+        <p:style>
+          <a:lnRef idx="2">
+            <a:schemeClr val="accent1">
+              <a:shade val="50000"/>
+            </a:schemeClr>
+          </a:lnRef>
+          <a:fillRef idx="1">
+            <a:schemeClr val="accent1"/>
+          </a:fillRef>
+          <a:effectRef idx="0">
+            <a:schemeClr val="accent1"/>
+          </a:effectRef>
+          <a:fontRef idx="minor">
+            <a:schemeClr val="lt1"/>
+          </a:fontRef>
+        </p:style>
+        <p:txBody>
+          <a:bodyPr rtlCol="0" anchor="ctr"/>
+          <a:lstStyle/>
+          <a:p>
+            <a:pPr algn="ctr"/>
+            <a:endParaRPr lang="en-US"/>
+          </a:p>
+        </p:txBody>
+      </p:sp>
+      <p:sp>
+        <p:nvSpPr>
+          <p:cNvPr id="2" name="Title 1">
+            <a:extLst>
+              <a:ext uri="{FF2B5EF4-FFF2-40B4-BE49-F238E27FC236}">
+                <a16:creationId xmlns:a16="http://schemas.microsoft.com/office/drawing/2014/main" id="{79D9BF73-8003-4564-8222-EB1FB6981435}"/>
+              </a:ext>
+            </a:extLst>
+          </p:cNvPr>
+          <p:cNvSpPr>
+            <a:spLocks noGrp="1"/>
+          </p:cNvSpPr>
+          <p:nvPr>
+            <p:ph type="title"/>
+          </p:nvPr>
+        </p:nvSpPr>
+        <p:spPr>
+          <a:xfrm>
+            <a:off x="6119732" y="1290025"/>
+            <a:ext cx="5291327" cy="1188720"/>
+          </a:xfrm>
+          <a:solidFill>
+            <a:srgbClr val="FFFFFF"/>
+          </a:solidFill>
+          <a:ln>
+            <a:solidFill>
+              <a:srgbClr val="404040"/>
+            </a:solidFill>
+          </a:ln>
+        </p:spPr>
+        <p:txBody>
+          <a:bodyPr vert="horz" lIns="182880" tIns="182880" rIns="182880" bIns="182880" rtlCol="0" anchor="ctr" anchorCtr="1">
+            <a:normAutofit/>
+          </a:bodyPr>
+          <a:lstStyle/>
+          <a:p>
+            <a:r>
+              <a:rPr lang="en-US" sz="2800"/>
+              <a:t>Role of Facebook</a:t>
+            </a:r>
+          </a:p>
+        </p:txBody>
+      </p:sp>
+      <p:pic>
+        <p:nvPicPr>
+          <p:cNvPr id="6" name="Picture 6">
+            <a:extLst>
+              <a:ext uri="{FF2B5EF4-FFF2-40B4-BE49-F238E27FC236}">
+                <a16:creationId xmlns:a16="http://schemas.microsoft.com/office/drawing/2014/main" id="{E6CA0522-CAA8-41AE-A23A-8C516C83D048}"/>
+              </a:ext>
+            </a:extLst>
+          </p:cNvPr>
+          <p:cNvPicPr>
+            <a:picLocks noChangeAspect="1" noChangeArrowheads="1"/>
+          </p:cNvPicPr>
+          <p:nvPr/>
+        </p:nvPicPr>
+        <p:blipFill>
+          <a:blip r:embed="rId2">
+            <a:extLst>
+              <a:ext uri="{28A0092B-C50C-407E-A947-70E740481C1C}">
+                <a14:useLocalDpi xmlns:a14="http://schemas.microsoft.com/office/drawing/2010/main" val="0"/>
+              </a:ext>
+            </a:extLst>
+          </a:blip>
+          <a:stretch>
+            <a:fillRect/>
+          </a:stretch>
+        </p:blipFill>
+        <p:spPr bwMode="auto">
+          <a:xfrm>
+            <a:off x="278357" y="3428999"/>
+            <a:ext cx="4436677" cy="3429001"/>
+          </a:xfrm>
+          <a:prstGeom prst="rect">
+            <a:avLst/>
+          </a:prstGeom>
+          <a:noFill/>
+          <a:extLst>
+            <a:ext uri="{909E8E84-426E-40DD-AFC4-6F175D3DCCD1}">
+              <a14:hiddenFill xmlns:a14="http://schemas.microsoft.com/office/drawing/2010/main">
+                <a:solidFill>
+                  <a:srgbClr val="FFFFFF"/>
+                </a:solidFill>
+              </a14:hiddenFill>
+            </a:ext>
+          </a:extLst>
+        </p:spPr>
+      </p:pic>
+      <p:sp>
+        <p:nvSpPr>
+          <p:cNvPr id="4" name="Text Placeholder 3">
+            <a:extLst>
+              <a:ext uri="{FF2B5EF4-FFF2-40B4-BE49-F238E27FC236}">
+                <a16:creationId xmlns:a16="http://schemas.microsoft.com/office/drawing/2014/main" id="{CF31CE8D-B2D4-4DEC-B1B3-DED146C57518}"/>
+              </a:ext>
+            </a:extLst>
+          </p:cNvPr>
+          <p:cNvSpPr>
+            <a:spLocks noGrp="1"/>
+          </p:cNvSpPr>
+          <p:nvPr>
+            <p:ph type="body" sz="half" idx="2"/>
+          </p:nvPr>
+        </p:nvSpPr>
+        <p:spPr>
+          <a:xfrm>
+            <a:off x="6119732" y="2858703"/>
+            <a:ext cx="5285791" cy="3042547"/>
+          </a:xfrm>
+        </p:spPr>
+        <p:txBody>
+          <a:bodyPr vert="horz" lIns="91440" tIns="45720" rIns="91440" bIns="45720" rtlCol="0">
+            <a:normAutofit/>
+          </a:bodyPr>
+          <a:lstStyle/>
+          <a:p>
+            <a:pPr marL="285750" indent="-228600" algn="l">
+              <a:buFont typeface="Arial" panose="020B0604020202020204" pitchFamily="34" charset="0"/>
+              <a:buChar char="•"/>
+            </a:pPr>
+            <a:r>
+              <a:rPr lang="en-US" dirty="0">
+                <a:solidFill>
+                  <a:schemeClr val="tx1">
+                    <a:lumMod val="85000"/>
+                    <a:lumOff val="15000"/>
+                  </a:schemeClr>
+                </a:solidFill>
+              </a:rPr>
+              <a:t>Greater change in the linguistic context surrounding Facebook over Twitter</a:t>
+            </a:r>
+          </a:p>
+          <a:p>
+            <a:pPr marL="742950" lvl="1" indent="-228600">
+              <a:buFont typeface="Arial" panose="020B0604020202020204" pitchFamily="34" charset="0"/>
+              <a:buChar char="•"/>
+            </a:pPr>
+            <a:r>
+              <a:rPr lang="en-US" dirty="0"/>
+              <a:t>Higher scale</a:t>
+            </a:r>
+          </a:p>
+          <a:p>
+            <a:pPr marL="742950" lvl="1" indent="-228600">
+              <a:buFont typeface="Arial" panose="020B0604020202020204" pitchFamily="34" charset="0"/>
+              <a:buChar char="•"/>
+            </a:pPr>
+            <a:r>
+              <a:rPr lang="en-US" dirty="0">
+                <a:solidFill>
+                  <a:schemeClr val="tx1">
+                    <a:lumMod val="85000"/>
+                    <a:lumOff val="15000"/>
+                  </a:schemeClr>
+                </a:solidFill>
+              </a:rPr>
+              <a:t>Starker changes</a:t>
+            </a:r>
+          </a:p>
+          <a:p>
+            <a:pPr marL="742950" lvl="1" indent="-228600">
+              <a:buFont typeface="Arial" panose="020B0604020202020204" pitchFamily="34" charset="0"/>
+              <a:buChar char="•"/>
+            </a:pPr>
+            <a:r>
+              <a:rPr lang="en-US" dirty="0"/>
+              <a:t>Trump’s Twitter usage as unsurprising</a:t>
+            </a:r>
+            <a:endParaRPr lang="en-US" dirty="0">
+              <a:solidFill>
+                <a:schemeClr val="tx1">
+                  <a:lumMod val="85000"/>
+                  <a:lumOff val="15000"/>
+                </a:schemeClr>
+              </a:solidFill>
+            </a:endParaRPr>
+          </a:p>
+          <a:p>
+            <a:pPr marL="285750" indent="-228600" algn="l">
+              <a:buFont typeface="Arial" panose="020B0604020202020204" pitchFamily="34" charset="0"/>
+              <a:buChar char="•"/>
+            </a:pPr>
+            <a:r>
+              <a:rPr lang="en-US" dirty="0">
+                <a:solidFill>
+                  <a:schemeClr val="tx1">
+                    <a:lumMod val="85000"/>
+                    <a:lumOff val="15000"/>
+                  </a:schemeClr>
+                </a:solidFill>
+              </a:rPr>
+              <a:t>Early 2018: Cambridge Analytica scandal</a:t>
+            </a:r>
+          </a:p>
+        </p:txBody>
+      </p:sp>
+      <p:pic>
+        <p:nvPicPr>
+          <p:cNvPr id="20" name="Picture 8">
+            <a:extLst>
+              <a:ext uri="{FF2B5EF4-FFF2-40B4-BE49-F238E27FC236}">
+                <a16:creationId xmlns:a16="http://schemas.microsoft.com/office/drawing/2014/main" id="{57C6746A-15AB-47AF-A337-E6C5D2968D21}"/>
+              </a:ext>
+            </a:extLst>
+          </p:cNvPr>
+          <p:cNvPicPr>
+            <a:picLocks noChangeAspect="1" noChangeArrowheads="1"/>
+          </p:cNvPicPr>
+          <p:nvPr/>
+        </p:nvPicPr>
+        <p:blipFill>
+          <a:blip r:embed="rId3">
+            <a:extLst>
+              <a:ext uri="{28A0092B-C50C-407E-A947-70E740481C1C}">
+                <a14:useLocalDpi xmlns:a14="http://schemas.microsoft.com/office/drawing/2010/main" val="0"/>
+              </a:ext>
+            </a:extLst>
+          </a:blip>
+          <a:stretch>
+            <a:fillRect/>
+          </a:stretch>
+        </p:blipFill>
+        <p:spPr bwMode="auto">
+          <a:xfrm>
+            <a:off x="278357" y="0"/>
+            <a:ext cx="4436676" cy="3429000"/>
+          </a:xfrm>
+          <a:prstGeom prst="rect">
+            <a:avLst/>
+          </a:prstGeom>
+          <a:noFill/>
+          <a:extLst>
+            <a:ext uri="{909E8E84-426E-40DD-AFC4-6F175D3DCCD1}">
+              <a14:hiddenFill xmlns:a14="http://schemas.microsoft.com/office/drawing/2010/main">
+                <a:solidFill>
+                  <a:srgbClr val="FFFFFF"/>
+                </a:solidFill>
+              </a14:hiddenFill>
+            </a:ext>
+          </a:extLst>
+        </p:spPr>
+      </p:pic>
+    </p:spTree>
+    <p:extLst>
+      <p:ext uri="{BB962C8B-B14F-4D97-AF65-F5344CB8AC3E}">
+        <p14:creationId xmlns:p14="http://schemas.microsoft.com/office/powerpoint/2010/main" val="2852813824"/>
+      </p:ext>
+    </p:extLst>
+  </p:cSld>
+  <p:clrMapOvr>
+    <a:masterClrMapping/>
+  </p:clrMapOvr>
+</p:sld>
+</file>
+
+<file path=ppt/slides/slide17.xml><?xml version="1.0" encoding="utf-8"?>
+<p:sld xmlns:a="http://schemas.openxmlformats.org/drawingml/2006/main" xmlns:r="http://schemas.openxmlformats.org/officeDocument/2006/relationships" xmlns:p="http://schemas.openxmlformats.org/presentationml/2006/main">
+  <p:cSld>
+    <p:bg>
+      <p:bgPr>
+        <a:solidFill>
+          <a:schemeClr val="bg1">
+            <a:lumMod val="95000"/>
+          </a:schemeClr>
+        </a:solidFill>
+        <a:effectLst/>
+      </p:bgPr>
+    </p:bg>
+    <p:spTree>
+      <p:nvGrpSpPr>
+        <p:cNvPr id="1" name=""/>
+        <p:cNvGrpSpPr/>
+        <p:nvPr/>
+      </p:nvGrpSpPr>
+      <p:grpSpPr>
+        <a:xfrm>
+          <a:off x="0" y="0"/>
+          <a:ext cx="0" cy="0"/>
+          <a:chOff x="0" y="0"/>
+          <a:chExt cx="0" cy="0"/>
+        </a:xfrm>
+      </p:grpSpPr>
+      <p:sp>
+        <p:nvSpPr>
+          <p:cNvPr id="141" name="Rectangle 140">
+            <a:extLst>
+              <a:ext uri="{FF2B5EF4-FFF2-40B4-BE49-F238E27FC236}">
+                <a16:creationId xmlns:a16="http://schemas.microsoft.com/office/drawing/2014/main" id="{CF342E47-6E1D-4EED-875B-4AB707CA50E5}"/>
+              </a:ext>
+              <a:ext uri="{C183D7F6-B498-43B3-948B-1728B52AA6E4}">
+                <adec:decorative xmlns:adec="http://schemas.microsoft.com/office/drawing/2017/decorative" val="1"/>
+              </a:ext>
+            </a:extLst>
+          </p:cNvPr>
+          <p:cNvSpPr>
+            <a:spLocks noGrp="1" noRot="1" noChangeAspect="1" noMove="1" noResize="1" noEditPoints="1" noAdjustHandles="1" noChangeArrowheads="1" noChangeShapeType="1" noTextEdit="1"/>
+          </p:cNvSpPr>
+          <p:nvPr>
+            <p:extLst>
+              <p:ext uri="{386F3935-93C4-4BCD-93E2-E3B085C9AB24}">
+                <p16:designElem xmlns:p16="http://schemas.microsoft.com/office/powerpoint/2015/main" val="1"/>
+              </p:ext>
+            </p:extLst>
+          </p:nvPr>
+        </p:nvSpPr>
+        <p:spPr>
+          <a:xfrm>
+            <a:off x="0" y="-2"/>
+            <a:ext cx="12192000" cy="4918511"/>
+          </a:xfrm>
+          <a:prstGeom prst="rect">
+            <a:avLst/>
+          </a:prstGeom>
+          <a:solidFill>
+            <a:srgbClr val="FFFFFF"/>
+          </a:solidFill>
+          <a:ln>
+            <a:noFill/>
+          </a:ln>
+        </p:spPr>
+        <p:style>
+          <a:lnRef idx="2">
+            <a:schemeClr val="accent1">
+              <a:shade val="50000"/>
+            </a:schemeClr>
+          </a:lnRef>
+          <a:fillRef idx="1">
+            <a:schemeClr val="accent1"/>
+          </a:fillRef>
+          <a:effectRef idx="0">
+            <a:schemeClr val="accent1"/>
+          </a:effectRef>
+          <a:fontRef idx="minor">
+            <a:schemeClr val="lt1"/>
+          </a:fontRef>
+        </p:style>
+        <p:txBody>
+          <a:bodyPr rtlCol="0" anchor="ctr"/>
+          <a:lstStyle/>
+          <a:p>
+            <a:pPr algn="ctr"/>
+            <a:endParaRPr lang="en-US"/>
+          </a:p>
+        </p:txBody>
+      </p:sp>
+      <p:sp>
+        <p:nvSpPr>
+          <p:cNvPr id="2" name="Title 1">
+            <a:extLst>
+              <a:ext uri="{FF2B5EF4-FFF2-40B4-BE49-F238E27FC236}">
+                <a16:creationId xmlns:a16="http://schemas.microsoft.com/office/drawing/2014/main" id="{79D9BF73-8003-4564-8222-EB1FB6981435}"/>
+              </a:ext>
+            </a:extLst>
+          </p:cNvPr>
+          <p:cNvSpPr>
+            <a:spLocks noGrp="1"/>
+          </p:cNvSpPr>
+          <p:nvPr>
+            <p:ph type="title" idx="4294967295"/>
+          </p:nvPr>
+        </p:nvSpPr>
+        <p:spPr>
+          <a:xfrm>
+            <a:off x="1600200" y="4269282"/>
+            <a:ext cx="8991600" cy="1264762"/>
+          </a:xfrm>
+        </p:spPr>
+        <p:txBody>
+          <a:bodyPr vert="horz" lIns="274320" tIns="182880" rIns="274320" bIns="182880" rtlCol="0" anchor="ctr" anchorCtr="1">
+            <a:normAutofit/>
+          </a:bodyPr>
+          <a:lstStyle/>
+          <a:p>
+            <a:r>
+              <a:rPr lang="en-US" sz="3200" dirty="0">
+                <a:solidFill>
+                  <a:srgbClr val="262626"/>
+                </a:solidFill>
+              </a:rPr>
+              <a:t>Selective Stability?</a:t>
+            </a:r>
+          </a:p>
+        </p:txBody>
+      </p:sp>
+      <p:pic>
+        <p:nvPicPr>
+          <p:cNvPr id="3074" name="Picture 2">
+            <a:extLst>
+              <a:ext uri="{FF2B5EF4-FFF2-40B4-BE49-F238E27FC236}">
+                <a16:creationId xmlns:a16="http://schemas.microsoft.com/office/drawing/2014/main" id="{0ED467E6-FC75-4C95-8CDB-66B067DC549E}"/>
+              </a:ext>
+            </a:extLst>
+          </p:cNvPr>
+          <p:cNvPicPr>
+            <a:picLocks noChangeAspect="1" noChangeArrowheads="1"/>
+          </p:cNvPicPr>
+          <p:nvPr/>
+        </p:nvPicPr>
+        <p:blipFill>
+          <a:blip r:embed="rId2">
+            <a:extLst>
+              <a:ext uri="{28A0092B-C50C-407E-A947-70E740481C1C}">
+                <a14:useLocalDpi xmlns:a14="http://schemas.microsoft.com/office/drawing/2010/main" val="0"/>
+              </a:ext>
+            </a:extLst>
+          </a:blip>
+          <a:stretch>
+            <a:fillRect/>
+          </a:stretch>
+        </p:blipFill>
+        <p:spPr bwMode="auto">
+          <a:xfrm>
+            <a:off x="692912" y="1219510"/>
+            <a:ext cx="2580894" cy="2038001"/>
+          </a:xfrm>
+          <a:prstGeom prst="rect">
+            <a:avLst/>
+          </a:prstGeom>
+          <a:noFill/>
+          <a:extLst>
+            <a:ext uri="{909E8E84-426E-40DD-AFC4-6F175D3DCCD1}">
+              <a14:hiddenFill xmlns:a14="http://schemas.microsoft.com/office/drawing/2010/main">
+                <a:solidFill>
+                  <a:srgbClr val="FFFFFF"/>
+                </a:solidFill>
+              </a14:hiddenFill>
+            </a:ext>
+          </a:extLst>
+        </p:spPr>
+      </p:pic>
+      <p:pic>
+        <p:nvPicPr>
+          <p:cNvPr id="3078" name="Picture 6">
+            <a:extLst>
+              <a:ext uri="{FF2B5EF4-FFF2-40B4-BE49-F238E27FC236}">
+                <a16:creationId xmlns:a16="http://schemas.microsoft.com/office/drawing/2014/main" id="{BE086658-DD00-4642-98D5-DF591A30EFD0}"/>
+              </a:ext>
+            </a:extLst>
+          </p:cNvPr>
+          <p:cNvPicPr>
+            <a:picLocks noChangeAspect="1" noChangeArrowheads="1"/>
+          </p:cNvPicPr>
+          <p:nvPr/>
+        </p:nvPicPr>
+        <p:blipFill>
+          <a:blip r:embed="rId3">
+            <a:extLst>
+              <a:ext uri="{28A0092B-C50C-407E-A947-70E740481C1C}">
+                <a14:useLocalDpi xmlns:a14="http://schemas.microsoft.com/office/drawing/2010/main" val="0"/>
+              </a:ext>
+            </a:extLst>
+          </a:blip>
+          <a:stretch>
+            <a:fillRect/>
+          </a:stretch>
+        </p:blipFill>
+        <p:spPr bwMode="auto">
+          <a:xfrm>
+            <a:off x="3434672" y="1219510"/>
+            <a:ext cx="2580895" cy="2038002"/>
+          </a:xfrm>
+          <a:prstGeom prst="rect">
+            <a:avLst/>
+          </a:prstGeom>
+          <a:noFill/>
+          <a:extLst>
+            <a:ext uri="{909E8E84-426E-40DD-AFC4-6F175D3DCCD1}">
+              <a14:hiddenFill xmlns:a14="http://schemas.microsoft.com/office/drawing/2010/main">
+                <a:solidFill>
+                  <a:srgbClr val="FFFFFF"/>
+                </a:solidFill>
+              </a14:hiddenFill>
+            </a:ext>
+          </a:extLst>
+        </p:spPr>
+      </p:pic>
+      <p:pic>
+        <p:nvPicPr>
+          <p:cNvPr id="3076" name="Picture 4">
+            <a:extLst>
+              <a:ext uri="{FF2B5EF4-FFF2-40B4-BE49-F238E27FC236}">
+                <a16:creationId xmlns:a16="http://schemas.microsoft.com/office/drawing/2014/main" id="{DF3251B8-F66A-43AE-BED4-9DFB78F814C8}"/>
+              </a:ext>
+            </a:extLst>
+          </p:cNvPr>
+          <p:cNvPicPr>
+            <a:picLocks noChangeAspect="1" noChangeArrowheads="1"/>
+          </p:cNvPicPr>
+          <p:nvPr/>
+        </p:nvPicPr>
+        <p:blipFill>
+          <a:blip r:embed="rId4">
+            <a:extLst>
+              <a:ext uri="{28A0092B-C50C-407E-A947-70E740481C1C}">
+                <a14:useLocalDpi xmlns:a14="http://schemas.microsoft.com/office/drawing/2010/main" val="0"/>
+              </a:ext>
+            </a:extLst>
+          </a:blip>
+          <a:stretch>
+            <a:fillRect/>
+          </a:stretch>
+        </p:blipFill>
+        <p:spPr bwMode="auto">
+          <a:xfrm>
+            <a:off x="6176433" y="1229616"/>
+            <a:ext cx="2580895" cy="2017790"/>
+          </a:xfrm>
+          <a:prstGeom prst="rect">
+            <a:avLst/>
+          </a:prstGeom>
+          <a:noFill/>
+          <a:extLst>
+            <a:ext uri="{909E8E84-426E-40DD-AFC4-6F175D3DCCD1}">
+              <a14:hiddenFill xmlns:a14="http://schemas.microsoft.com/office/drawing/2010/main">
+                <a:solidFill>
+                  <a:srgbClr val="FFFFFF"/>
+                </a:solidFill>
+              </a14:hiddenFill>
+            </a:ext>
+          </a:extLst>
+        </p:spPr>
+      </p:pic>
+      <p:pic>
+        <p:nvPicPr>
+          <p:cNvPr id="3080" name="Picture 8">
+            <a:extLst>
+              <a:ext uri="{FF2B5EF4-FFF2-40B4-BE49-F238E27FC236}">
+                <a16:creationId xmlns:a16="http://schemas.microsoft.com/office/drawing/2014/main" id="{AD71DEBD-20C0-40FD-8651-4D596E19598F}"/>
+              </a:ext>
+            </a:extLst>
+          </p:cNvPr>
+          <p:cNvPicPr>
+            <a:picLocks noChangeAspect="1" noChangeArrowheads="1"/>
+          </p:cNvPicPr>
+          <p:nvPr/>
+        </p:nvPicPr>
+        <p:blipFill>
+          <a:blip r:embed="rId5">
+            <a:extLst>
+              <a:ext uri="{28A0092B-C50C-407E-A947-70E740481C1C}">
+                <a14:useLocalDpi xmlns:a14="http://schemas.microsoft.com/office/drawing/2010/main" val="0"/>
+              </a:ext>
+            </a:extLst>
+          </a:blip>
+          <a:stretch>
+            <a:fillRect/>
+          </a:stretch>
+        </p:blipFill>
+        <p:spPr bwMode="auto">
+          <a:xfrm>
+            <a:off x="8918193" y="1241155"/>
+            <a:ext cx="2580895" cy="1994711"/>
           </a:xfrm>
           <a:prstGeom prst="rect">
             <a:avLst/>
@@ -3811,7 +5469,333 @@
 </p:sld>
 </file>
 
-<file path=ppt/slides/slide12.xml><?xml version="1.0" encoding="utf-8"?>
+<file path=ppt/slides/slide18.xml><?xml version="1.0" encoding="utf-8"?>
+<p:sld xmlns:a="http://schemas.openxmlformats.org/drawingml/2006/main" xmlns:r="http://schemas.openxmlformats.org/officeDocument/2006/relationships" xmlns:p="http://schemas.openxmlformats.org/presentationml/2006/main">
+  <p:cSld>
+    <p:bg>
+      <p:bgPr>
+        <a:solidFill>
+          <a:schemeClr val="bg1">
+            <a:lumMod val="95000"/>
+          </a:schemeClr>
+        </a:solidFill>
+        <a:effectLst/>
+      </p:bgPr>
+    </p:bg>
+    <p:spTree>
+      <p:nvGrpSpPr>
+        <p:cNvPr id="1" name=""/>
+        <p:cNvGrpSpPr/>
+        <p:nvPr/>
+      </p:nvGrpSpPr>
+      <p:grpSpPr>
+        <a:xfrm>
+          <a:off x="0" y="0"/>
+          <a:ext cx="0" cy="0"/>
+          <a:chOff x="0" y="0"/>
+          <a:chExt cx="0" cy="0"/>
+        </a:xfrm>
+      </p:grpSpPr>
+      <p:sp>
+        <p:nvSpPr>
+          <p:cNvPr id="141" name="Rectangle 140">
+            <a:extLst>
+              <a:ext uri="{FF2B5EF4-FFF2-40B4-BE49-F238E27FC236}">
+                <a16:creationId xmlns:a16="http://schemas.microsoft.com/office/drawing/2014/main" id="{CF342E47-6E1D-4EED-875B-4AB707CA50E5}"/>
+              </a:ext>
+              <a:ext uri="{C183D7F6-B498-43B3-948B-1728B52AA6E4}">
+                <adec:decorative xmlns:adec="http://schemas.microsoft.com/office/drawing/2017/decorative" val="1"/>
+              </a:ext>
+            </a:extLst>
+          </p:cNvPr>
+          <p:cNvSpPr>
+            <a:spLocks noGrp="1" noRot="1" noChangeAspect="1" noMove="1" noResize="1" noEditPoints="1" noAdjustHandles="1" noChangeArrowheads="1" noChangeShapeType="1" noTextEdit="1"/>
+          </p:cNvSpPr>
+          <p:nvPr>
+            <p:extLst>
+              <p:ext uri="{386F3935-93C4-4BCD-93E2-E3B085C9AB24}">
+                <p16:designElem xmlns:p16="http://schemas.microsoft.com/office/powerpoint/2015/main" val="1"/>
+              </p:ext>
+            </p:extLst>
+          </p:nvPr>
+        </p:nvSpPr>
+        <p:spPr>
+          <a:xfrm>
+            <a:off x="0" y="-2"/>
+            <a:ext cx="12192000" cy="4918511"/>
+          </a:xfrm>
+          <a:prstGeom prst="rect">
+            <a:avLst/>
+          </a:prstGeom>
+          <a:solidFill>
+            <a:srgbClr val="FFFFFF"/>
+          </a:solidFill>
+          <a:ln>
+            <a:noFill/>
+          </a:ln>
+        </p:spPr>
+        <p:style>
+          <a:lnRef idx="2">
+            <a:schemeClr val="accent1">
+              <a:shade val="50000"/>
+            </a:schemeClr>
+          </a:lnRef>
+          <a:fillRef idx="1">
+            <a:schemeClr val="accent1"/>
+          </a:fillRef>
+          <a:effectRef idx="0">
+            <a:schemeClr val="accent1"/>
+          </a:effectRef>
+          <a:fontRef idx="minor">
+            <a:schemeClr val="lt1"/>
+          </a:fontRef>
+        </p:style>
+        <p:txBody>
+          <a:bodyPr rtlCol="0" anchor="ctr"/>
+          <a:lstStyle/>
+          <a:p>
+            <a:pPr algn="ctr"/>
+            <a:endParaRPr lang="en-US"/>
+          </a:p>
+        </p:txBody>
+      </p:sp>
+      <p:sp>
+        <p:nvSpPr>
+          <p:cNvPr id="2" name="Title 1">
+            <a:extLst>
+              <a:ext uri="{FF2B5EF4-FFF2-40B4-BE49-F238E27FC236}">
+                <a16:creationId xmlns:a16="http://schemas.microsoft.com/office/drawing/2014/main" id="{79D9BF73-8003-4564-8222-EB1FB6981435}"/>
+              </a:ext>
+            </a:extLst>
+          </p:cNvPr>
+          <p:cNvSpPr>
+            <a:spLocks noGrp="1"/>
+          </p:cNvSpPr>
+          <p:nvPr>
+            <p:ph type="title" idx="4294967295"/>
+          </p:nvPr>
+        </p:nvSpPr>
+        <p:spPr>
+          <a:xfrm>
+            <a:off x="1600200" y="4269282"/>
+            <a:ext cx="8991600" cy="1264762"/>
+          </a:xfrm>
+        </p:spPr>
+        <p:txBody>
+          <a:bodyPr vert="horz" lIns="274320" tIns="182880" rIns="274320" bIns="182880" rtlCol="0" anchor="ctr" anchorCtr="1">
+            <a:normAutofit/>
+          </a:bodyPr>
+          <a:lstStyle/>
+          <a:p>
+            <a:r>
+              <a:rPr lang="en-US" sz="3200" dirty="0">
+                <a:solidFill>
+                  <a:srgbClr val="262626"/>
+                </a:solidFill>
+              </a:rPr>
+              <a:t>Selective Stability?</a:t>
+            </a:r>
+          </a:p>
+        </p:txBody>
+      </p:sp>
+      <p:pic>
+        <p:nvPicPr>
+          <p:cNvPr id="3074" name="Picture 2">
+            <a:extLst>
+              <a:ext uri="{FF2B5EF4-FFF2-40B4-BE49-F238E27FC236}">
+                <a16:creationId xmlns:a16="http://schemas.microsoft.com/office/drawing/2014/main" id="{0ED467E6-FC75-4C95-8CDB-66B067DC549E}"/>
+              </a:ext>
+            </a:extLst>
+          </p:cNvPr>
+          <p:cNvPicPr>
+            <a:picLocks noChangeAspect="1" noChangeArrowheads="1"/>
+          </p:cNvPicPr>
+          <p:nvPr/>
+        </p:nvPicPr>
+        <p:blipFill>
+          <a:blip r:embed="rId2">
+            <a:extLst>
+              <a:ext uri="{28A0092B-C50C-407E-A947-70E740481C1C}">
+                <a14:useLocalDpi xmlns:a14="http://schemas.microsoft.com/office/drawing/2010/main" val="0"/>
+              </a:ext>
+            </a:extLst>
+          </a:blip>
+          <a:stretch>
+            <a:fillRect/>
+          </a:stretch>
+        </p:blipFill>
+        <p:spPr bwMode="auto">
+          <a:xfrm>
+            <a:off x="692912" y="1219510"/>
+            <a:ext cx="2580894" cy="2038001"/>
+          </a:xfrm>
+          <a:prstGeom prst="rect">
+            <a:avLst/>
+          </a:prstGeom>
+          <a:noFill/>
+          <a:extLst>
+            <a:ext uri="{909E8E84-426E-40DD-AFC4-6F175D3DCCD1}">
+              <a14:hiddenFill xmlns:a14="http://schemas.microsoft.com/office/drawing/2010/main">
+                <a:solidFill>
+                  <a:srgbClr val="FFFFFF"/>
+                </a:solidFill>
+              </a14:hiddenFill>
+            </a:ext>
+          </a:extLst>
+        </p:spPr>
+      </p:pic>
+      <p:pic>
+        <p:nvPicPr>
+          <p:cNvPr id="3078" name="Picture 6">
+            <a:extLst>
+              <a:ext uri="{FF2B5EF4-FFF2-40B4-BE49-F238E27FC236}">
+                <a16:creationId xmlns:a16="http://schemas.microsoft.com/office/drawing/2014/main" id="{BE086658-DD00-4642-98D5-DF591A30EFD0}"/>
+              </a:ext>
+            </a:extLst>
+          </p:cNvPr>
+          <p:cNvPicPr>
+            <a:picLocks noChangeAspect="1" noChangeArrowheads="1"/>
+          </p:cNvPicPr>
+          <p:nvPr/>
+        </p:nvPicPr>
+        <p:blipFill>
+          <a:blip r:embed="rId3">
+            <a:extLst>
+              <a:ext uri="{28A0092B-C50C-407E-A947-70E740481C1C}">
+                <a14:useLocalDpi xmlns:a14="http://schemas.microsoft.com/office/drawing/2010/main" val="0"/>
+              </a:ext>
+            </a:extLst>
+          </a:blip>
+          <a:stretch>
+            <a:fillRect/>
+          </a:stretch>
+        </p:blipFill>
+        <p:spPr bwMode="auto">
+          <a:xfrm>
+            <a:off x="3434672" y="1219510"/>
+            <a:ext cx="2580895" cy="2038002"/>
+          </a:xfrm>
+          <a:prstGeom prst="rect">
+            <a:avLst/>
+          </a:prstGeom>
+          <a:noFill/>
+          <a:extLst>
+            <a:ext uri="{909E8E84-426E-40DD-AFC4-6F175D3DCCD1}">
+              <a14:hiddenFill xmlns:a14="http://schemas.microsoft.com/office/drawing/2010/main">
+                <a:solidFill>
+                  <a:srgbClr val="FFFFFF"/>
+                </a:solidFill>
+              </a14:hiddenFill>
+            </a:ext>
+          </a:extLst>
+        </p:spPr>
+      </p:pic>
+      <p:pic>
+        <p:nvPicPr>
+          <p:cNvPr id="3076" name="Picture 4">
+            <a:extLst>
+              <a:ext uri="{FF2B5EF4-FFF2-40B4-BE49-F238E27FC236}">
+                <a16:creationId xmlns:a16="http://schemas.microsoft.com/office/drawing/2014/main" id="{DF3251B8-F66A-43AE-BED4-9DFB78F814C8}"/>
+              </a:ext>
+            </a:extLst>
+          </p:cNvPr>
+          <p:cNvPicPr>
+            <a:picLocks noChangeAspect="1" noChangeArrowheads="1"/>
+          </p:cNvPicPr>
+          <p:nvPr/>
+        </p:nvPicPr>
+        <p:blipFill>
+          <a:blip r:embed="rId4">
+            <a:extLst>
+              <a:ext uri="{28A0092B-C50C-407E-A947-70E740481C1C}">
+                <a14:useLocalDpi xmlns:a14="http://schemas.microsoft.com/office/drawing/2010/main" val="0"/>
+              </a:ext>
+            </a:extLst>
+          </a:blip>
+          <a:stretch>
+            <a:fillRect/>
+          </a:stretch>
+        </p:blipFill>
+        <p:spPr bwMode="auto">
+          <a:xfrm>
+            <a:off x="6176433" y="1229616"/>
+            <a:ext cx="2580895" cy="2017790"/>
+          </a:xfrm>
+          <a:prstGeom prst="rect">
+            <a:avLst/>
+          </a:prstGeom>
+          <a:noFill/>
+          <a:extLst>
+            <a:ext uri="{909E8E84-426E-40DD-AFC4-6F175D3DCCD1}">
+              <a14:hiddenFill xmlns:a14="http://schemas.microsoft.com/office/drawing/2010/main">
+                <a:solidFill>
+                  <a:srgbClr val="FFFFFF"/>
+                </a:solidFill>
+              </a14:hiddenFill>
+            </a:ext>
+          </a:extLst>
+        </p:spPr>
+      </p:pic>
+      <p:pic>
+        <p:nvPicPr>
+          <p:cNvPr id="3080" name="Picture 8">
+            <a:extLst>
+              <a:ext uri="{FF2B5EF4-FFF2-40B4-BE49-F238E27FC236}">
+                <a16:creationId xmlns:a16="http://schemas.microsoft.com/office/drawing/2014/main" id="{AD71DEBD-20C0-40FD-8651-4D596E19598F}"/>
+              </a:ext>
+            </a:extLst>
+          </p:cNvPr>
+          <p:cNvPicPr>
+            <a:picLocks noChangeAspect="1" noChangeArrowheads="1"/>
+          </p:cNvPicPr>
+          <p:nvPr/>
+        </p:nvPicPr>
+        <p:blipFill>
+          <a:blip r:embed="rId5">
+            <a:extLst>
+              <a:ext uri="{28A0092B-C50C-407E-A947-70E740481C1C}">
+                <a14:useLocalDpi xmlns:a14="http://schemas.microsoft.com/office/drawing/2010/main" val="0"/>
+              </a:ext>
+            </a:extLst>
+          </a:blip>
+          <a:stretch>
+            <a:fillRect/>
+          </a:stretch>
+        </p:blipFill>
+        <p:spPr bwMode="auto">
+          <a:xfrm>
+            <a:off x="8918193" y="1241155"/>
+            <a:ext cx="2580895" cy="1994711"/>
+          </a:xfrm>
+          <a:prstGeom prst="rect">
+            <a:avLst/>
+          </a:prstGeom>
+          <a:noFill/>
+          <a:extLst>
+            <a:ext uri="{909E8E84-426E-40DD-AFC4-6F175D3DCCD1}">
+              <a14:hiddenFill xmlns:a14="http://schemas.microsoft.com/office/drawing/2010/main">
+                <a:solidFill>
+                  <a:srgbClr val="FFFFFF"/>
+                </a:solidFill>
+              </a14:hiddenFill>
+            </a:ext>
+          </a:extLst>
+        </p:spPr>
+      </p:pic>
+    </p:spTree>
+    <p:extLst>
+      <p:ext uri="{BB962C8B-B14F-4D97-AF65-F5344CB8AC3E}">
+        <p14:creationId xmlns:p14="http://schemas.microsoft.com/office/powerpoint/2010/main" val="3589491636"/>
+      </p:ext>
+    </p:extLst>
+  </p:cSld>
+  <p:clrMapOvr>
+    <a:masterClrMapping/>
+  </p:clrMapOvr>
+</p:sld>
+</file>
+
+<file path=ppt/slides/slide19.xml><?xml version="1.0" encoding="utf-8"?>
 <p:sld xmlns:a="http://schemas.openxmlformats.org/drawingml/2006/main" xmlns:r="http://schemas.openxmlformats.org/officeDocument/2006/relationships" xmlns:p="http://schemas.openxmlformats.org/presentationml/2006/main">
   <p:cSld>
     <p:spTree>
@@ -3989,12 +5973,32 @@
         </p:nvSpPr>
         <p:spPr/>
         <p:txBody>
-          <a:bodyPr/>
+          <a:bodyPr>
+            <a:normAutofit lnSpcReduction="10000"/>
+          </a:bodyPr>
           <a:lstStyle/>
           <a:p>
             <a:r>
               <a:rPr lang="en-GB" dirty="0"/>
-              <a:t>Key Questions: An alt-right takeover of the subreddit: Move from traditional Conservative rhetoric to alt-right rhetoric?</a:t>
+              <a:t>Right-wing subreddits and the 2016 election</a:t>
+            </a:r>
+          </a:p>
+          <a:p>
+            <a:r>
+              <a:rPr lang="en-GB" dirty="0"/>
+              <a:t>An alt-right takeover of the </a:t>
+            </a:r>
+            <a:r>
+              <a:rPr lang="en-GB" i="1" dirty="0"/>
+              <a:t>r/</a:t>
+            </a:r>
+            <a:r>
+              <a:rPr lang="en-GB" i="1" dirty="0" err="1"/>
+              <a:t>The_Donald</a:t>
+            </a:r>
+            <a:r>
+              <a:rPr lang="en-GB" dirty="0"/>
+              <a:t> subreddit: Move from traditional Conservative rhetoric to alt-right rhetoric?</a:t>
             </a:r>
           </a:p>
           <a:p>
@@ -4012,8 +6016,18 @@
             </a:r>
           </a:p>
           <a:p>
-            <a:pPr lvl="1"/>
-            <a:endParaRPr lang="en-GB" dirty="0"/>
+            <a:pPr lvl="2"/>
+            <a:r>
+              <a:rPr lang="en-GB" dirty="0"/>
+              <a:t>Traditional</a:t>
+            </a:r>
+          </a:p>
+          <a:p>
+            <a:pPr lvl="2"/>
+            <a:r>
+              <a:rPr lang="en-GB" dirty="0"/>
+              <a:t>Social Media</a:t>
+            </a:r>
           </a:p>
         </p:txBody>
       </p:sp>
@@ -4035,7 +6049,9 @@
         </p:nvSpPr>
         <p:spPr/>
         <p:txBody>
-          <a:bodyPr/>
+          <a:bodyPr>
+            <a:normAutofit lnSpcReduction="10000"/>
+          </a:bodyPr>
           <a:lstStyle/>
           <a:p>
             <a:r>
@@ -4111,19 +6127,9 @@
 </p:sld>
 </file>
 
-<file path=ppt/slides/slide3.xml><?xml version="1.0" encoding="utf-8"?>
+<file path=ppt/slides/slide20.xml><?xml version="1.0" encoding="utf-8"?>
 <p:sld xmlns:a="http://schemas.openxmlformats.org/drawingml/2006/main" xmlns:r="http://schemas.openxmlformats.org/officeDocument/2006/relationships" xmlns:p="http://schemas.openxmlformats.org/presentationml/2006/main">
   <p:cSld>
-    <p:bg>
-      <p:bgPr>
-        <a:solidFill>
-          <a:schemeClr val="bg1">
-            <a:lumMod val="95000"/>
-          </a:schemeClr>
-        </a:solidFill>
-        <a:effectLst/>
-      </p:bgPr>
-    </p:bg>
     <p:spTree>
       <p:nvGrpSpPr>
         <p:cNvPr id="1" name=""/>
@@ -4140,75 +6146,10 @@
       </p:grpSpPr>
       <p:sp>
         <p:nvSpPr>
-          <p:cNvPr id="11" name="Rectangle 10">
-            <a:extLst>
-              <a:ext uri="{FF2B5EF4-FFF2-40B4-BE49-F238E27FC236}">
-                <a16:creationId xmlns:a16="http://schemas.microsoft.com/office/drawing/2014/main" id="{4B4B6F8B-28A5-4700-A622-B54C7445A42F}"/>
-              </a:ext>
-              <a:ext uri="{C183D7F6-B498-43B3-948B-1728B52AA6E4}">
-                <adec:decorative xmlns:adec="http://schemas.microsoft.com/office/drawing/2017/decorative" val="1"/>
-              </a:ext>
-            </a:extLst>
-          </p:cNvPr>
-          <p:cNvSpPr>
-            <a:spLocks noGrp="1" noRot="1" noChangeAspect="1" noMove="1" noResize="1" noEditPoints="1" noAdjustHandles="1" noChangeArrowheads="1" noChangeShapeType="1" noTextEdit="1"/>
-          </p:cNvSpPr>
-          <p:nvPr>
-            <p:extLst>
-              <p:ext uri="{386F3935-93C4-4BCD-93E2-E3B085C9AB24}">
-                <p16:designElem xmlns:p16="http://schemas.microsoft.com/office/powerpoint/2015/main" val="1"/>
-              </p:ext>
-            </p:extLst>
-          </p:nvPr>
-        </p:nvSpPr>
-        <p:spPr>
-          <a:xfrm>
-            <a:off x="5315061" y="-2"/>
-            <a:ext cx="6876939" cy="6858002"/>
-          </a:xfrm>
-          <a:prstGeom prst="rect">
-            <a:avLst/>
-          </a:prstGeom>
-          <a:solidFill>
-            <a:schemeClr val="bg1">
-              <a:lumMod val="85000"/>
-            </a:schemeClr>
-          </a:solidFill>
-          <a:ln>
-            <a:noFill/>
-          </a:ln>
-        </p:spPr>
-        <p:style>
-          <a:lnRef idx="2">
-            <a:schemeClr val="accent1">
-              <a:shade val="50000"/>
-            </a:schemeClr>
-          </a:lnRef>
-          <a:fillRef idx="1">
-            <a:schemeClr val="accent1"/>
-          </a:fillRef>
-          <a:effectRef idx="0">
-            <a:schemeClr val="accent1"/>
-          </a:effectRef>
-          <a:fontRef idx="minor">
-            <a:schemeClr val="lt1"/>
-          </a:fontRef>
-        </p:style>
-        <p:txBody>
-          <a:bodyPr rtlCol="0" anchor="ctr"/>
-          <a:lstStyle/>
-          <a:p>
-            <a:pPr algn="ctr"/>
-            <a:endParaRPr lang="en-US"/>
-          </a:p>
-        </p:txBody>
-      </p:sp>
-      <p:sp>
-        <p:nvSpPr>
-          <p:cNvPr id="2" name="Title 1">
-            <a:extLst>
-              <a:ext uri="{FF2B5EF4-FFF2-40B4-BE49-F238E27FC236}">
-                <a16:creationId xmlns:a16="http://schemas.microsoft.com/office/drawing/2014/main" id="{BD922538-FB2D-4B89-AD5C-540FEEC92842}"/>
+          <p:cNvPr id="5" name="Title 4">
+            <a:extLst>
+              <a:ext uri="{FF2B5EF4-FFF2-40B4-BE49-F238E27FC236}">
+                <a16:creationId xmlns:a16="http://schemas.microsoft.com/office/drawing/2014/main" id="{D2183723-F0DB-47B2-B551-8B15F6FD979C}"/>
               </a:ext>
             </a:extLst>
           </p:cNvPr>
@@ -4219,327 +6160,296 @@
             <p:ph type="title"/>
           </p:nvPr>
         </p:nvSpPr>
-        <p:spPr>
-          <a:xfrm>
-            <a:off x="6119732" y="1290025"/>
-            <a:ext cx="5291327" cy="1188720"/>
-          </a:xfrm>
-          <a:solidFill>
-            <a:srgbClr val="FFFFFF"/>
-          </a:solidFill>
-          <a:ln>
-            <a:solidFill>
-              <a:srgbClr val="404040"/>
-            </a:solidFill>
-          </a:ln>
-        </p:spPr>
-        <p:txBody>
-          <a:bodyPr vert="horz" lIns="182880" tIns="182880" rIns="182880" bIns="182880" rtlCol="0" anchor="ctr">
-            <a:normAutofit/>
-          </a:bodyPr>
-          <a:lstStyle/>
-          <a:p>
-            <a:r>
-              <a:rPr lang="en-US" sz="2800"/>
-              <a:t>News – Fake or Fox?</a:t>
-            </a:r>
-          </a:p>
-        </p:txBody>
-      </p:sp>
-      <p:sp>
-        <p:nvSpPr>
-          <p:cNvPr id="13" name="Rectangle 12">
-            <a:extLst>
-              <a:ext uri="{FF2B5EF4-FFF2-40B4-BE49-F238E27FC236}">
-                <a16:creationId xmlns:a16="http://schemas.microsoft.com/office/drawing/2014/main" id="{CF970970-DA4C-43C1-A054-C625523A17F2}"/>
-              </a:ext>
-              <a:ext uri="{C183D7F6-B498-43B3-948B-1728B52AA6E4}">
-                <adec:decorative xmlns:adec="http://schemas.microsoft.com/office/drawing/2017/decorative" val="1"/>
-              </a:ext>
-            </a:extLst>
-          </p:cNvPr>
-          <p:cNvSpPr>
-            <a:spLocks noGrp="1" noRot="1" noChangeAspect="1" noMove="1" noResize="1" noEditPoints="1" noAdjustHandles="1" noChangeArrowheads="1" noChangeShapeType="1" noTextEdit="1"/>
-          </p:cNvSpPr>
-          <p:nvPr>
-            <p:extLst>
-              <p:ext uri="{386F3935-93C4-4BCD-93E2-E3B085C9AB24}">
-                <p16:designElem xmlns:p16="http://schemas.microsoft.com/office/powerpoint/2015/main" val="1"/>
-              </p:ext>
-            </p:extLst>
-          </p:nvPr>
-        </p:nvSpPr>
-        <p:spPr>
-          <a:xfrm>
-            <a:off x="663665" y="640080"/>
-            <a:ext cx="4017264" cy="5261170"/>
-          </a:xfrm>
-          <a:prstGeom prst="rect">
-            <a:avLst/>
-          </a:prstGeom>
-          <a:noFill/>
-          <a:ln w="31750" cap="sq">
-            <a:solidFill>
-              <a:srgbClr val="FFFFFF"/>
-            </a:solidFill>
-            <a:miter lim="800000"/>
-          </a:ln>
-        </p:spPr>
-        <p:style>
-          <a:lnRef idx="2">
-            <a:schemeClr val="accent1">
-              <a:shade val="50000"/>
-            </a:schemeClr>
-          </a:lnRef>
-          <a:fillRef idx="1">
-            <a:schemeClr val="accent1"/>
-          </a:fillRef>
-          <a:effectRef idx="0">
-            <a:schemeClr val="accent1"/>
-          </a:effectRef>
-          <a:fontRef idx="minor">
-            <a:schemeClr val="lt1"/>
-          </a:fontRef>
-        </p:style>
-        <p:txBody>
-          <a:bodyPr rtlCol="0" anchor="ctr"/>
-          <a:lstStyle/>
-          <a:p>
-            <a:pPr algn="ctr"/>
+        <p:spPr/>
+        <p:txBody>
+          <a:bodyPr/>
+          <a:lstStyle/>
+          <a:p>
+            <a:r>
+              <a:rPr lang="en-GB"/>
+              <a:t>Next Steps</a:t>
+            </a:r>
             <a:endParaRPr lang="en-US" dirty="0"/>
           </a:p>
         </p:txBody>
       </p:sp>
       <p:sp>
         <p:nvSpPr>
-          <p:cNvPr id="15" name="Rectangle 14">
-            <a:extLst>
-              <a:ext uri="{FF2B5EF4-FFF2-40B4-BE49-F238E27FC236}">
-                <a16:creationId xmlns:a16="http://schemas.microsoft.com/office/drawing/2014/main" id="{A9B7E24D-5A97-4887-A449-ADDF5C19CC33}"/>
-              </a:ext>
-              <a:ext uri="{C183D7F6-B498-43B3-948B-1728B52AA6E4}">
-                <adec:decorative xmlns:adec="http://schemas.microsoft.com/office/drawing/2017/decorative" val="1"/>
-              </a:ext>
-            </a:extLst>
-          </p:cNvPr>
-          <p:cNvSpPr>
-            <a:spLocks noGrp="1" noRot="1" noChangeAspect="1" noMove="1" noResize="1" noEditPoints="1" noAdjustHandles="1" noChangeArrowheads="1" noChangeShapeType="1" noTextEdit="1"/>
-          </p:cNvSpPr>
-          <p:nvPr>
-            <p:extLst>
-              <p:ext uri="{386F3935-93C4-4BCD-93E2-E3B085C9AB24}">
-                <p16:designElem xmlns:p16="http://schemas.microsoft.com/office/powerpoint/2015/main" val="1"/>
-              </p:ext>
-            </p:extLst>
-          </p:nvPr>
-        </p:nvSpPr>
-        <p:spPr>
-          <a:xfrm>
-            <a:off x="829781" y="806357"/>
-            <a:ext cx="3685032" cy="4928616"/>
-          </a:xfrm>
-          <a:prstGeom prst="rect">
-            <a:avLst/>
-          </a:prstGeom>
-          <a:solidFill>
-            <a:srgbClr val="FFFFFF"/>
-          </a:solidFill>
-          <a:ln>
-            <a:noFill/>
-          </a:ln>
-        </p:spPr>
-        <p:style>
-          <a:lnRef idx="2">
-            <a:schemeClr val="accent1">
-              <a:shade val="50000"/>
-            </a:schemeClr>
-          </a:lnRef>
-          <a:fillRef idx="1">
-            <a:schemeClr val="accent1"/>
-          </a:fillRef>
-          <a:effectRef idx="0">
-            <a:schemeClr val="accent1"/>
-          </a:effectRef>
-          <a:fontRef idx="minor">
-            <a:schemeClr val="lt1"/>
-          </a:fontRef>
-        </p:style>
-        <p:txBody>
-          <a:bodyPr rtlCol="0" anchor="ctr"/>
-          <a:lstStyle/>
-          <a:p>
-            <a:pPr algn="ctr"/>
-            <a:endParaRPr lang="en-US"/>
-          </a:p>
-        </p:txBody>
-      </p:sp>
-      <p:pic>
-        <p:nvPicPr>
-          <p:cNvPr id="5" name="Content Placeholder 4">
-            <a:extLst>
-              <a:ext uri="{FF2B5EF4-FFF2-40B4-BE49-F238E27FC236}">
-                <a16:creationId xmlns:a16="http://schemas.microsoft.com/office/drawing/2014/main" id="{3D773FF4-2417-4D5C-A2B5-3CC5FB1A67BF}"/>
-              </a:ext>
-            </a:extLst>
-          </p:cNvPr>
-          <p:cNvPicPr>
-            <a:picLocks noGrp="1" noChangeAspect="1"/>
-          </p:cNvPicPr>
+          <p:cNvPr id="6" name="Content Placeholder 5">
+            <a:extLst>
+              <a:ext uri="{FF2B5EF4-FFF2-40B4-BE49-F238E27FC236}">
+                <a16:creationId xmlns:a16="http://schemas.microsoft.com/office/drawing/2014/main" id="{F304415F-2829-41B8-A650-DBACC176AB23}"/>
+              </a:ext>
+            </a:extLst>
+          </p:cNvPr>
+          <p:cNvSpPr>
+            <a:spLocks noGrp="1"/>
+          </p:cNvSpPr>
           <p:nvPr>
             <p:ph idx="1"/>
           </p:nvPr>
-        </p:nvPicPr>
-        <p:blipFill rotWithShape="1">
-          <a:blip r:embed="rId2"/>
-          <a:srcRect t="5192" r="3" b="5480"/>
-          <a:stretch/>
-        </p:blipFill>
-        <p:spPr>
-          <a:xfrm>
-            <a:off x="1149821" y="1126397"/>
-            <a:ext cx="3044952" cy="2063834"/>
-          </a:xfrm>
-          <a:prstGeom prst="rect">
-            <a:avLst/>
-          </a:prstGeom>
-        </p:spPr>
-      </p:pic>
-      <p:pic>
-        <p:nvPicPr>
-          <p:cNvPr id="6" name="Picture 5" descr="A screenshot of a cell phone&#10;&#10;Description automatically generated">
-            <a:extLst>
-              <a:ext uri="{FF2B5EF4-FFF2-40B4-BE49-F238E27FC236}">
-                <a16:creationId xmlns:a16="http://schemas.microsoft.com/office/drawing/2014/main" id="{CE0E3A52-EA06-45C1-B6DA-F09AF2AE7258}"/>
-              </a:ext>
-            </a:extLst>
-          </p:cNvPr>
-          <p:cNvPicPr>
-            <a:picLocks noChangeAspect="1"/>
-          </p:cNvPicPr>
-          <p:nvPr/>
-        </p:nvPicPr>
-        <p:blipFill rotWithShape="1">
-          <a:blip r:embed="rId3"/>
-          <a:srcRect t="18" r="-4" b="-4"/>
-          <a:stretch/>
-        </p:blipFill>
-        <p:spPr>
-          <a:xfrm>
-            <a:off x="1149821" y="3351098"/>
-            <a:ext cx="3044951" cy="2063835"/>
-          </a:xfrm>
-          <a:prstGeom prst="rect">
-            <a:avLst/>
-          </a:prstGeom>
-        </p:spPr>
-      </p:pic>
-      <p:sp>
-        <p:nvSpPr>
-          <p:cNvPr id="4" name="Text Placeholder 3">
-            <a:extLst>
-              <a:ext uri="{FF2B5EF4-FFF2-40B4-BE49-F238E27FC236}">
-                <a16:creationId xmlns:a16="http://schemas.microsoft.com/office/drawing/2014/main" id="{5EC92CBB-4AD0-4A46-AC3E-5E95F5FE4FC8}"/>
-              </a:ext>
-            </a:extLst>
-          </p:cNvPr>
-          <p:cNvSpPr>
-            <a:spLocks noGrp="1"/>
-          </p:cNvSpPr>
-          <p:nvPr>
-            <p:ph type="body" sz="half" idx="2"/>
-          </p:nvPr>
-        </p:nvSpPr>
-        <p:spPr>
-          <a:xfrm>
-            <a:off x="6119732" y="2858703"/>
-            <a:ext cx="5285791" cy="3042547"/>
-          </a:xfrm>
-        </p:spPr>
-        <p:txBody>
-          <a:bodyPr vert="horz" lIns="91440" tIns="45720" rIns="91440" bIns="45720" rtlCol="0">
-            <a:normAutofit/>
-          </a:bodyPr>
-          <a:lstStyle/>
-          <a:p>
-            <a:pPr indent="-228600" algn="l">
-              <a:buFont typeface="Arial" panose="020B0604020202020204" pitchFamily="34" charset="0"/>
-              <a:buChar char="•"/>
-            </a:pPr>
-            <a:r>
-              <a:rPr lang="en-US" dirty="0">
-                <a:solidFill>
-                  <a:schemeClr val="tx1">
-                    <a:lumMod val="85000"/>
-                    <a:lumOff val="15000"/>
-                  </a:schemeClr>
-                </a:solidFill>
-              </a:rPr>
-              <a:t>T4, Super Tuesday (GOP Nomination): </a:t>
-            </a:r>
-          </a:p>
-          <a:p>
-            <a:pPr lvl="1" indent="-228600">
-              <a:buFont typeface="Arial" panose="020B0604020202020204" pitchFamily="34" charset="0"/>
-              <a:buChar char="•"/>
-            </a:pPr>
-            <a:r>
-              <a:rPr lang="en-US" dirty="0"/>
-              <a:t>Popular media outlets closely associated with ‘news’</a:t>
-            </a:r>
-          </a:p>
-          <a:p>
-            <a:pPr indent="-228600" algn="l">
-              <a:buFont typeface="Arial" panose="020B0604020202020204" pitchFamily="34" charset="0"/>
-              <a:buChar char="•"/>
-            </a:pPr>
-            <a:r>
-              <a:rPr lang="en-US" dirty="0">
-                <a:solidFill>
-                  <a:schemeClr val="tx1">
-                    <a:lumMod val="85000"/>
-                    <a:lumOff val="15000"/>
-                  </a:schemeClr>
-                </a:solidFill>
-              </a:rPr>
-              <a:t>T8, General Election month: </a:t>
-            </a:r>
-          </a:p>
-          <a:p>
-            <a:pPr lvl="1" indent="-228600">
-              <a:buFont typeface="Arial" panose="020B0604020202020204" pitchFamily="34" charset="0"/>
-              <a:buChar char="•"/>
-            </a:pPr>
-            <a:r>
-              <a:rPr lang="en-US" dirty="0"/>
-              <a:t>‘Fake news’</a:t>
-            </a:r>
-          </a:p>
-          <a:p>
-            <a:pPr lvl="1" indent="-228600">
-              <a:buFont typeface="Arial" panose="020B0604020202020204" pitchFamily="34" charset="0"/>
-              <a:buChar char="•"/>
-            </a:pPr>
-            <a:r>
-              <a:rPr lang="en-US" dirty="0"/>
-              <a:t>Twitter makes an appearance, Fox and CNN don’t show up</a:t>
-            </a:r>
-          </a:p>
-          <a:p>
-            <a:pPr lvl="1" indent="-228600">
-              <a:buFont typeface="Arial" panose="020B0604020202020204" pitchFamily="34" charset="0"/>
-              <a:buChar char="•"/>
-            </a:pPr>
-            <a:r>
-              <a:rPr lang="en-US" dirty="0"/>
-              <a:t>‘Pizzagate’ reference</a:t>
-            </a:r>
+        </p:nvSpPr>
+        <p:spPr/>
+        <p:txBody>
+          <a:bodyPr/>
+          <a:lstStyle/>
+          <a:p>
+            <a:r>
+              <a:rPr lang="en-GB" dirty="0"/>
+              <a:t>Good initial results, but how to make the narrative of linguistic/rhetorical change more robust?</a:t>
+            </a:r>
+          </a:p>
+          <a:p>
+            <a:pPr lvl="1"/>
+            <a:r>
+              <a:rPr lang="en-GB" dirty="0"/>
+              <a:t>Larger time scales for each embedding? (3 month-period)</a:t>
+            </a:r>
+          </a:p>
+          <a:p>
+            <a:pPr lvl="1"/>
+            <a:r>
+              <a:rPr lang="en-GB" dirty="0"/>
+              <a:t>Event-driven analysis? (Super Tuesday, October 2016, Charlottesville, Muslim ban)</a:t>
+            </a:r>
+          </a:p>
+          <a:p>
+            <a:r>
+              <a:rPr lang="en-GB" dirty="0"/>
+              <a:t>How to account for change in vocabulary over time?</a:t>
+            </a:r>
+          </a:p>
+          <a:p>
+            <a:r>
+              <a:rPr lang="en-GB" dirty="0"/>
+              <a:t>Complete subreddit discussions (submission + comments) as documents for Doc2Vec?</a:t>
+            </a:r>
+            <a:endParaRPr lang="en-US" dirty="0"/>
           </a:p>
         </p:txBody>
       </p:sp>
     </p:spTree>
     <p:extLst>
       <p:ext uri="{BB962C8B-B14F-4D97-AF65-F5344CB8AC3E}">
-        <p14:creationId xmlns:p14="http://schemas.microsoft.com/office/powerpoint/2010/main" val="290168817"/>
+        <p14:creationId xmlns:p14="http://schemas.microsoft.com/office/powerpoint/2010/main" val="3559455042"/>
+      </p:ext>
+    </p:extLst>
+  </p:cSld>
+  <p:clrMapOvr>
+    <a:masterClrMapping/>
+  </p:clrMapOvr>
+</p:sld>
+</file>
+
+<file path=ppt/slides/slide3.xml><?xml version="1.0" encoding="utf-8"?>
+<p:sld xmlns:a="http://schemas.openxmlformats.org/drawingml/2006/main" xmlns:r="http://schemas.openxmlformats.org/officeDocument/2006/relationships" xmlns:p="http://schemas.openxmlformats.org/presentationml/2006/main">
+  <p:cSld>
+    <p:spTree>
+      <p:nvGrpSpPr>
+        <p:cNvPr id="1" name=""/>
+        <p:cNvGrpSpPr/>
+        <p:nvPr/>
+      </p:nvGrpSpPr>
+      <p:grpSpPr>
+        <a:xfrm>
+          <a:off x="0" y="0"/>
+          <a:ext cx="0" cy="0"/>
+          <a:chOff x="0" y="0"/>
+          <a:chExt cx="0" cy="0"/>
+        </a:xfrm>
+      </p:grpSpPr>
+      <p:sp>
+        <p:nvSpPr>
+          <p:cNvPr id="2" name="Title 1">
+            <a:extLst>
+              <a:ext uri="{FF2B5EF4-FFF2-40B4-BE49-F238E27FC236}">
+                <a16:creationId xmlns:a16="http://schemas.microsoft.com/office/drawing/2014/main" id="{94B33418-7266-4423-BDEB-E7CB9A55A00A}"/>
+              </a:ext>
+            </a:extLst>
+          </p:cNvPr>
+          <p:cNvSpPr>
+            <a:spLocks noGrp="1"/>
+          </p:cNvSpPr>
+          <p:nvPr>
+            <p:ph type="title"/>
+          </p:nvPr>
+        </p:nvSpPr>
+        <p:spPr/>
+        <p:txBody>
+          <a:bodyPr/>
+          <a:lstStyle/>
+          <a:p>
+            <a:r>
+              <a:rPr lang="en-GB" dirty="0"/>
+              <a:t>Overview &amp; Data Sources</a:t>
+            </a:r>
+            <a:endParaRPr lang="en-US" dirty="0"/>
+          </a:p>
+        </p:txBody>
+      </p:sp>
+      <p:sp>
+        <p:nvSpPr>
+          <p:cNvPr id="3" name="Content Placeholder 2">
+            <a:extLst>
+              <a:ext uri="{FF2B5EF4-FFF2-40B4-BE49-F238E27FC236}">
+                <a16:creationId xmlns:a16="http://schemas.microsoft.com/office/drawing/2014/main" id="{3A60BDBF-789C-428F-9859-82491E0F946B}"/>
+              </a:ext>
+            </a:extLst>
+          </p:cNvPr>
+          <p:cNvSpPr>
+            <a:spLocks noGrp="1"/>
+          </p:cNvSpPr>
+          <p:nvPr>
+            <p:ph sz="half" idx="1"/>
+          </p:nvPr>
+        </p:nvSpPr>
+        <p:spPr/>
+        <p:txBody>
+          <a:bodyPr>
+            <a:normAutofit lnSpcReduction="10000"/>
+          </a:bodyPr>
+          <a:lstStyle/>
+          <a:p>
+            <a:r>
+              <a:rPr lang="en-GB" dirty="0"/>
+              <a:t>Right-wing subreddits and the 2016 election</a:t>
+            </a:r>
+          </a:p>
+          <a:p>
+            <a:r>
+              <a:rPr lang="en-GB" dirty="0"/>
+              <a:t>An alt-right takeover of the </a:t>
+            </a:r>
+            <a:r>
+              <a:rPr lang="en-GB" i="1" dirty="0"/>
+              <a:t>r/</a:t>
+            </a:r>
+            <a:r>
+              <a:rPr lang="en-GB" i="1" dirty="0" err="1"/>
+              <a:t>The_Donald</a:t>
+            </a:r>
+            <a:r>
+              <a:rPr lang="en-GB" dirty="0"/>
+              <a:t> subreddit: Move from traditional Conservative rhetoric to alt-right rhetoric?</a:t>
+            </a:r>
+          </a:p>
+          <a:p>
+            <a:pPr lvl="1"/>
+            <a:r>
+              <a:rPr lang="en-GB" dirty="0"/>
+              <a:t>Immigration</a:t>
+            </a:r>
+          </a:p>
+          <a:p>
+            <a:pPr lvl="1"/>
+            <a:r>
+              <a:rPr lang="en-GB" dirty="0"/>
+              <a:t>Media ‘bias’</a:t>
+            </a:r>
+          </a:p>
+          <a:p>
+            <a:pPr lvl="2"/>
+            <a:r>
+              <a:rPr lang="en-GB" dirty="0"/>
+              <a:t>Traditional</a:t>
+            </a:r>
+          </a:p>
+          <a:p>
+            <a:pPr lvl="2"/>
+            <a:r>
+              <a:rPr lang="en-GB" dirty="0"/>
+              <a:t>Social Media</a:t>
+            </a:r>
+          </a:p>
+        </p:txBody>
+      </p:sp>
+      <p:sp>
+        <p:nvSpPr>
+          <p:cNvPr id="4" name="Content Placeholder 3">
+            <a:extLst>
+              <a:ext uri="{FF2B5EF4-FFF2-40B4-BE49-F238E27FC236}">
+                <a16:creationId xmlns:a16="http://schemas.microsoft.com/office/drawing/2014/main" id="{FA73481E-7A68-4382-A421-70912082B5A8}"/>
+              </a:ext>
+            </a:extLst>
+          </p:cNvPr>
+          <p:cNvSpPr>
+            <a:spLocks noGrp="1"/>
+          </p:cNvSpPr>
+          <p:nvPr>
+            <p:ph sz="half" idx="2"/>
+          </p:nvPr>
+        </p:nvSpPr>
+        <p:spPr/>
+        <p:txBody>
+          <a:bodyPr>
+            <a:normAutofit lnSpcReduction="10000"/>
+          </a:bodyPr>
+          <a:lstStyle/>
+          <a:p>
+            <a:r>
+              <a:rPr lang="en-GB" dirty="0"/>
+              <a:t>3 years of data from select subreddits:</a:t>
+            </a:r>
+          </a:p>
+          <a:p>
+            <a:pPr lvl="1"/>
+            <a:r>
+              <a:rPr lang="en-GB" b="1" i="1" dirty="0"/>
+              <a:t>r/</a:t>
+            </a:r>
+            <a:r>
+              <a:rPr lang="en-GB" b="1" i="1" dirty="0" err="1"/>
+              <a:t>The_Donald</a:t>
+            </a:r>
+            <a:r>
+              <a:rPr lang="en-GB" i="1" dirty="0"/>
+              <a:t>, r/</a:t>
+            </a:r>
+            <a:r>
+              <a:rPr lang="en-GB" i="1" dirty="0" err="1"/>
+              <a:t>Incels</a:t>
+            </a:r>
+            <a:r>
+              <a:rPr lang="en-GB" i="1" dirty="0"/>
+              <a:t>, r/</a:t>
+            </a:r>
+            <a:r>
+              <a:rPr lang="en-GB" i="1" dirty="0" err="1"/>
+              <a:t>altright</a:t>
+            </a:r>
+            <a:endParaRPr lang="en-GB" i="1" dirty="0"/>
+          </a:p>
+          <a:p>
+            <a:pPr lvl="1"/>
+            <a:r>
+              <a:rPr lang="en-GB" dirty="0"/>
+              <a:t>Start: May 2015</a:t>
+            </a:r>
+          </a:p>
+          <a:p>
+            <a:pPr lvl="2"/>
+            <a:r>
+              <a:rPr lang="en-GB" dirty="0"/>
+              <a:t>Announced candidacy in Republican primary</a:t>
+            </a:r>
+          </a:p>
+          <a:p>
+            <a:pPr lvl="1"/>
+            <a:r>
+              <a:rPr lang="en-GB" dirty="0"/>
+              <a:t>End: Nov 2018 </a:t>
+            </a:r>
+          </a:p>
+          <a:p>
+            <a:pPr lvl="1"/>
+            <a:endParaRPr lang="en-US" dirty="0"/>
+          </a:p>
+        </p:txBody>
+      </p:sp>
+    </p:spTree>
+    <p:extLst>
+      <p:ext uri="{BB962C8B-B14F-4D97-AF65-F5344CB8AC3E}">
+        <p14:creationId xmlns:p14="http://schemas.microsoft.com/office/powerpoint/2010/main" val="116369269"/>
       </p:ext>
     </p:extLst>
   </p:cSld>
@@ -4578,7 +6488,7 @@
       </p:grpSpPr>
       <p:sp>
         <p:nvSpPr>
-          <p:cNvPr id="29" name="Rectangle 25">
+          <p:cNvPr id="11" name="Rectangle 10">
             <a:extLst>
               <a:ext uri="{FF2B5EF4-FFF2-40B4-BE49-F238E27FC236}">
                 <a16:creationId xmlns:a16="http://schemas.microsoft.com/office/drawing/2014/main" id="{4B4B6F8B-28A5-4700-A622-B54C7445A42F}"/>
@@ -4643,10 +6553,10 @@
       </p:sp>
       <p:sp>
         <p:nvSpPr>
-          <p:cNvPr id="15" name="Title 14">
-            <a:extLst>
-              <a:ext uri="{FF2B5EF4-FFF2-40B4-BE49-F238E27FC236}">
-                <a16:creationId xmlns:a16="http://schemas.microsoft.com/office/drawing/2014/main" id="{63F60BDD-6351-41CB-8BAB-69B346957EC6}"/>
+          <p:cNvPr id="2" name="Title 1">
+            <a:extLst>
+              <a:ext uri="{FF2B5EF4-FFF2-40B4-BE49-F238E27FC236}">
+                <a16:creationId xmlns:a16="http://schemas.microsoft.com/office/drawing/2014/main" id="{BD922538-FB2D-4B89-AD5C-540FEEC92842}"/>
               </a:ext>
             </a:extLst>
           </p:cNvPr>
@@ -4679,14 +6589,14 @@
           <a:p>
             <a:r>
               <a:rPr lang="en-US" sz="2800"/>
-              <a:t>Mexican – Immigration vs Identity Politics</a:t>
-            </a:r>
-          </a:p>
-        </p:txBody>
-      </p:sp>
-      <p:sp>
-        <p:nvSpPr>
-          <p:cNvPr id="28" name="Rectangle 27">
+              <a:t>News – Fake or Fox?</a:t>
+            </a:r>
+          </a:p>
+        </p:txBody>
+      </p:sp>
+      <p:sp>
+        <p:nvSpPr>
+          <p:cNvPr id="13" name="Rectangle 12">
             <a:extLst>
               <a:ext uri="{FF2B5EF4-FFF2-40B4-BE49-F238E27FC236}">
                 <a16:creationId xmlns:a16="http://schemas.microsoft.com/office/drawing/2014/main" id="{CF970970-DA4C-43C1-A054-C625523A17F2}"/>
@@ -4750,7 +6660,7 @@
       </p:sp>
       <p:sp>
         <p:nvSpPr>
-          <p:cNvPr id="30" name="Rectangle 29">
+          <p:cNvPr id="15" name="Rectangle 14">
             <a:extLst>
               <a:ext uri="{FF2B5EF4-FFF2-40B4-BE49-F238E27FC236}">
                 <a16:creationId xmlns:a16="http://schemas.microsoft.com/office/drawing/2014/main" id="{A9B7E24D-5A97-4887-A449-ADDF5C19CC33}"/>
@@ -4813,10 +6723,10 @@
       </p:sp>
       <p:pic>
         <p:nvPicPr>
-          <p:cNvPr id="18" name="Content Placeholder 10" descr="A screenshot of a person&#10;&#10;Description automatically generated">
-            <a:extLst>
-              <a:ext uri="{FF2B5EF4-FFF2-40B4-BE49-F238E27FC236}">
-                <a16:creationId xmlns:a16="http://schemas.microsoft.com/office/drawing/2014/main" id="{69B291CE-66D8-4FB6-91BA-0C85C5AF33C9}"/>
+          <p:cNvPr id="5" name="Content Placeholder 4">
+            <a:extLst>
+              <a:ext uri="{FF2B5EF4-FFF2-40B4-BE49-F238E27FC236}">
+                <a16:creationId xmlns:a16="http://schemas.microsoft.com/office/drawing/2014/main" id="{3D773FF4-2417-4D5C-A2B5-3CC5FB1A67BF}"/>
               </a:ext>
             </a:extLst>
           </p:cNvPr>
@@ -4829,7 +6739,7 @@
         </p:nvPicPr>
         <p:blipFill rotWithShape="1">
           <a:blip r:embed="rId2"/>
-          <a:srcRect t="1581" r="-3" b="-3"/>
+          <a:srcRect t="5192" r="3" b="5480"/>
           <a:stretch/>
         </p:blipFill>
         <p:spPr>
@@ -4844,10 +6754,10 @@
       </p:pic>
       <p:pic>
         <p:nvPicPr>
-          <p:cNvPr id="21" name="Content Placeholder 11" descr="A screenshot of a cell phone&#10;&#10;Description automatically generated">
-            <a:extLst>
-              <a:ext uri="{FF2B5EF4-FFF2-40B4-BE49-F238E27FC236}">
-                <a16:creationId xmlns:a16="http://schemas.microsoft.com/office/drawing/2014/main" id="{024EACA5-2BDB-42F4-8543-4E844B0E1F90}"/>
+          <p:cNvPr id="6" name="Picture 5" descr="A screenshot of a cell phone&#10;&#10;Description automatically generated">
+            <a:extLst>
+              <a:ext uri="{FF2B5EF4-FFF2-40B4-BE49-F238E27FC236}">
+                <a16:creationId xmlns:a16="http://schemas.microsoft.com/office/drawing/2014/main" id="{CE0E3A52-EA06-45C1-B6DA-F09AF2AE7258}"/>
               </a:ext>
             </a:extLst>
           </p:cNvPr>
@@ -4858,7 +6768,7 @@
         </p:nvPicPr>
         <p:blipFill rotWithShape="1">
           <a:blip r:embed="rId3"/>
-          <a:srcRect t="2235" r="5" b="722"/>
+          <a:srcRect t="18" r="-4" b="-4"/>
           <a:stretch/>
         </p:blipFill>
         <p:spPr>
@@ -4873,10 +6783,10 @@
       </p:pic>
       <p:sp>
         <p:nvSpPr>
-          <p:cNvPr id="17" name="Text Placeholder 16">
-            <a:extLst>
-              <a:ext uri="{FF2B5EF4-FFF2-40B4-BE49-F238E27FC236}">
-                <a16:creationId xmlns:a16="http://schemas.microsoft.com/office/drawing/2014/main" id="{96CB1683-92C3-4D65-B27B-5EE7BEF9FC20}"/>
+          <p:cNvPr id="4" name="Text Placeholder 3">
+            <a:extLst>
+              <a:ext uri="{FF2B5EF4-FFF2-40B4-BE49-F238E27FC236}">
+                <a16:creationId xmlns:a16="http://schemas.microsoft.com/office/drawing/2014/main" id="{5EC92CBB-4AD0-4A46-AC3E-5E95F5FE4FC8}"/>
               </a:ext>
             </a:extLst>
           </p:cNvPr>
@@ -4922,7 +6832,7 @@
             </a:pPr>
             <a:r>
               <a:rPr lang="en-US" dirty="0"/>
-              <a:t>Discourse seems economic</a:t>
+              <a:t>Popular media outlets closely associated with ‘news’</a:t>
             </a:r>
           </a:p>
           <a:p>
@@ -4949,17 +6859,27 @@
             </a:pPr>
             <a:r>
               <a:rPr lang="en-US" dirty="0"/>
-              <a:t>Discourse seems more closely related to identity &amp; ideology</a:t>
-            </a:r>
-          </a:p>
-          <a:p>
-            <a:pPr lvl="2" indent="-228600">
+              <a:t>‘Fake news’</a:t>
+            </a:r>
+          </a:p>
+          <a:p>
+            <a:pPr lvl="1" indent="-228600">
               <a:buFont typeface="Arial" panose="020B0604020202020204" pitchFamily="34" charset="0"/>
               <a:buChar char="•"/>
             </a:pPr>
             <a:r>
               <a:rPr lang="en-US" dirty="0"/>
-              <a:t>Ideology, SJW, Jewish (?)</a:t>
+              <a:t>Twitter makes an appearance, Fox and CNN don’t show up</a:t>
+            </a:r>
+          </a:p>
+          <a:p>
+            <a:pPr lvl="1" indent="-228600">
+              <a:buFont typeface="Arial" panose="020B0604020202020204" pitchFamily="34" charset="0"/>
+              <a:buChar char="•"/>
+            </a:pPr>
+            <a:r>
+              <a:rPr lang="en-US" dirty="0"/>
+              <a:t>‘Pizzagate’ reference</a:t>
             </a:r>
           </a:p>
         </p:txBody>
@@ -4967,7 +6887,7 @@
     </p:spTree>
     <p:extLst>
       <p:ext uri="{BB962C8B-B14F-4D97-AF65-F5344CB8AC3E}">
-        <p14:creationId xmlns:p14="http://schemas.microsoft.com/office/powerpoint/2010/main" val="316400830"/>
+        <p14:creationId xmlns:p14="http://schemas.microsoft.com/office/powerpoint/2010/main" val="290168817"/>
       </p:ext>
     </p:extLst>
   </p:cSld>
@@ -5006,7 +6926,7 @@
       </p:grpSpPr>
       <p:sp>
         <p:nvSpPr>
-          <p:cNvPr id="43" name="Rectangle 39">
+          <p:cNvPr id="11" name="Rectangle 10">
             <a:extLst>
               <a:ext uri="{FF2B5EF4-FFF2-40B4-BE49-F238E27FC236}">
                 <a16:creationId xmlns:a16="http://schemas.microsoft.com/office/drawing/2014/main" id="{4B4B6F8B-28A5-4700-A622-B54C7445A42F}"/>
@@ -5071,10 +6991,10 @@
       </p:sp>
       <p:sp>
         <p:nvSpPr>
-          <p:cNvPr id="15" name="Title 14">
-            <a:extLst>
-              <a:ext uri="{FF2B5EF4-FFF2-40B4-BE49-F238E27FC236}">
-                <a16:creationId xmlns:a16="http://schemas.microsoft.com/office/drawing/2014/main" id="{63F60BDD-6351-41CB-8BAB-69B346957EC6}"/>
+          <p:cNvPr id="2" name="Title 1">
+            <a:extLst>
+              <a:ext uri="{FF2B5EF4-FFF2-40B4-BE49-F238E27FC236}">
+                <a16:creationId xmlns:a16="http://schemas.microsoft.com/office/drawing/2014/main" id="{BD922538-FB2D-4B89-AD5C-540FEEC92842}"/>
               </a:ext>
             </a:extLst>
           </p:cNvPr>
@@ -5107,15 +7027,14 @@
           <a:p>
             <a:r>
               <a:rPr lang="en-US" sz="2800"/>
-              <a:t>Immigration – Economic vs Security</a:t>
-            </a:r>
-            <a:endParaRPr lang="en-US" sz="2800" dirty="0"/>
-          </a:p>
-        </p:txBody>
-      </p:sp>
-      <p:sp>
-        <p:nvSpPr>
-          <p:cNvPr id="42" name="Rectangle 41">
+              <a:t>News – Fake or Fox?</a:t>
+            </a:r>
+          </a:p>
+        </p:txBody>
+      </p:sp>
+      <p:sp>
+        <p:nvSpPr>
+          <p:cNvPr id="13" name="Rectangle 12">
             <a:extLst>
               <a:ext uri="{FF2B5EF4-FFF2-40B4-BE49-F238E27FC236}">
                 <a16:creationId xmlns:a16="http://schemas.microsoft.com/office/drawing/2014/main" id="{CF970970-DA4C-43C1-A054-C625523A17F2}"/>
@@ -5179,7 +7098,7 @@
       </p:sp>
       <p:sp>
         <p:nvSpPr>
-          <p:cNvPr id="44" name="Rectangle 43">
+          <p:cNvPr id="15" name="Rectangle 14">
             <a:extLst>
               <a:ext uri="{FF2B5EF4-FFF2-40B4-BE49-F238E27FC236}">
                 <a16:creationId xmlns:a16="http://schemas.microsoft.com/office/drawing/2014/main" id="{A9B7E24D-5A97-4887-A449-ADDF5C19CC33}"/>
@@ -5242,26 +7161,28 @@
       </p:sp>
       <p:pic>
         <p:nvPicPr>
-          <p:cNvPr id="5" name="Picture 4">
-            <a:extLst>
-              <a:ext uri="{FF2B5EF4-FFF2-40B4-BE49-F238E27FC236}">
-                <a16:creationId xmlns:a16="http://schemas.microsoft.com/office/drawing/2014/main" id="{142AF194-06E1-4132-9226-C9E57982BFF1}"/>
+          <p:cNvPr id="5" name="Content Placeholder 4">
+            <a:extLst>
+              <a:ext uri="{FF2B5EF4-FFF2-40B4-BE49-F238E27FC236}">
+                <a16:creationId xmlns:a16="http://schemas.microsoft.com/office/drawing/2014/main" id="{3D773FF4-2417-4D5C-A2B5-3CC5FB1A67BF}"/>
               </a:ext>
             </a:extLst>
           </p:cNvPr>
           <p:cNvPicPr>
-            <a:picLocks noChangeAspect="1"/>
+            <a:picLocks noGrp="1" noChangeAspect="1"/>
           </p:cNvPicPr>
-          <p:nvPr/>
+          <p:nvPr>
+            <p:ph idx="1"/>
+          </p:nvPr>
         </p:nvPicPr>
         <p:blipFill rotWithShape="1">
           <a:blip r:embed="rId2"/>
-          <a:srcRect r="8745" b="2"/>
+          <a:srcRect t="5192" r="3" b="5480"/>
           <a:stretch/>
         </p:blipFill>
         <p:spPr>
           <a:xfrm>
-            <a:off x="1178506" y="3348059"/>
+            <a:off x="1149821" y="1126397"/>
             <a:ext cx="3044952" cy="2063834"/>
           </a:xfrm>
           <a:prstGeom prst="rect">
@@ -5271,10 +7192,10 @@
       </p:pic>
       <p:pic>
         <p:nvPicPr>
-          <p:cNvPr id="4" name="Picture 3">
-            <a:extLst>
-              <a:ext uri="{FF2B5EF4-FFF2-40B4-BE49-F238E27FC236}">
-                <a16:creationId xmlns:a16="http://schemas.microsoft.com/office/drawing/2014/main" id="{86B52EF9-EB2A-4C83-9361-9F3274DE79D3}"/>
+          <p:cNvPr id="6" name="Picture 5" descr="A screenshot of a cell phone&#10;&#10;Description automatically generated">
+            <a:extLst>
+              <a:ext uri="{FF2B5EF4-FFF2-40B4-BE49-F238E27FC236}">
+                <a16:creationId xmlns:a16="http://schemas.microsoft.com/office/drawing/2014/main" id="{CE0E3A52-EA06-45C1-B6DA-F09AF2AE7258}"/>
               </a:ext>
             </a:extLst>
           </p:cNvPr>
@@ -5285,12 +7206,12 @@
         </p:nvPicPr>
         <p:blipFill rotWithShape="1">
           <a:blip r:embed="rId3"/>
-          <a:srcRect l="1304" r="3254" b="-1"/>
+          <a:srcRect t="18" r="-4" b="-4"/>
           <a:stretch/>
         </p:blipFill>
         <p:spPr>
           <a:xfrm>
-            <a:off x="1178507" y="1123027"/>
+            <a:off x="1149821" y="3351098"/>
             <a:ext cx="3044951" cy="2063835"/>
           </a:xfrm>
           <a:prstGeom prst="rect">
@@ -5300,18 +7221,18 @@
       </p:pic>
       <p:sp>
         <p:nvSpPr>
-          <p:cNvPr id="3" name="Content Placeholder 2">
-            <a:extLst>
-              <a:ext uri="{FF2B5EF4-FFF2-40B4-BE49-F238E27FC236}">
-                <a16:creationId xmlns:a16="http://schemas.microsoft.com/office/drawing/2014/main" id="{00197BE1-19DD-4520-9636-A378821FEB84}"/>
-              </a:ext>
-            </a:extLst>
-          </p:cNvPr>
-          <p:cNvSpPr>
-            <a:spLocks noGrp="1"/>
-          </p:cNvSpPr>
-          <p:nvPr>
-            <p:ph idx="1"/>
+          <p:cNvPr id="4" name="Text Placeholder 3">
+            <a:extLst>
+              <a:ext uri="{FF2B5EF4-FFF2-40B4-BE49-F238E27FC236}">
+                <a16:creationId xmlns:a16="http://schemas.microsoft.com/office/drawing/2014/main" id="{5EC92CBB-4AD0-4A46-AC3E-5E95F5FE4FC8}"/>
+              </a:ext>
+            </a:extLst>
+          </p:cNvPr>
+          <p:cNvSpPr>
+            <a:spLocks noGrp="1"/>
+          </p:cNvSpPr>
+          <p:nvPr>
+            <p:ph type="body" sz="half" idx="2"/>
           </p:nvPr>
         </p:nvSpPr>
         <p:spPr>
@@ -5326,8 +7247,12 @@
           </a:bodyPr>
           <a:lstStyle/>
           <a:p>
-            <a:r>
-              <a:rPr lang="en-US" sz="1800" dirty="0">
+            <a:pPr indent="-228600" algn="l">
+              <a:buFont typeface="Arial" panose="020B0604020202020204" pitchFamily="34" charset="0"/>
+              <a:buChar char="•"/>
+            </a:pPr>
+            <a:r>
+              <a:rPr lang="en-US" dirty="0">
                 <a:solidFill>
                   <a:schemeClr val="tx1">
                     <a:lumMod val="85000"/>
@@ -5339,22 +7264,22 @@
             </a:r>
           </a:p>
           <a:p>
-            <a:pPr lvl="1"/>
-            <a:r>
-              <a:rPr lang="en-US" sz="1400" dirty="0">
-                <a:solidFill>
-                  <a:schemeClr val="tx1">
-                    <a:lumMod val="85000"/>
-                    <a:lumOff val="15000"/>
-                  </a:schemeClr>
-                </a:solidFill>
-              </a:rPr>
-              <a:t>Discourse seems around illegal immigration, trade, and the wall</a:t>
-            </a:r>
-          </a:p>
-          <a:p>
-            <a:r>
-              <a:rPr lang="en-US" sz="1800" dirty="0">
+            <a:pPr lvl="1" indent="-228600">
+              <a:buFont typeface="Arial" panose="020B0604020202020204" pitchFamily="34" charset="0"/>
+              <a:buChar char="•"/>
+            </a:pPr>
+            <a:r>
+              <a:rPr lang="en-US" dirty="0"/>
+              <a:t>Popular media outlets closely associated with ‘news’</a:t>
+            </a:r>
+          </a:p>
+          <a:p>
+            <a:pPr indent="-228600" algn="l">
+              <a:buFont typeface="Arial" panose="020B0604020202020204" pitchFamily="34" charset="0"/>
+              <a:buChar char="•"/>
+            </a:pPr>
+            <a:r>
+              <a:rPr lang="en-US" dirty="0">
                 <a:solidFill>
                   <a:schemeClr val="tx1">
                     <a:lumMod val="85000"/>
@@ -5366,17 +7291,33 @@
             </a:r>
           </a:p>
           <a:p>
-            <a:pPr lvl="1"/>
-            <a:r>
-              <a:rPr lang="en-US" sz="1400" dirty="0">
-                <a:solidFill>
-                  <a:schemeClr val="tx1">
-                    <a:lumMod val="85000"/>
-                    <a:lumOff val="15000"/>
-                  </a:schemeClr>
-                </a:solidFill>
-              </a:rPr>
-              <a:t>More ‘fear’-related words: division, protection, terrorism, healthcare, mistake </a:t>
+            <a:pPr lvl="1" indent="-228600">
+              <a:buFont typeface="Arial" panose="020B0604020202020204" pitchFamily="34" charset="0"/>
+              <a:buChar char="•"/>
+            </a:pPr>
+            <a:r>
+              <a:rPr lang="en-US" dirty="0"/>
+              <a:t>‘Fake news’</a:t>
+            </a:r>
+          </a:p>
+          <a:p>
+            <a:pPr lvl="1" indent="-228600">
+              <a:buFont typeface="Arial" panose="020B0604020202020204" pitchFamily="34" charset="0"/>
+              <a:buChar char="•"/>
+            </a:pPr>
+            <a:r>
+              <a:rPr lang="en-US" dirty="0"/>
+              <a:t>Twitter makes an appearance, Fox and CNN don’t show up</a:t>
+            </a:r>
+          </a:p>
+          <a:p>
+            <a:pPr lvl="1" indent="-228600">
+              <a:buFont typeface="Arial" panose="020B0604020202020204" pitchFamily="34" charset="0"/>
+              <a:buChar char="•"/>
+            </a:pPr>
+            <a:r>
+              <a:rPr lang="en-US" dirty="0"/>
+              <a:t>‘Pizzagate’ reference</a:t>
             </a:r>
           </a:p>
         </p:txBody>
@@ -5384,7 +7325,7 @@
     </p:spTree>
     <p:extLst>
       <p:ext uri="{BB962C8B-B14F-4D97-AF65-F5344CB8AC3E}">
-        <p14:creationId xmlns:p14="http://schemas.microsoft.com/office/powerpoint/2010/main" val="4205051371"/>
+        <p14:creationId xmlns:p14="http://schemas.microsoft.com/office/powerpoint/2010/main" val="3270683394"/>
       </p:ext>
     </p:extLst>
   </p:cSld>
@@ -5423,10 +7364,10 @@
       </p:grpSpPr>
       <p:sp>
         <p:nvSpPr>
-          <p:cNvPr id="1032" name="Rectangle 138">
-            <a:extLst>
-              <a:ext uri="{FF2B5EF4-FFF2-40B4-BE49-F238E27FC236}">
-                <a16:creationId xmlns:a16="http://schemas.microsoft.com/office/drawing/2014/main" id="{EE99CA9E-E89F-4609-BDAA-A16CCA5D599F}"/>
+          <p:cNvPr id="29" name="Rectangle 25">
+            <a:extLst>
+              <a:ext uri="{FF2B5EF4-FFF2-40B4-BE49-F238E27FC236}">
+                <a16:creationId xmlns:a16="http://schemas.microsoft.com/office/drawing/2014/main" id="{4B4B6F8B-28A5-4700-A622-B54C7445A42F}"/>
               </a:ext>
               <a:ext uri="{C183D7F6-B498-43B3-948B-1728B52AA6E4}">
                 <adec:decorative xmlns:adec="http://schemas.microsoft.com/office/drawing/2017/decorative" val="1"/>
@@ -5446,14 +7387,16 @@
         </p:nvSpPr>
         <p:spPr>
           <a:xfrm>
-            <a:off x="0" y="-2"/>
-            <a:ext cx="12192000" cy="4918511"/>
+            <a:off x="5315061" y="-2"/>
+            <a:ext cx="6876939" cy="6858002"/>
           </a:xfrm>
           <a:prstGeom prst="rect">
             <a:avLst/>
           </a:prstGeom>
           <a:solidFill>
-            <a:srgbClr val="FFFFFF"/>
+            <a:schemeClr val="bg1">
+              <a:lumMod val="85000"/>
+            </a:schemeClr>
           </a:solidFill>
           <a:ln>
             <a:noFill/>
@@ -5486,10 +7429,10 @@
       </p:sp>
       <p:sp>
         <p:nvSpPr>
-          <p:cNvPr id="6" name="Title 5">
-            <a:extLst>
-              <a:ext uri="{FF2B5EF4-FFF2-40B4-BE49-F238E27FC236}">
-                <a16:creationId xmlns:a16="http://schemas.microsoft.com/office/drawing/2014/main" id="{C2AF8ABE-C5B3-4E99-977C-6ADB5BF43BA9}"/>
+          <p:cNvPr id="15" name="Title 14">
+            <a:extLst>
+              <a:ext uri="{FF2B5EF4-FFF2-40B4-BE49-F238E27FC236}">
+                <a16:creationId xmlns:a16="http://schemas.microsoft.com/office/drawing/2014/main" id="{63F60BDD-6351-41CB-8BAB-69B346957EC6}"/>
               </a:ext>
             </a:extLst>
           </p:cNvPr>
@@ -5502,212 +7445,315 @@
         </p:nvSpPr>
         <p:spPr>
           <a:xfrm>
-            <a:off x="1600200" y="4269282"/>
-            <a:ext cx="8991600" cy="1264762"/>
-          </a:xfrm>
-        </p:spPr>
-        <p:txBody>
-          <a:bodyPr vert="horz" lIns="274320" tIns="182880" rIns="274320" bIns="182880" rtlCol="0" anchor="ctr" anchorCtr="1">
+            <a:off x="6119732" y="1290025"/>
+            <a:ext cx="5291327" cy="1188720"/>
+          </a:xfrm>
+          <a:solidFill>
+            <a:srgbClr val="FFFFFF"/>
+          </a:solidFill>
+          <a:ln>
+            <a:solidFill>
+              <a:srgbClr val="404040"/>
+            </a:solidFill>
+          </a:ln>
+        </p:spPr>
+        <p:txBody>
+          <a:bodyPr vert="horz" lIns="182880" tIns="182880" rIns="182880" bIns="182880" rtlCol="0" anchor="ctr">
             <a:normAutofit/>
           </a:bodyPr>
           <a:lstStyle/>
           <a:p>
             <a:r>
-              <a:rPr lang="en-GB" sz="3200" dirty="0" err="1">
-                <a:solidFill>
-                  <a:srgbClr val="262626"/>
-                </a:solidFill>
-              </a:rPr>
-              <a:t>tSNE</a:t>
-            </a:r>
-            <a:r>
-              <a:rPr lang="en-GB" sz="3200" dirty="0">
-                <a:solidFill>
-                  <a:srgbClr val="262626"/>
-                </a:solidFill>
-              </a:rPr>
-              <a:t> Word Distributions</a:t>
-            </a:r>
-            <a:endParaRPr lang="en-US" sz="3200" dirty="0">
-              <a:solidFill>
-                <a:srgbClr val="262626"/>
-              </a:solidFill>
-            </a:endParaRPr>
-          </a:p>
-        </p:txBody>
-      </p:sp>
-      <p:pic>
-        <p:nvPicPr>
-          <p:cNvPr id="1028" name="Picture 4" descr="A close up of a logo&#10;&#10;Description automatically generated">
-            <a:extLst>
-              <a:ext uri="{FF2B5EF4-FFF2-40B4-BE49-F238E27FC236}">
-                <a16:creationId xmlns:a16="http://schemas.microsoft.com/office/drawing/2014/main" id="{155758B6-B7E7-43F9-BA3A-D013B9D1C8D5}"/>
-              </a:ext>
-            </a:extLst>
-          </p:cNvPr>
-          <p:cNvPicPr>
-            <a:picLocks noGrp="1" noChangeAspect="1" noChangeArrowheads="1"/>
-          </p:cNvPicPr>
-          <p:nvPr>
-            <p:ph sz="quarter" idx="4"/>
-          </p:nvPr>
-        </p:nvPicPr>
-        <p:blipFill>
-          <a:blip r:embed="rId2">
-            <a:extLst>
-              <a:ext uri="{28A0092B-C50C-407E-A947-70E740481C1C}">
-                <a14:useLocalDpi xmlns:a14="http://schemas.microsoft.com/office/drawing/2010/main" val="0"/>
-              </a:ext>
-            </a:extLst>
-          </a:blip>
-          <a:stretch>
-            <a:fillRect/>
-          </a:stretch>
-        </p:blipFill>
-        <p:spPr bwMode="auto">
-          <a:xfrm>
-            <a:off x="764995" y="533401"/>
-            <a:ext cx="5088689" cy="2951438"/>
+              <a:rPr lang="en-US" sz="2800"/>
+              <a:t>Mexican – Immigration vs Identity Politics</a:t>
+            </a:r>
+          </a:p>
+        </p:txBody>
+      </p:sp>
+      <p:sp>
+        <p:nvSpPr>
+          <p:cNvPr id="28" name="Rectangle 27">
+            <a:extLst>
+              <a:ext uri="{FF2B5EF4-FFF2-40B4-BE49-F238E27FC236}">
+                <a16:creationId xmlns:a16="http://schemas.microsoft.com/office/drawing/2014/main" id="{CF970970-DA4C-43C1-A054-C625523A17F2}"/>
+              </a:ext>
+              <a:ext uri="{C183D7F6-B498-43B3-948B-1728B52AA6E4}">
+                <adec:decorative xmlns:adec="http://schemas.microsoft.com/office/drawing/2017/decorative" val="1"/>
+              </a:ext>
+            </a:extLst>
+          </p:cNvPr>
+          <p:cNvSpPr>
+            <a:spLocks noGrp="1" noRot="1" noChangeAspect="1" noMove="1" noResize="1" noEditPoints="1" noAdjustHandles="1" noChangeArrowheads="1" noChangeShapeType="1" noTextEdit="1"/>
+          </p:cNvSpPr>
+          <p:nvPr>
+            <p:extLst>
+              <p:ext uri="{386F3935-93C4-4BCD-93E2-E3B085C9AB24}">
+                <p16:designElem xmlns:p16="http://schemas.microsoft.com/office/powerpoint/2015/main" val="1"/>
+              </p:ext>
+            </p:extLst>
+          </p:nvPr>
+        </p:nvSpPr>
+        <p:spPr>
+          <a:xfrm>
+            <a:off x="663665" y="640080"/>
+            <a:ext cx="4017264" cy="5261170"/>
           </a:xfrm>
           <a:prstGeom prst="rect">
             <a:avLst/>
           </a:prstGeom>
           <a:noFill/>
-          <a:extLst>
-            <a:ext uri="{909E8E84-426E-40DD-AFC4-6F175D3DCCD1}">
-              <a14:hiddenFill xmlns:a14="http://schemas.microsoft.com/office/drawing/2010/main">
-                <a:solidFill>
-                  <a:srgbClr val="FFFFFF"/>
-                </a:solidFill>
-              </a14:hiddenFill>
-            </a:ext>
-          </a:extLst>
+          <a:ln w="31750" cap="sq">
+            <a:solidFill>
+              <a:srgbClr val="FFFFFF"/>
+            </a:solidFill>
+            <a:miter lim="800000"/>
+          </a:ln>
+        </p:spPr>
+        <p:style>
+          <a:lnRef idx="2">
+            <a:schemeClr val="accent1">
+              <a:shade val="50000"/>
+            </a:schemeClr>
+          </a:lnRef>
+          <a:fillRef idx="1">
+            <a:schemeClr val="accent1"/>
+          </a:fillRef>
+          <a:effectRef idx="0">
+            <a:schemeClr val="accent1"/>
+          </a:effectRef>
+          <a:fontRef idx="minor">
+            <a:schemeClr val="lt1"/>
+          </a:fontRef>
+        </p:style>
+        <p:txBody>
+          <a:bodyPr rtlCol="0" anchor="ctr"/>
+          <a:lstStyle/>
+          <a:p>
+            <a:pPr algn="ctr"/>
+            <a:endParaRPr lang="en-US" dirty="0"/>
+          </a:p>
+        </p:txBody>
+      </p:sp>
+      <p:sp>
+        <p:nvSpPr>
+          <p:cNvPr id="30" name="Rectangle 29">
+            <a:extLst>
+              <a:ext uri="{FF2B5EF4-FFF2-40B4-BE49-F238E27FC236}">
+                <a16:creationId xmlns:a16="http://schemas.microsoft.com/office/drawing/2014/main" id="{A9B7E24D-5A97-4887-A449-ADDF5C19CC33}"/>
+              </a:ext>
+              <a:ext uri="{C183D7F6-B498-43B3-948B-1728B52AA6E4}">
+                <adec:decorative xmlns:adec="http://schemas.microsoft.com/office/drawing/2017/decorative" val="1"/>
+              </a:ext>
+            </a:extLst>
+          </p:cNvPr>
+          <p:cNvSpPr>
+            <a:spLocks noGrp="1" noRot="1" noChangeAspect="1" noMove="1" noResize="1" noEditPoints="1" noAdjustHandles="1" noChangeArrowheads="1" noChangeShapeType="1" noTextEdit="1"/>
+          </p:cNvSpPr>
+          <p:nvPr>
+            <p:extLst>
+              <p:ext uri="{386F3935-93C4-4BCD-93E2-E3B085C9AB24}">
+                <p16:designElem xmlns:p16="http://schemas.microsoft.com/office/powerpoint/2015/main" val="1"/>
+              </p:ext>
+            </p:extLst>
+          </p:nvPr>
+        </p:nvSpPr>
+        <p:spPr>
+          <a:xfrm>
+            <a:off x="829781" y="806357"/>
+            <a:ext cx="3685032" cy="4928616"/>
+          </a:xfrm>
+          <a:prstGeom prst="rect">
+            <a:avLst/>
+          </a:prstGeom>
+          <a:solidFill>
+            <a:srgbClr val="FFFFFF"/>
+          </a:solidFill>
+          <a:ln>
+            <a:noFill/>
+          </a:ln>
+        </p:spPr>
+        <p:style>
+          <a:lnRef idx="2">
+            <a:schemeClr val="accent1">
+              <a:shade val="50000"/>
+            </a:schemeClr>
+          </a:lnRef>
+          <a:fillRef idx="1">
+            <a:schemeClr val="accent1"/>
+          </a:fillRef>
+          <a:effectRef idx="0">
+            <a:schemeClr val="accent1"/>
+          </a:effectRef>
+          <a:fontRef idx="minor">
+            <a:schemeClr val="lt1"/>
+          </a:fontRef>
+        </p:style>
+        <p:txBody>
+          <a:bodyPr rtlCol="0" anchor="ctr"/>
+          <a:lstStyle/>
+          <a:p>
+            <a:pPr algn="ctr"/>
+            <a:endParaRPr lang="en-US"/>
+          </a:p>
+        </p:txBody>
+      </p:sp>
+      <p:pic>
+        <p:nvPicPr>
+          <p:cNvPr id="18" name="Content Placeholder 10" descr="A screenshot of a person&#10;&#10;Description automatically generated">
+            <a:extLst>
+              <a:ext uri="{FF2B5EF4-FFF2-40B4-BE49-F238E27FC236}">
+                <a16:creationId xmlns:a16="http://schemas.microsoft.com/office/drawing/2014/main" id="{69B291CE-66D8-4FB6-91BA-0C85C5AF33C9}"/>
+              </a:ext>
+            </a:extLst>
+          </p:cNvPr>
+          <p:cNvPicPr>
+            <a:picLocks noGrp="1" noChangeAspect="1"/>
+          </p:cNvPicPr>
+          <p:nvPr>
+            <p:ph idx="1"/>
+          </p:nvPr>
+        </p:nvPicPr>
+        <p:blipFill rotWithShape="1">
+          <a:blip r:embed="rId2"/>
+          <a:srcRect t="1581" r="-3" b="-3"/>
+          <a:stretch/>
+        </p:blipFill>
+        <p:spPr>
+          <a:xfrm>
+            <a:off x="1149821" y="1126397"/>
+            <a:ext cx="3044952" cy="2063834"/>
+          </a:xfrm>
+          <a:prstGeom prst="rect">
+            <a:avLst/>
+          </a:prstGeom>
         </p:spPr>
       </p:pic>
       <p:pic>
         <p:nvPicPr>
-          <p:cNvPr id="1030" name="Picture 6" descr="A close up of a logo&#10;&#10;Description automatically generated">
-            <a:extLst>
-              <a:ext uri="{FF2B5EF4-FFF2-40B4-BE49-F238E27FC236}">
-                <a16:creationId xmlns:a16="http://schemas.microsoft.com/office/drawing/2014/main" id="{1496185B-C268-48AC-B591-25D35741C11D}"/>
+          <p:cNvPr id="21" name="Content Placeholder 11" descr="A screenshot of a cell phone&#10;&#10;Description automatically generated">
+            <a:extLst>
+              <a:ext uri="{FF2B5EF4-FFF2-40B4-BE49-F238E27FC236}">
+                <a16:creationId xmlns:a16="http://schemas.microsoft.com/office/drawing/2014/main" id="{024EACA5-2BDB-42F4-8543-4E844B0E1F90}"/>
               </a:ext>
             </a:extLst>
           </p:cNvPr>
           <p:cNvPicPr>
-            <a:picLocks noGrp="1" noChangeAspect="1" noChangeArrowheads="1"/>
+            <a:picLocks noChangeAspect="1"/>
           </p:cNvPicPr>
-          <p:nvPr>
-            <p:ph sz="half" idx="2"/>
-          </p:nvPr>
+          <p:nvPr/>
         </p:nvPicPr>
-        <p:blipFill>
-          <a:blip r:embed="rId3">
-            <a:extLst>
-              <a:ext uri="{28A0092B-C50C-407E-A947-70E740481C1C}">
-                <a14:useLocalDpi xmlns:a14="http://schemas.microsoft.com/office/drawing/2010/main" val="0"/>
-              </a:ext>
-            </a:extLst>
-          </a:blip>
-          <a:stretch>
-            <a:fillRect/>
-          </a:stretch>
+        <p:blipFill rotWithShape="1">
+          <a:blip r:embed="rId3"/>
+          <a:srcRect t="2235" r="5" b="722"/>
+          <a:stretch/>
         </p:blipFill>
-        <p:spPr bwMode="auto">
-          <a:xfrm>
-            <a:off x="6338315" y="533401"/>
-            <a:ext cx="5166735" cy="2919204"/>
+        <p:spPr>
+          <a:xfrm>
+            <a:off x="1149821" y="3351098"/>
+            <a:ext cx="3044951" cy="2063835"/>
           </a:xfrm>
           <a:prstGeom prst="rect">
             <a:avLst/>
           </a:prstGeom>
-          <a:noFill/>
-          <a:extLst>
-            <a:ext uri="{909E8E84-426E-40DD-AFC4-6F175D3DCCD1}">
-              <a14:hiddenFill xmlns:a14="http://schemas.microsoft.com/office/drawing/2010/main">
+        </p:spPr>
+      </p:pic>
+      <p:sp>
+        <p:nvSpPr>
+          <p:cNvPr id="17" name="Text Placeholder 16">
+            <a:extLst>
+              <a:ext uri="{FF2B5EF4-FFF2-40B4-BE49-F238E27FC236}">
+                <a16:creationId xmlns:a16="http://schemas.microsoft.com/office/drawing/2014/main" id="{96CB1683-92C3-4D65-B27B-5EE7BEF9FC20}"/>
+              </a:ext>
+            </a:extLst>
+          </p:cNvPr>
+          <p:cNvSpPr>
+            <a:spLocks noGrp="1"/>
+          </p:cNvSpPr>
+          <p:nvPr>
+            <p:ph type="body" sz="half" idx="2"/>
+          </p:nvPr>
+        </p:nvSpPr>
+        <p:spPr>
+          <a:xfrm>
+            <a:off x="6119732" y="2858703"/>
+            <a:ext cx="5285791" cy="3042547"/>
+          </a:xfrm>
+        </p:spPr>
+        <p:txBody>
+          <a:bodyPr vert="horz" lIns="91440" tIns="45720" rIns="91440" bIns="45720" rtlCol="0">
+            <a:normAutofit/>
+          </a:bodyPr>
+          <a:lstStyle/>
+          <a:p>
+            <a:pPr indent="-228600" algn="l">
+              <a:buFont typeface="Arial" panose="020B0604020202020204" pitchFamily="34" charset="0"/>
+              <a:buChar char="•"/>
+            </a:pPr>
+            <a:r>
+              <a:rPr lang="en-US" dirty="0">
                 <a:solidFill>
-                  <a:srgbClr val="FFFFFF"/>
+                  <a:schemeClr val="tx1">
+                    <a:lumMod val="85000"/>
+                    <a:lumOff val="15000"/>
+                  </a:schemeClr>
                 </a:solidFill>
-              </a14:hiddenFill>
-            </a:ext>
-          </a:extLst>
-        </p:spPr>
-      </p:pic>
-      <p:sp>
-        <p:nvSpPr>
-          <p:cNvPr id="2" name="TextBox 1">
-            <a:extLst>
-              <a:ext uri="{FF2B5EF4-FFF2-40B4-BE49-F238E27FC236}">
-                <a16:creationId xmlns:a16="http://schemas.microsoft.com/office/drawing/2014/main" id="{91FFE141-2300-4A77-9644-601B06E88AC6}"/>
-              </a:ext>
-            </a:extLst>
-          </p:cNvPr>
-          <p:cNvSpPr txBox="1"/>
-          <p:nvPr/>
-        </p:nvSpPr>
-        <p:spPr>
-          <a:xfrm>
-            <a:off x="2124751" y="3607940"/>
-            <a:ext cx="2369175" cy="369332"/>
-          </a:xfrm>
-          <a:prstGeom prst="rect">
-            <a:avLst/>
-          </a:prstGeom>
-          <a:noFill/>
-        </p:spPr>
-        <p:txBody>
-          <a:bodyPr wrap="none" rtlCol="0">
-            <a:spAutoFit/>
-          </a:bodyPr>
-          <a:lstStyle/>
-          <a:p>
-            <a:r>
-              <a:rPr lang="en-GB" dirty="0"/>
-              <a:t>T4: Super Tuesday, 2016</a:t>
-            </a:r>
-            <a:endParaRPr lang="en-US" dirty="0"/>
-          </a:p>
-        </p:txBody>
-      </p:sp>
-      <p:sp>
-        <p:nvSpPr>
-          <p:cNvPr id="7" name="TextBox 6">
-            <a:extLst>
-              <a:ext uri="{FF2B5EF4-FFF2-40B4-BE49-F238E27FC236}">
-                <a16:creationId xmlns:a16="http://schemas.microsoft.com/office/drawing/2014/main" id="{EE7A39F3-0D81-4E01-962C-14A57367ECAB}"/>
-              </a:ext>
-            </a:extLst>
-          </p:cNvPr>
-          <p:cNvSpPr txBox="1"/>
-          <p:nvPr/>
-        </p:nvSpPr>
-        <p:spPr>
-          <a:xfrm>
-            <a:off x="7665408" y="3609953"/>
-            <a:ext cx="2512547" cy="369332"/>
-          </a:xfrm>
-          <a:prstGeom prst="rect">
-            <a:avLst/>
-          </a:prstGeom>
-          <a:noFill/>
-        </p:spPr>
-        <p:txBody>
-          <a:bodyPr wrap="none" rtlCol="0">
-            <a:spAutoFit/>
-          </a:bodyPr>
-          <a:lstStyle/>
-          <a:p>
-            <a:r>
-              <a:rPr lang="en-GB" dirty="0"/>
-              <a:t>T8: Election Month, 2016</a:t>
-            </a:r>
-            <a:endParaRPr lang="en-US" dirty="0"/>
+              </a:rPr>
+              <a:t>T4, Super Tuesday (GOP Nomination): </a:t>
+            </a:r>
+          </a:p>
+          <a:p>
+            <a:pPr lvl="1" indent="-228600">
+              <a:buFont typeface="Arial" panose="020B0604020202020204" pitchFamily="34" charset="0"/>
+              <a:buChar char="•"/>
+            </a:pPr>
+            <a:r>
+              <a:rPr lang="en-US" dirty="0"/>
+              <a:t>Discourse seems economic</a:t>
+            </a:r>
+          </a:p>
+          <a:p>
+            <a:pPr indent="-228600" algn="l">
+              <a:buFont typeface="Arial" panose="020B0604020202020204" pitchFamily="34" charset="0"/>
+              <a:buChar char="•"/>
+            </a:pPr>
+            <a:r>
+              <a:rPr lang="en-US" dirty="0">
+                <a:solidFill>
+                  <a:schemeClr val="tx1">
+                    <a:lumMod val="85000"/>
+                    <a:lumOff val="15000"/>
+                  </a:schemeClr>
+                </a:solidFill>
+              </a:rPr>
+              <a:t>T8, General Election month: </a:t>
+            </a:r>
+          </a:p>
+          <a:p>
+            <a:pPr lvl="1" indent="-228600">
+              <a:buFont typeface="Arial" panose="020B0604020202020204" pitchFamily="34" charset="0"/>
+              <a:buChar char="•"/>
+            </a:pPr>
+            <a:r>
+              <a:rPr lang="en-US" dirty="0"/>
+              <a:t>Discourse seems more closely related to identity &amp; ideology</a:t>
+            </a:r>
+          </a:p>
+          <a:p>
+            <a:pPr lvl="2" indent="-228600">
+              <a:buFont typeface="Arial" panose="020B0604020202020204" pitchFamily="34" charset="0"/>
+              <a:buChar char="•"/>
+            </a:pPr>
+            <a:r>
+              <a:rPr lang="en-US" dirty="0"/>
+              <a:t>Ideology, SJW, Jewish (?)</a:t>
+            </a:r>
           </a:p>
         </p:txBody>
       </p:sp>
     </p:spTree>
     <p:extLst>
       <p:ext uri="{BB962C8B-B14F-4D97-AF65-F5344CB8AC3E}">
-        <p14:creationId xmlns:p14="http://schemas.microsoft.com/office/powerpoint/2010/main" val="1817068428"/>
+        <p14:creationId xmlns:p14="http://schemas.microsoft.com/office/powerpoint/2010/main" val="316400830"/>
       </p:ext>
     </p:extLst>
   </p:cSld>
@@ -5720,6 +7766,16 @@
 <file path=ppt/slides/slide7.xml><?xml version="1.0" encoding="utf-8"?>
 <p:sld xmlns:a="http://schemas.openxmlformats.org/drawingml/2006/main" xmlns:r="http://schemas.openxmlformats.org/officeDocument/2006/relationships" xmlns:p="http://schemas.openxmlformats.org/presentationml/2006/main">
   <p:cSld>
+    <p:bg>
+      <p:bgPr>
+        <a:solidFill>
+          <a:schemeClr val="bg1">
+            <a:lumMod val="95000"/>
+          </a:schemeClr>
+        </a:solidFill>
+        <a:effectLst/>
+      </p:bgPr>
+    </p:bg>
     <p:spTree>
       <p:nvGrpSpPr>
         <p:cNvPr id="1" name=""/>
@@ -5736,10 +7792,75 @@
       </p:grpSpPr>
       <p:sp>
         <p:nvSpPr>
-          <p:cNvPr id="2" name="Title 1">
-            <a:extLst>
-              <a:ext uri="{FF2B5EF4-FFF2-40B4-BE49-F238E27FC236}">
-                <a16:creationId xmlns:a16="http://schemas.microsoft.com/office/drawing/2014/main" id="{2080E11F-B5F6-4C3E-95C6-BED246BAD541}"/>
+          <p:cNvPr id="29" name="Rectangle 25">
+            <a:extLst>
+              <a:ext uri="{FF2B5EF4-FFF2-40B4-BE49-F238E27FC236}">
+                <a16:creationId xmlns:a16="http://schemas.microsoft.com/office/drawing/2014/main" id="{4B4B6F8B-28A5-4700-A622-B54C7445A42F}"/>
+              </a:ext>
+              <a:ext uri="{C183D7F6-B498-43B3-948B-1728B52AA6E4}">
+                <adec:decorative xmlns:adec="http://schemas.microsoft.com/office/drawing/2017/decorative" val="1"/>
+              </a:ext>
+            </a:extLst>
+          </p:cNvPr>
+          <p:cNvSpPr>
+            <a:spLocks noGrp="1" noRot="1" noChangeAspect="1" noMove="1" noResize="1" noEditPoints="1" noAdjustHandles="1" noChangeArrowheads="1" noChangeShapeType="1" noTextEdit="1"/>
+          </p:cNvSpPr>
+          <p:nvPr>
+            <p:extLst>
+              <p:ext uri="{386F3935-93C4-4BCD-93E2-E3B085C9AB24}">
+                <p16:designElem xmlns:p16="http://schemas.microsoft.com/office/powerpoint/2015/main" val="1"/>
+              </p:ext>
+            </p:extLst>
+          </p:nvPr>
+        </p:nvSpPr>
+        <p:spPr>
+          <a:xfrm>
+            <a:off x="5315061" y="-2"/>
+            <a:ext cx="6876939" cy="6858002"/>
+          </a:xfrm>
+          <a:prstGeom prst="rect">
+            <a:avLst/>
+          </a:prstGeom>
+          <a:solidFill>
+            <a:schemeClr val="bg1">
+              <a:lumMod val="85000"/>
+            </a:schemeClr>
+          </a:solidFill>
+          <a:ln>
+            <a:noFill/>
+          </a:ln>
+        </p:spPr>
+        <p:style>
+          <a:lnRef idx="2">
+            <a:schemeClr val="accent1">
+              <a:shade val="50000"/>
+            </a:schemeClr>
+          </a:lnRef>
+          <a:fillRef idx="1">
+            <a:schemeClr val="accent1"/>
+          </a:fillRef>
+          <a:effectRef idx="0">
+            <a:schemeClr val="accent1"/>
+          </a:effectRef>
+          <a:fontRef idx="minor">
+            <a:schemeClr val="lt1"/>
+          </a:fontRef>
+        </p:style>
+        <p:txBody>
+          <a:bodyPr rtlCol="0" anchor="ctr"/>
+          <a:lstStyle/>
+          <a:p>
+            <a:pPr algn="ctr"/>
+            <a:endParaRPr lang="en-US"/>
+          </a:p>
+        </p:txBody>
+      </p:sp>
+      <p:sp>
+        <p:nvSpPr>
+          <p:cNvPr id="15" name="Title 14">
+            <a:extLst>
+              <a:ext uri="{FF2B5EF4-FFF2-40B4-BE49-F238E27FC236}">
+                <a16:creationId xmlns:a16="http://schemas.microsoft.com/office/drawing/2014/main" id="{63F60BDD-6351-41CB-8BAB-69B346957EC6}"/>
               </a:ext>
             </a:extLst>
           </p:cNvPr>
@@ -5750,137 +7871,309 @@
             <p:ph type="title"/>
           </p:nvPr>
         </p:nvSpPr>
-        <p:spPr/>
-        <p:txBody>
-          <a:bodyPr/>
-          <a:lstStyle/>
-          <a:p>
-            <a:r>
-              <a:rPr lang="en-GB" dirty="0"/>
-              <a:t>Ex4b: Linguistic Change/Difference</a:t>
-            </a:r>
-            <a:endParaRPr lang="en-US" dirty="0"/>
-          </a:p>
-        </p:txBody>
-      </p:sp>
-      <p:sp>
-        <p:nvSpPr>
-          <p:cNvPr id="3" name="Content Placeholder 2">
-            <a:extLst>
-              <a:ext uri="{FF2B5EF4-FFF2-40B4-BE49-F238E27FC236}">
-                <a16:creationId xmlns:a16="http://schemas.microsoft.com/office/drawing/2014/main" id="{E761316A-F97A-4D30-A6E5-9EE7D9918157}"/>
-              </a:ext>
-            </a:extLst>
-          </p:cNvPr>
-          <p:cNvSpPr>
-            <a:spLocks noGrp="1"/>
-          </p:cNvSpPr>
-          <p:nvPr>
-            <p:ph idx="1"/>
-          </p:nvPr>
-        </p:nvSpPr>
-        <p:spPr/>
-        <p:txBody>
-          <a:bodyPr>
+        <p:spPr>
+          <a:xfrm>
+            <a:off x="6119732" y="1290025"/>
+            <a:ext cx="5291327" cy="1188720"/>
+          </a:xfrm>
+          <a:solidFill>
+            <a:srgbClr val="FFFFFF"/>
+          </a:solidFill>
+          <a:ln>
+            <a:solidFill>
+              <a:srgbClr val="404040"/>
+            </a:solidFill>
+          </a:ln>
+        </p:spPr>
+        <p:txBody>
+          <a:bodyPr vert="horz" lIns="182880" tIns="182880" rIns="182880" bIns="182880" rtlCol="0" anchor="ctr">
             <a:normAutofit/>
           </a:bodyPr>
           <a:lstStyle/>
           <a:p>
             <a:r>
-              <a:rPr lang="en-GB" dirty="0"/>
-              <a:t>Adapted from Hamilton, </a:t>
-            </a:r>
-            <a:r>
-              <a:rPr lang="en-GB" dirty="0" err="1"/>
-              <a:t>Jurafsky</a:t>
-            </a:r>
-            <a:r>
-              <a:rPr lang="en-GB" dirty="0"/>
-              <a:t>, </a:t>
-            </a:r>
-            <a:r>
-              <a:rPr lang="en-GB" dirty="0" err="1"/>
-              <a:t>Lescovec</a:t>
-            </a:r>
-            <a:r>
-              <a:rPr lang="en-GB" dirty="0"/>
-              <a:t> paper</a:t>
-            </a:r>
-          </a:p>
-          <a:p>
+              <a:rPr lang="en-US" sz="2800"/>
+              <a:t>Mexican – Immigration vs Identity Politics</a:t>
+            </a:r>
+          </a:p>
+        </p:txBody>
+      </p:sp>
+      <p:sp>
+        <p:nvSpPr>
+          <p:cNvPr id="28" name="Rectangle 27">
+            <a:extLst>
+              <a:ext uri="{FF2B5EF4-FFF2-40B4-BE49-F238E27FC236}">
+                <a16:creationId xmlns:a16="http://schemas.microsoft.com/office/drawing/2014/main" id="{CF970970-DA4C-43C1-A054-C625523A17F2}"/>
+              </a:ext>
+              <a:ext uri="{C183D7F6-B498-43B3-948B-1728B52AA6E4}">
+                <adec:decorative xmlns:adec="http://schemas.microsoft.com/office/drawing/2017/decorative" val="1"/>
+              </a:ext>
+            </a:extLst>
+          </p:cNvPr>
+          <p:cNvSpPr>
+            <a:spLocks noGrp="1" noRot="1" noChangeAspect="1" noMove="1" noResize="1" noEditPoints="1" noAdjustHandles="1" noChangeArrowheads="1" noChangeShapeType="1" noTextEdit="1"/>
+          </p:cNvSpPr>
+          <p:nvPr>
+            <p:extLst>
+              <p:ext uri="{386F3935-93C4-4BCD-93E2-E3B085C9AB24}">
+                <p16:designElem xmlns:p16="http://schemas.microsoft.com/office/powerpoint/2015/main" val="1"/>
+              </p:ext>
+            </p:extLst>
+          </p:nvPr>
+        </p:nvSpPr>
+        <p:spPr>
+          <a:xfrm>
+            <a:off x="663665" y="640080"/>
+            <a:ext cx="4017264" cy="5261170"/>
+          </a:xfrm>
+          <a:prstGeom prst="rect">
+            <a:avLst/>
+          </a:prstGeom>
+          <a:noFill/>
+          <a:ln w="31750" cap="sq">
+            <a:solidFill>
+              <a:srgbClr val="FFFFFF"/>
+            </a:solidFill>
+            <a:miter lim="800000"/>
+          </a:ln>
+        </p:spPr>
+        <p:style>
+          <a:lnRef idx="2">
+            <a:schemeClr val="accent1">
+              <a:shade val="50000"/>
+            </a:schemeClr>
+          </a:lnRef>
+          <a:fillRef idx="1">
+            <a:schemeClr val="accent1"/>
+          </a:fillRef>
+          <a:effectRef idx="0">
+            <a:schemeClr val="accent1"/>
+          </a:effectRef>
+          <a:fontRef idx="minor">
+            <a:schemeClr val="lt1"/>
+          </a:fontRef>
+        </p:style>
+        <p:txBody>
+          <a:bodyPr rtlCol="0" anchor="ctr"/>
+          <a:lstStyle/>
+          <a:p>
+            <a:pPr algn="ctr"/>
+            <a:endParaRPr lang="en-US" dirty="0"/>
+          </a:p>
+        </p:txBody>
+      </p:sp>
+      <p:sp>
+        <p:nvSpPr>
+          <p:cNvPr id="30" name="Rectangle 29">
+            <a:extLst>
+              <a:ext uri="{FF2B5EF4-FFF2-40B4-BE49-F238E27FC236}">
+                <a16:creationId xmlns:a16="http://schemas.microsoft.com/office/drawing/2014/main" id="{A9B7E24D-5A97-4887-A449-ADDF5C19CC33}"/>
+              </a:ext>
+              <a:ext uri="{C183D7F6-B498-43B3-948B-1728B52AA6E4}">
+                <adec:decorative xmlns:adec="http://schemas.microsoft.com/office/drawing/2017/decorative" val="1"/>
+              </a:ext>
+            </a:extLst>
+          </p:cNvPr>
+          <p:cNvSpPr>
+            <a:spLocks noGrp="1" noRot="1" noChangeAspect="1" noMove="1" noResize="1" noEditPoints="1" noAdjustHandles="1" noChangeArrowheads="1" noChangeShapeType="1" noTextEdit="1"/>
+          </p:cNvSpPr>
+          <p:nvPr>
+            <p:extLst>
+              <p:ext uri="{386F3935-93C4-4BCD-93E2-E3B085C9AB24}">
+                <p16:designElem xmlns:p16="http://schemas.microsoft.com/office/powerpoint/2015/main" val="1"/>
+              </p:ext>
+            </p:extLst>
+          </p:nvPr>
+        </p:nvSpPr>
+        <p:spPr>
+          <a:xfrm>
+            <a:off x="829781" y="806357"/>
+            <a:ext cx="3685032" cy="4928616"/>
+          </a:xfrm>
+          <a:prstGeom prst="rect">
+            <a:avLst/>
+          </a:prstGeom>
+          <a:solidFill>
+            <a:srgbClr val="FFFFFF"/>
+          </a:solidFill>
+          <a:ln>
+            <a:noFill/>
+          </a:ln>
+        </p:spPr>
+        <p:style>
+          <a:lnRef idx="2">
+            <a:schemeClr val="accent1">
+              <a:shade val="50000"/>
+            </a:schemeClr>
+          </a:lnRef>
+          <a:fillRef idx="1">
+            <a:schemeClr val="accent1"/>
+          </a:fillRef>
+          <a:effectRef idx="0">
+            <a:schemeClr val="accent1"/>
+          </a:effectRef>
+          <a:fontRef idx="minor">
+            <a:schemeClr val="lt1"/>
+          </a:fontRef>
+        </p:style>
+        <p:txBody>
+          <a:bodyPr rtlCol="0" anchor="ctr"/>
+          <a:lstStyle/>
+          <a:p>
+            <a:pPr algn="ctr"/>
+            <a:endParaRPr lang="en-US"/>
+          </a:p>
+        </p:txBody>
+      </p:sp>
+      <p:pic>
+        <p:nvPicPr>
+          <p:cNvPr id="18" name="Content Placeholder 10" descr="A screenshot of a person&#10;&#10;Description automatically generated">
+            <a:extLst>
+              <a:ext uri="{FF2B5EF4-FFF2-40B4-BE49-F238E27FC236}">
+                <a16:creationId xmlns:a16="http://schemas.microsoft.com/office/drawing/2014/main" id="{69B291CE-66D8-4FB6-91BA-0C85C5AF33C9}"/>
+              </a:ext>
+            </a:extLst>
+          </p:cNvPr>
+          <p:cNvPicPr>
+            <a:picLocks noGrp="1" noChangeAspect="1"/>
+          </p:cNvPicPr>
+          <p:nvPr>
+            <p:ph idx="1"/>
+          </p:nvPr>
+        </p:nvPicPr>
+        <p:blipFill rotWithShape="1">
+          <a:blip r:embed="rId2"/>
+          <a:srcRect t="1581" r="-3" b="-3"/>
+          <a:stretch/>
+        </p:blipFill>
+        <p:spPr>
+          <a:xfrm>
+            <a:off x="1149821" y="1126397"/>
+            <a:ext cx="3044952" cy="2063834"/>
+          </a:xfrm>
+          <a:prstGeom prst="rect">
+            <a:avLst/>
+          </a:prstGeom>
+        </p:spPr>
+      </p:pic>
+      <p:pic>
+        <p:nvPicPr>
+          <p:cNvPr id="21" name="Content Placeholder 11" descr="A screenshot of a cell phone&#10;&#10;Description automatically generated">
+            <a:extLst>
+              <a:ext uri="{FF2B5EF4-FFF2-40B4-BE49-F238E27FC236}">
+                <a16:creationId xmlns:a16="http://schemas.microsoft.com/office/drawing/2014/main" id="{024EACA5-2BDB-42F4-8543-4E844B0E1F90}"/>
+              </a:ext>
+            </a:extLst>
+          </p:cNvPr>
+          <p:cNvPicPr>
+            <a:picLocks noChangeAspect="1"/>
+          </p:cNvPicPr>
+          <p:nvPr/>
+        </p:nvPicPr>
+        <p:blipFill rotWithShape="1">
+          <a:blip r:embed="rId3"/>
+          <a:srcRect t="2235" r="5" b="722"/>
+          <a:stretch/>
+        </p:blipFill>
+        <p:spPr>
+          <a:xfrm>
+            <a:off x="1149821" y="3351098"/>
+            <a:ext cx="3044951" cy="2063835"/>
+          </a:xfrm>
+          <a:prstGeom prst="rect">
+            <a:avLst/>
+          </a:prstGeom>
+        </p:spPr>
+      </p:pic>
+      <p:sp>
+        <p:nvSpPr>
+          <p:cNvPr id="17" name="Text Placeholder 16">
+            <a:extLst>
+              <a:ext uri="{FF2B5EF4-FFF2-40B4-BE49-F238E27FC236}">
+                <a16:creationId xmlns:a16="http://schemas.microsoft.com/office/drawing/2014/main" id="{96CB1683-92C3-4D65-B27B-5EE7BEF9FC20}"/>
+              </a:ext>
+            </a:extLst>
+          </p:cNvPr>
+          <p:cNvSpPr>
+            <a:spLocks noGrp="1"/>
+          </p:cNvSpPr>
+          <p:nvPr>
+            <p:ph type="body" sz="half" idx="2"/>
+          </p:nvPr>
+        </p:nvSpPr>
+        <p:spPr>
+          <a:xfrm>
+            <a:off x="6119732" y="2858703"/>
+            <a:ext cx="5285791" cy="3042547"/>
+          </a:xfrm>
+        </p:spPr>
+        <p:txBody>
+          <a:bodyPr vert="horz" lIns="91440" tIns="45720" rIns="91440" bIns="45720" rtlCol="0">
+            <a:normAutofit/>
+          </a:bodyPr>
+          <a:lstStyle/>
+          <a:p>
+            <a:pPr indent="-228600" algn="l">
+              <a:buFont typeface="Arial" panose="020B0604020202020204" pitchFamily="34" charset="0"/>
+              <a:buChar char="•"/>
+            </a:pPr>
+            <a:r>
+              <a:rPr lang="en-US" dirty="0">
+                <a:solidFill>
+                  <a:schemeClr val="tx1">
+                    <a:lumMod val="85000"/>
+                    <a:lumOff val="15000"/>
+                  </a:schemeClr>
+                </a:solidFill>
+              </a:rPr>
+              <a:t>T4, Super Tuesday (GOP Nomination): </a:t>
+            </a:r>
+          </a:p>
+          <a:p>
+            <a:pPr lvl="1" indent="-228600">
+              <a:buFont typeface="Arial" panose="020B0604020202020204" pitchFamily="34" charset="0"/>
+              <a:buChar char="•"/>
+            </a:pPr>
             <a:r>
               <a:rPr lang="en-US" dirty="0"/>
-              <a:t>Three key functions:</a:t>
-            </a:r>
-          </a:p>
-          <a:p>
-            <a:pPr lvl="1"/>
+              <a:t>Discourse seems economic</a:t>
+            </a:r>
+          </a:p>
+          <a:p>
+            <a:pPr indent="-228600" algn="l">
+              <a:buFont typeface="Arial" panose="020B0604020202020204" pitchFamily="34" charset="0"/>
+              <a:buChar char="•"/>
+            </a:pPr>
+            <a:r>
+              <a:rPr lang="en-US" dirty="0">
+                <a:solidFill>
+                  <a:schemeClr val="tx1">
+                    <a:lumMod val="85000"/>
+                    <a:lumOff val="15000"/>
+                  </a:schemeClr>
+                </a:solidFill>
+              </a:rPr>
+              <a:t>T8, General Election month: </a:t>
+            </a:r>
+          </a:p>
+          <a:p>
+            <a:pPr lvl="1" indent="-228600">
+              <a:buFont typeface="Arial" panose="020B0604020202020204" pitchFamily="34" charset="0"/>
+              <a:buChar char="•"/>
+            </a:pPr>
             <a:r>
               <a:rPr lang="en-US" dirty="0"/>
-              <a:t>`</a:t>
-            </a:r>
-            <a:r>
-              <a:rPr lang="en-US" dirty="0" err="1"/>
-              <a:t>intersection_align_gensim</a:t>
-            </a:r>
+              <a:t>Discourse seems more closely related to identity &amp; ideology</a:t>
+            </a:r>
+          </a:p>
+          <a:p>
+            <a:pPr lvl="2" indent="-228600">
+              <a:buFont typeface="Arial" panose="020B0604020202020204" pitchFamily="34" charset="0"/>
+              <a:buChar char="•"/>
+            </a:pPr>
             <a:r>
               <a:rPr lang="en-US" dirty="0"/>
-              <a:t>`: </a:t>
-            </a:r>
-          </a:p>
-          <a:p>
-            <a:pPr lvl="2"/>
-            <a:r>
-              <a:rPr lang="en-US" dirty="0"/>
-              <a:t>Intersects 2 word2vec models. </a:t>
-            </a:r>
-          </a:p>
-          <a:p>
-            <a:pPr lvl="2"/>
-            <a:r>
-              <a:rPr lang="en-US" u="sng" dirty="0"/>
-              <a:t>Keeps shared vocab only.</a:t>
-            </a:r>
-            <a:r>
-              <a:rPr lang="en-US" dirty="0"/>
-              <a:t> Does it lose out on new words that enter the corpus?</a:t>
-            </a:r>
-          </a:p>
-          <a:p>
-            <a:pPr lvl="1"/>
-            <a:r>
-              <a:rPr lang="en-US" dirty="0"/>
-              <a:t>`</a:t>
-            </a:r>
-            <a:r>
-              <a:rPr lang="en-US" dirty="0" err="1"/>
-              <a:t>Procrustes_align_gensim</a:t>
-            </a:r>
-            <a:r>
-              <a:rPr lang="en-US" dirty="0"/>
-              <a:t>`: Aligns Model 2  to Model 1 after intersection</a:t>
-            </a:r>
-          </a:p>
-          <a:p>
-            <a:pPr lvl="1"/>
-            <a:r>
-              <a:rPr lang="en-US" dirty="0"/>
-              <a:t>`</a:t>
-            </a:r>
-            <a:r>
-              <a:rPr lang="en-US" dirty="0" err="1"/>
-              <a:t>getDivergence</a:t>
-            </a:r>
-            <a:r>
-              <a:rPr lang="en-US" dirty="0"/>
-              <a:t>`: </a:t>
-            </a:r>
-          </a:p>
-          <a:p>
-            <a:pPr lvl="2"/>
-            <a:r>
-              <a:rPr lang="en-US" dirty="0"/>
-              <a:t>Pairwise Cosine Dissimilarity of a word for a category (time, true class, topic, etc.)</a:t>
+              <a:t>Ideology, SJW, Jewish (?)</a:t>
             </a:r>
           </a:p>
         </p:txBody>
@@ -5888,7 +8181,7 @@
     </p:spTree>
     <p:extLst>
       <p:ext uri="{BB962C8B-B14F-4D97-AF65-F5344CB8AC3E}">
-        <p14:creationId xmlns:p14="http://schemas.microsoft.com/office/powerpoint/2010/main" val="772021865"/>
+        <p14:creationId xmlns:p14="http://schemas.microsoft.com/office/powerpoint/2010/main" val="264760609"/>
       </p:ext>
     </p:extLst>
   </p:cSld>
@@ -5927,46 +8220,10 @@
       </p:grpSpPr>
       <p:sp>
         <p:nvSpPr>
-          <p:cNvPr id="4" name="Title 3">
-            <a:extLst>
-              <a:ext uri="{FF2B5EF4-FFF2-40B4-BE49-F238E27FC236}">
-                <a16:creationId xmlns:a16="http://schemas.microsoft.com/office/drawing/2014/main" id="{7ACC7330-9AF2-467C-A773-5B87555634F5}"/>
-              </a:ext>
-            </a:extLst>
-          </p:cNvPr>
-          <p:cNvSpPr>
-            <a:spLocks noGrp="1"/>
-          </p:cNvSpPr>
-          <p:nvPr>
-            <p:ph type="title"/>
-          </p:nvPr>
-        </p:nvSpPr>
-        <p:spPr>
-          <a:xfrm>
-            <a:off x="1014985" y="1114046"/>
-            <a:ext cx="3044950" cy="1627792"/>
-          </a:xfrm>
-        </p:spPr>
-        <p:txBody>
-          <a:bodyPr vert="horz" lIns="274320" tIns="182880" rIns="274320" bIns="182880" rtlCol="0" anchor="ctr" anchorCtr="1">
-            <a:normAutofit/>
-          </a:bodyPr>
-          <a:lstStyle/>
-          <a:p>
-            <a:r>
-              <a:rPr lang="en-GB" sz="2800" dirty="0"/>
-              <a:t>Clinton’s Emails mattered*</a:t>
-            </a:r>
-            <a:endParaRPr lang="en-US" sz="2800" dirty="0"/>
-          </a:p>
-        </p:txBody>
-      </p:sp>
-      <p:sp>
-        <p:nvSpPr>
-          <p:cNvPr id="71" name="Rectangle 70">
-            <a:extLst>
-              <a:ext uri="{FF2B5EF4-FFF2-40B4-BE49-F238E27FC236}">
-                <a16:creationId xmlns:a16="http://schemas.microsoft.com/office/drawing/2014/main" id="{5CEBAAEF-3E73-4D85-9A3C-E40FEAFAEE6C}"/>
+          <p:cNvPr id="43" name="Rectangle 39">
+            <a:extLst>
+              <a:ext uri="{FF2B5EF4-FFF2-40B4-BE49-F238E27FC236}">
+                <a16:creationId xmlns:a16="http://schemas.microsoft.com/office/drawing/2014/main" id="{4B4B6F8B-28A5-4700-A622-B54C7445A42F}"/>
               </a:ext>
               <a:ext uri="{C183D7F6-B498-43B3-948B-1728B52AA6E4}">
                 <adec:decorative xmlns:adec="http://schemas.microsoft.com/office/drawing/2017/decorative" val="1"/>
@@ -5986,14 +8243,16 @@
         </p:nvSpPr>
         <p:spPr>
           <a:xfrm>
-            <a:off x="4654296" y="0"/>
-            <a:ext cx="7537703" cy="6858000"/>
+            <a:off x="5315061" y="-2"/>
+            <a:ext cx="6876939" cy="6858002"/>
           </a:xfrm>
           <a:prstGeom prst="rect">
             <a:avLst/>
           </a:prstGeom>
           <a:solidFill>
-            <a:srgbClr val="FFFFFF"/>
+            <a:schemeClr val="bg1">
+              <a:lumMod val="85000"/>
+            </a:schemeClr>
           </a:solidFill>
           <a:ln>
             <a:noFill/>
@@ -6024,107 +8283,314 @@
           </a:p>
         </p:txBody>
       </p:sp>
-      <p:pic>
-        <p:nvPicPr>
-          <p:cNvPr id="2050" name="Picture 2">
-            <a:extLst>
-              <a:ext uri="{FF2B5EF4-FFF2-40B4-BE49-F238E27FC236}">
-                <a16:creationId xmlns:a16="http://schemas.microsoft.com/office/drawing/2014/main" id="{5193628E-61EE-4D7F-8F96-42E391796645}"/>
-              </a:ext>
-            </a:extLst>
-          </p:cNvPr>
-          <p:cNvPicPr>
-            <a:picLocks noGrp="1" noChangeAspect="1" noChangeArrowheads="1"/>
-          </p:cNvPicPr>
-          <p:nvPr>
-            <p:ph idx="1"/>
-          </p:nvPr>
-        </p:nvPicPr>
-        <p:blipFill>
-          <a:blip r:embed="rId2">
-            <a:extLst>
-              <a:ext uri="{28A0092B-C50C-407E-A947-70E740481C1C}">
-                <a14:useLocalDpi xmlns:a14="http://schemas.microsoft.com/office/drawing/2010/main" val="0"/>
-              </a:ext>
-            </a:extLst>
-          </a:blip>
-          <a:stretch>
-            <a:fillRect/>
-          </a:stretch>
-        </p:blipFill>
-        <p:spPr bwMode="auto">
-          <a:xfrm>
-            <a:off x="5294376" y="799917"/>
-            <a:ext cx="6257544" cy="4943459"/>
+      <p:sp>
+        <p:nvSpPr>
+          <p:cNvPr id="15" name="Title 14">
+            <a:extLst>
+              <a:ext uri="{FF2B5EF4-FFF2-40B4-BE49-F238E27FC236}">
+                <a16:creationId xmlns:a16="http://schemas.microsoft.com/office/drawing/2014/main" id="{63F60BDD-6351-41CB-8BAB-69B346957EC6}"/>
+              </a:ext>
+            </a:extLst>
+          </p:cNvPr>
+          <p:cNvSpPr>
+            <a:spLocks noGrp="1"/>
+          </p:cNvSpPr>
+          <p:nvPr>
+            <p:ph type="title"/>
+          </p:nvPr>
+        </p:nvSpPr>
+        <p:spPr>
+          <a:xfrm>
+            <a:off x="6119732" y="1290025"/>
+            <a:ext cx="5291327" cy="1188720"/>
+          </a:xfrm>
+          <a:solidFill>
+            <a:srgbClr val="FFFFFF"/>
+          </a:solidFill>
+          <a:ln>
+            <a:solidFill>
+              <a:srgbClr val="404040"/>
+            </a:solidFill>
+          </a:ln>
+        </p:spPr>
+        <p:txBody>
+          <a:bodyPr vert="horz" lIns="182880" tIns="182880" rIns="182880" bIns="182880" rtlCol="0" anchor="ctr">
+            <a:normAutofit/>
+          </a:bodyPr>
+          <a:lstStyle/>
+          <a:p>
+            <a:r>
+              <a:rPr lang="en-US" sz="2800"/>
+              <a:t>Immigration – Economic vs Security</a:t>
+            </a:r>
+            <a:endParaRPr lang="en-US" sz="2800" dirty="0"/>
+          </a:p>
+        </p:txBody>
+      </p:sp>
+      <p:sp>
+        <p:nvSpPr>
+          <p:cNvPr id="42" name="Rectangle 41">
+            <a:extLst>
+              <a:ext uri="{FF2B5EF4-FFF2-40B4-BE49-F238E27FC236}">
+                <a16:creationId xmlns:a16="http://schemas.microsoft.com/office/drawing/2014/main" id="{CF970970-DA4C-43C1-A054-C625523A17F2}"/>
+              </a:ext>
+              <a:ext uri="{C183D7F6-B498-43B3-948B-1728B52AA6E4}">
+                <adec:decorative xmlns:adec="http://schemas.microsoft.com/office/drawing/2017/decorative" val="1"/>
+              </a:ext>
+            </a:extLst>
+          </p:cNvPr>
+          <p:cNvSpPr>
+            <a:spLocks noGrp="1" noRot="1" noChangeAspect="1" noMove="1" noResize="1" noEditPoints="1" noAdjustHandles="1" noChangeArrowheads="1" noChangeShapeType="1" noTextEdit="1"/>
+          </p:cNvSpPr>
+          <p:nvPr>
+            <p:extLst>
+              <p:ext uri="{386F3935-93C4-4BCD-93E2-E3B085C9AB24}">
+                <p16:designElem xmlns:p16="http://schemas.microsoft.com/office/powerpoint/2015/main" val="1"/>
+              </p:ext>
+            </p:extLst>
+          </p:nvPr>
+        </p:nvSpPr>
+        <p:spPr>
+          <a:xfrm>
+            <a:off x="663665" y="640080"/>
+            <a:ext cx="4017264" cy="5261170"/>
           </a:xfrm>
           <a:prstGeom prst="rect">
             <a:avLst/>
           </a:prstGeom>
           <a:noFill/>
-          <a:extLst>
-            <a:ext uri="{909E8E84-426E-40DD-AFC4-6F175D3DCCD1}">
-              <a14:hiddenFill xmlns:a14="http://schemas.microsoft.com/office/drawing/2010/main">
+          <a:ln w="31750" cap="sq">
+            <a:solidFill>
+              <a:srgbClr val="FFFFFF"/>
+            </a:solidFill>
+            <a:miter lim="800000"/>
+          </a:ln>
+        </p:spPr>
+        <p:style>
+          <a:lnRef idx="2">
+            <a:schemeClr val="accent1">
+              <a:shade val="50000"/>
+            </a:schemeClr>
+          </a:lnRef>
+          <a:fillRef idx="1">
+            <a:schemeClr val="accent1"/>
+          </a:fillRef>
+          <a:effectRef idx="0">
+            <a:schemeClr val="accent1"/>
+          </a:effectRef>
+          <a:fontRef idx="minor">
+            <a:schemeClr val="lt1"/>
+          </a:fontRef>
+        </p:style>
+        <p:txBody>
+          <a:bodyPr rtlCol="0" anchor="ctr"/>
+          <a:lstStyle/>
+          <a:p>
+            <a:pPr algn="ctr"/>
+            <a:endParaRPr lang="en-US" dirty="0"/>
+          </a:p>
+        </p:txBody>
+      </p:sp>
+      <p:sp>
+        <p:nvSpPr>
+          <p:cNvPr id="44" name="Rectangle 43">
+            <a:extLst>
+              <a:ext uri="{FF2B5EF4-FFF2-40B4-BE49-F238E27FC236}">
+                <a16:creationId xmlns:a16="http://schemas.microsoft.com/office/drawing/2014/main" id="{A9B7E24D-5A97-4887-A449-ADDF5C19CC33}"/>
+              </a:ext>
+              <a:ext uri="{C183D7F6-B498-43B3-948B-1728B52AA6E4}">
+                <adec:decorative xmlns:adec="http://schemas.microsoft.com/office/drawing/2017/decorative" val="1"/>
+              </a:ext>
+            </a:extLst>
+          </p:cNvPr>
+          <p:cNvSpPr>
+            <a:spLocks noGrp="1" noRot="1" noChangeAspect="1" noMove="1" noResize="1" noEditPoints="1" noAdjustHandles="1" noChangeArrowheads="1" noChangeShapeType="1" noTextEdit="1"/>
+          </p:cNvSpPr>
+          <p:nvPr>
+            <p:extLst>
+              <p:ext uri="{386F3935-93C4-4BCD-93E2-E3B085C9AB24}">
+                <p16:designElem xmlns:p16="http://schemas.microsoft.com/office/powerpoint/2015/main" val="1"/>
+              </p:ext>
+            </p:extLst>
+          </p:nvPr>
+        </p:nvSpPr>
+        <p:spPr>
+          <a:xfrm>
+            <a:off x="829781" y="806357"/>
+            <a:ext cx="3685032" cy="4928616"/>
+          </a:xfrm>
+          <a:prstGeom prst="rect">
+            <a:avLst/>
+          </a:prstGeom>
+          <a:solidFill>
+            <a:srgbClr val="FFFFFF"/>
+          </a:solidFill>
+          <a:ln>
+            <a:noFill/>
+          </a:ln>
+        </p:spPr>
+        <p:style>
+          <a:lnRef idx="2">
+            <a:schemeClr val="accent1">
+              <a:shade val="50000"/>
+            </a:schemeClr>
+          </a:lnRef>
+          <a:fillRef idx="1">
+            <a:schemeClr val="accent1"/>
+          </a:fillRef>
+          <a:effectRef idx="0">
+            <a:schemeClr val="accent1"/>
+          </a:effectRef>
+          <a:fontRef idx="minor">
+            <a:schemeClr val="lt1"/>
+          </a:fontRef>
+        </p:style>
+        <p:txBody>
+          <a:bodyPr rtlCol="0" anchor="ctr"/>
+          <a:lstStyle/>
+          <a:p>
+            <a:pPr algn="ctr"/>
+            <a:endParaRPr lang="en-US"/>
+          </a:p>
+        </p:txBody>
+      </p:sp>
+      <p:pic>
+        <p:nvPicPr>
+          <p:cNvPr id="5" name="Picture 4">
+            <a:extLst>
+              <a:ext uri="{FF2B5EF4-FFF2-40B4-BE49-F238E27FC236}">
+                <a16:creationId xmlns:a16="http://schemas.microsoft.com/office/drawing/2014/main" id="{142AF194-06E1-4132-9226-C9E57982BFF1}"/>
+              </a:ext>
+            </a:extLst>
+          </p:cNvPr>
+          <p:cNvPicPr>
+            <a:picLocks noChangeAspect="1"/>
+          </p:cNvPicPr>
+          <p:nvPr/>
+        </p:nvPicPr>
+        <p:blipFill rotWithShape="1">
+          <a:blip r:embed="rId2"/>
+          <a:srcRect r="8745" b="2"/>
+          <a:stretch/>
+        </p:blipFill>
+        <p:spPr>
+          <a:xfrm>
+            <a:off x="1178506" y="3348059"/>
+            <a:ext cx="3044952" cy="2063834"/>
+          </a:xfrm>
+          <a:prstGeom prst="rect">
+            <a:avLst/>
+          </a:prstGeom>
+        </p:spPr>
+      </p:pic>
+      <p:pic>
+        <p:nvPicPr>
+          <p:cNvPr id="4" name="Picture 3">
+            <a:extLst>
+              <a:ext uri="{FF2B5EF4-FFF2-40B4-BE49-F238E27FC236}">
+                <a16:creationId xmlns:a16="http://schemas.microsoft.com/office/drawing/2014/main" id="{86B52EF9-EB2A-4C83-9361-9F3274DE79D3}"/>
+              </a:ext>
+            </a:extLst>
+          </p:cNvPr>
+          <p:cNvPicPr>
+            <a:picLocks noChangeAspect="1"/>
+          </p:cNvPicPr>
+          <p:nvPr/>
+        </p:nvPicPr>
+        <p:blipFill rotWithShape="1">
+          <a:blip r:embed="rId3"/>
+          <a:srcRect l="1304" r="3254" b="-1"/>
+          <a:stretch/>
+        </p:blipFill>
+        <p:spPr>
+          <a:xfrm>
+            <a:off x="1178507" y="1123027"/>
+            <a:ext cx="3044951" cy="2063835"/>
+          </a:xfrm>
+          <a:prstGeom prst="rect">
+            <a:avLst/>
+          </a:prstGeom>
+        </p:spPr>
+      </p:pic>
+      <p:sp>
+        <p:nvSpPr>
+          <p:cNvPr id="3" name="Content Placeholder 2">
+            <a:extLst>
+              <a:ext uri="{FF2B5EF4-FFF2-40B4-BE49-F238E27FC236}">
+                <a16:creationId xmlns:a16="http://schemas.microsoft.com/office/drawing/2014/main" id="{00197BE1-19DD-4520-9636-A378821FEB84}"/>
+              </a:ext>
+            </a:extLst>
+          </p:cNvPr>
+          <p:cNvSpPr>
+            <a:spLocks noGrp="1"/>
+          </p:cNvSpPr>
+          <p:nvPr>
+            <p:ph idx="1"/>
+          </p:nvPr>
+        </p:nvSpPr>
+        <p:spPr>
+          <a:xfrm>
+            <a:off x="6119732" y="2858703"/>
+            <a:ext cx="5285791" cy="3042547"/>
+          </a:xfrm>
+        </p:spPr>
+        <p:txBody>
+          <a:bodyPr vert="horz" lIns="91440" tIns="45720" rIns="91440" bIns="45720" rtlCol="0">
+            <a:normAutofit/>
+          </a:bodyPr>
+          <a:lstStyle/>
+          <a:p>
+            <a:r>
+              <a:rPr lang="en-US" sz="1800" dirty="0">
                 <a:solidFill>
-                  <a:srgbClr val="FFFFFF"/>
+                  <a:schemeClr val="tx1">
+                    <a:lumMod val="85000"/>
+                    <a:lumOff val="15000"/>
+                  </a:schemeClr>
                 </a:solidFill>
-              </a14:hiddenFill>
-            </a:ext>
-          </a:extLst>
-        </p:spPr>
-      </p:pic>
-      <p:sp>
-        <p:nvSpPr>
-          <p:cNvPr id="6" name="Text Placeholder 5">
-            <a:extLst>
-              <a:ext uri="{FF2B5EF4-FFF2-40B4-BE49-F238E27FC236}">
-                <a16:creationId xmlns:a16="http://schemas.microsoft.com/office/drawing/2014/main" id="{D68377B9-A0EB-491F-BF6C-EB1540C79CA5}"/>
-              </a:ext>
-            </a:extLst>
-          </p:cNvPr>
-          <p:cNvSpPr>
-            <a:spLocks noGrp="1"/>
-          </p:cNvSpPr>
-          <p:nvPr>
-            <p:ph type="body" sz="half" idx="2"/>
-          </p:nvPr>
-        </p:nvSpPr>
-        <p:spPr>
-          <a:xfrm>
-            <a:off x="640080" y="3271646"/>
-            <a:ext cx="3794760" cy="2194036"/>
-          </a:xfrm>
-        </p:spPr>
-        <p:txBody>
-          <a:bodyPr/>
-          <a:lstStyle/>
-          <a:p>
-            <a:pPr marL="285750" indent="-285750" algn="l">
-              <a:buFont typeface="Arial" panose="020B0604020202020204" pitchFamily="34" charset="0"/>
-              <a:buChar char="•"/>
-            </a:pPr>
-            <a:r>
-              <a:rPr lang="en-GB" dirty="0"/>
-              <a:t>Vastly different meaning in October 2016 and reversion to old meaning right after</a:t>
-            </a:r>
-          </a:p>
-          <a:p>
-            <a:pPr marL="285750" indent="-285750" algn="l">
-              <a:buFont typeface="Arial" panose="020B0604020202020204" pitchFamily="34" charset="0"/>
-              <a:buChar char="•"/>
-            </a:pPr>
-            <a:r>
-              <a:rPr lang="en-GB" dirty="0"/>
-              <a:t>Wedge issue only in that one month</a:t>
-            </a:r>
-          </a:p>
-          <a:p>
-            <a:pPr marL="285750" indent="-285750" algn="l">
-              <a:buFont typeface="Arial" panose="020B0604020202020204" pitchFamily="34" charset="0"/>
-              <a:buChar char="•"/>
-            </a:pPr>
-            <a:r>
-              <a:rPr lang="en-US" dirty="0"/>
-              <a:t>Oversized reportage</a:t>
+              </a:rPr>
+              <a:t>T4, Super Tuesday (GOP Nomination): </a:t>
+            </a:r>
+          </a:p>
+          <a:p>
+            <a:pPr lvl="1"/>
+            <a:r>
+              <a:rPr lang="en-US" sz="1400" dirty="0">
+                <a:solidFill>
+                  <a:schemeClr val="tx1">
+                    <a:lumMod val="85000"/>
+                    <a:lumOff val="15000"/>
+                  </a:schemeClr>
+                </a:solidFill>
+              </a:rPr>
+              <a:t>Discourse seems around illegal immigration, trade, and the wall</a:t>
+            </a:r>
+          </a:p>
+          <a:p>
+            <a:r>
+              <a:rPr lang="en-US" sz="1800" dirty="0">
+                <a:solidFill>
+                  <a:schemeClr val="tx1">
+                    <a:lumMod val="85000"/>
+                    <a:lumOff val="15000"/>
+                  </a:schemeClr>
+                </a:solidFill>
+              </a:rPr>
+              <a:t>T8, General Election month: </a:t>
+            </a:r>
+          </a:p>
+          <a:p>
+            <a:pPr lvl="1"/>
+            <a:r>
+              <a:rPr lang="en-US" sz="1400" dirty="0">
+                <a:solidFill>
+                  <a:schemeClr val="tx1">
+                    <a:lumMod val="85000"/>
+                    <a:lumOff val="15000"/>
+                  </a:schemeClr>
+                </a:solidFill>
+              </a:rPr>
+              <a:t>More ‘fear’-related words: division, protection, terrorism, healthcare, mistake </a:t>
             </a:r>
           </a:p>
         </p:txBody>
@@ -6132,7 +8598,7 @@
     </p:spTree>
     <p:extLst>
       <p:ext uri="{BB962C8B-B14F-4D97-AF65-F5344CB8AC3E}">
-        <p14:creationId xmlns:p14="http://schemas.microsoft.com/office/powerpoint/2010/main" val="455795564"/>
+        <p14:creationId xmlns:p14="http://schemas.microsoft.com/office/powerpoint/2010/main" val="4205051371"/>
       </p:ext>
     </p:extLst>
   </p:cSld>
@@ -6171,46 +8637,10 @@
       </p:grpSpPr>
       <p:sp>
         <p:nvSpPr>
-          <p:cNvPr id="2" name="Title 1">
-            <a:extLst>
-              <a:ext uri="{FF2B5EF4-FFF2-40B4-BE49-F238E27FC236}">
-                <a16:creationId xmlns:a16="http://schemas.microsoft.com/office/drawing/2014/main" id="{79D9BF73-8003-4564-8222-EB1FB6981435}"/>
-              </a:ext>
-            </a:extLst>
-          </p:cNvPr>
-          <p:cNvSpPr>
-            <a:spLocks noGrp="1"/>
-          </p:cNvSpPr>
-          <p:nvPr>
-            <p:ph type="title"/>
-          </p:nvPr>
-        </p:nvSpPr>
-        <p:spPr>
-          <a:xfrm>
-            <a:off x="1014985" y="1114046"/>
-            <a:ext cx="3044950" cy="1627792"/>
-          </a:xfrm>
-        </p:spPr>
-        <p:txBody>
-          <a:bodyPr vert="horz" lIns="274320" tIns="182880" rIns="274320" bIns="182880" rtlCol="0" anchor="ctr" anchorCtr="1">
-            <a:normAutofit/>
-          </a:bodyPr>
-          <a:lstStyle/>
-          <a:p>
-            <a:r>
-              <a:rPr lang="en-GB" sz="2800" dirty="0"/>
-              <a:t>Changing Nature of ‘Russia’</a:t>
-            </a:r>
-            <a:endParaRPr lang="en-US" sz="2800" dirty="0"/>
-          </a:p>
-        </p:txBody>
-      </p:sp>
-      <p:sp>
-        <p:nvSpPr>
-          <p:cNvPr id="71" name="Rectangle 70">
-            <a:extLst>
-              <a:ext uri="{FF2B5EF4-FFF2-40B4-BE49-F238E27FC236}">
-                <a16:creationId xmlns:a16="http://schemas.microsoft.com/office/drawing/2014/main" id="{5CEBAAEF-3E73-4D85-9A3C-E40FEAFAEE6C}"/>
+          <p:cNvPr id="1032" name="Rectangle 138">
+            <a:extLst>
+              <a:ext uri="{FF2B5EF4-FFF2-40B4-BE49-F238E27FC236}">
+                <a16:creationId xmlns:a16="http://schemas.microsoft.com/office/drawing/2014/main" id="{EE99CA9E-E89F-4609-BDAA-A16CCA5D599F}"/>
               </a:ext>
               <a:ext uri="{C183D7F6-B498-43B3-948B-1728B52AA6E4}">
                 <adec:decorative xmlns:adec="http://schemas.microsoft.com/office/drawing/2017/decorative" val="1"/>
@@ -6230,8 +8660,8 @@
         </p:nvSpPr>
         <p:spPr>
           <a:xfrm>
-            <a:off x="4654296" y="0"/>
-            <a:ext cx="7537703" cy="6858000"/>
+            <a:off x="0" y="-2"/>
+            <a:ext cx="12192000" cy="4918511"/>
           </a:xfrm>
           <a:prstGeom prst="rect">
             <a:avLst/>
@@ -6268,12 +8698,64 @@
           </a:p>
         </p:txBody>
       </p:sp>
+      <p:sp>
+        <p:nvSpPr>
+          <p:cNvPr id="6" name="Title 5">
+            <a:extLst>
+              <a:ext uri="{FF2B5EF4-FFF2-40B4-BE49-F238E27FC236}">
+                <a16:creationId xmlns:a16="http://schemas.microsoft.com/office/drawing/2014/main" id="{C2AF8ABE-C5B3-4E99-977C-6ADB5BF43BA9}"/>
+              </a:ext>
+            </a:extLst>
+          </p:cNvPr>
+          <p:cNvSpPr>
+            <a:spLocks noGrp="1"/>
+          </p:cNvSpPr>
+          <p:nvPr>
+            <p:ph type="title"/>
+          </p:nvPr>
+        </p:nvSpPr>
+        <p:spPr>
+          <a:xfrm>
+            <a:off x="1600200" y="4269282"/>
+            <a:ext cx="8991600" cy="1264762"/>
+          </a:xfrm>
+        </p:spPr>
+        <p:txBody>
+          <a:bodyPr vert="horz" lIns="274320" tIns="182880" rIns="274320" bIns="182880" rtlCol="0" anchor="ctr" anchorCtr="1">
+            <a:normAutofit/>
+          </a:bodyPr>
+          <a:lstStyle/>
+          <a:p>
+            <a:r>
+              <a:rPr lang="en-GB" sz="3200" dirty="0" err="1">
+                <a:solidFill>
+                  <a:srgbClr val="262626"/>
+                </a:solidFill>
+              </a:rPr>
+              <a:t>tSNE</a:t>
+            </a:r>
+            <a:r>
+              <a:rPr lang="en-GB" sz="3200" dirty="0">
+                <a:solidFill>
+                  <a:srgbClr val="262626"/>
+                </a:solidFill>
+              </a:rPr>
+              <a:t> Word Distributions</a:t>
+            </a:r>
+            <a:endParaRPr lang="en-US" sz="3200" dirty="0">
+              <a:solidFill>
+                <a:srgbClr val="262626"/>
+              </a:solidFill>
+            </a:endParaRPr>
+          </a:p>
+        </p:txBody>
+      </p:sp>
       <p:pic>
         <p:nvPicPr>
-          <p:cNvPr id="3074" name="Picture 2">
-            <a:extLst>
-              <a:ext uri="{FF2B5EF4-FFF2-40B4-BE49-F238E27FC236}">
-                <a16:creationId xmlns:a16="http://schemas.microsoft.com/office/drawing/2014/main" id="{3B805A00-D715-4F6B-882C-D4CA0787DDF5}"/>
+          <p:cNvPr id="1028" name="Picture 4" descr="A close up of a logo&#10;&#10;Description automatically generated">
+            <a:extLst>
+              <a:ext uri="{FF2B5EF4-FFF2-40B4-BE49-F238E27FC236}">
+                <a16:creationId xmlns:a16="http://schemas.microsoft.com/office/drawing/2014/main" id="{155758B6-B7E7-43F9-BA3A-D013B9D1C8D5}"/>
               </a:ext>
             </a:extLst>
           </p:cNvPr>
@@ -6281,7 +8763,7 @@
             <a:picLocks noGrp="1" noChangeAspect="1" noChangeArrowheads="1"/>
           </p:cNvPicPr>
           <p:nvPr>
-            <p:ph idx="1"/>
+            <p:ph sz="quarter" idx="4"/>
           </p:nvPr>
         </p:nvPicPr>
         <p:blipFill>
@@ -6298,8 +8780,8 @@
         </p:blipFill>
         <p:spPr bwMode="auto">
           <a:xfrm>
-            <a:off x="5294376" y="853495"/>
-            <a:ext cx="6257544" cy="4836304"/>
+            <a:off x="764995" y="533401"/>
+            <a:ext cx="5088689" cy="2951438"/>
           </a:xfrm>
           <a:prstGeom prst="rect">
             <a:avLst/>
@@ -6316,59 +8798,121 @@
           </a:extLst>
         </p:spPr>
       </p:pic>
-      <p:sp>
-        <p:nvSpPr>
-          <p:cNvPr id="4" name="Text Placeholder 3">
-            <a:extLst>
-              <a:ext uri="{FF2B5EF4-FFF2-40B4-BE49-F238E27FC236}">
-                <a16:creationId xmlns:a16="http://schemas.microsoft.com/office/drawing/2014/main" id="{CF31CE8D-B2D4-4DEC-B1B3-DED146C57518}"/>
-              </a:ext>
-            </a:extLst>
-          </p:cNvPr>
-          <p:cNvSpPr>
-            <a:spLocks noGrp="1"/>
-          </p:cNvSpPr>
-          <p:nvPr>
-            <p:ph type="body" sz="half" idx="2"/>
-          </p:nvPr>
+      <p:pic>
+        <p:nvPicPr>
+          <p:cNvPr id="1030" name="Picture 6" descr="A close up of a logo&#10;&#10;Description automatically generated">
+            <a:extLst>
+              <a:ext uri="{FF2B5EF4-FFF2-40B4-BE49-F238E27FC236}">
+                <a16:creationId xmlns:a16="http://schemas.microsoft.com/office/drawing/2014/main" id="{1496185B-C268-48AC-B591-25D35741C11D}"/>
+              </a:ext>
+            </a:extLst>
+          </p:cNvPr>
+          <p:cNvPicPr>
+            <a:picLocks noGrp="1" noChangeAspect="1" noChangeArrowheads="1"/>
+          </p:cNvPicPr>
+          <p:nvPr>
+            <p:ph sz="half" idx="2"/>
+          </p:nvPr>
+        </p:nvPicPr>
+        <p:blipFill>
+          <a:blip r:embed="rId3">
+            <a:extLst>
+              <a:ext uri="{28A0092B-C50C-407E-A947-70E740481C1C}">
+                <a14:useLocalDpi xmlns:a14="http://schemas.microsoft.com/office/drawing/2010/main" val="0"/>
+              </a:ext>
+            </a:extLst>
+          </a:blip>
+          <a:stretch>
+            <a:fillRect/>
+          </a:stretch>
+        </p:blipFill>
+        <p:spPr bwMode="auto">
+          <a:xfrm>
+            <a:off x="6338315" y="533401"/>
+            <a:ext cx="5166735" cy="2919204"/>
+          </a:xfrm>
+          <a:prstGeom prst="rect">
+            <a:avLst/>
+          </a:prstGeom>
+          <a:noFill/>
+          <a:extLst>
+            <a:ext uri="{909E8E84-426E-40DD-AFC4-6F175D3DCCD1}">
+              <a14:hiddenFill xmlns:a14="http://schemas.microsoft.com/office/drawing/2010/main">
+                <a:solidFill>
+                  <a:srgbClr val="FFFFFF"/>
+                </a:solidFill>
+              </a14:hiddenFill>
+            </a:ext>
+          </a:extLst>
+        </p:spPr>
+      </p:pic>
+      <p:sp>
+        <p:nvSpPr>
+          <p:cNvPr id="2" name="TextBox 1">
+            <a:extLst>
+              <a:ext uri="{FF2B5EF4-FFF2-40B4-BE49-F238E27FC236}">
+                <a16:creationId xmlns:a16="http://schemas.microsoft.com/office/drawing/2014/main" id="{91FFE141-2300-4A77-9644-601B06E88AC6}"/>
+              </a:ext>
+            </a:extLst>
+          </p:cNvPr>
+          <p:cNvSpPr txBox="1"/>
+          <p:nvPr/>
         </p:nvSpPr>
         <p:spPr>
           <a:xfrm>
-            <a:off x="640080" y="3171384"/>
-            <a:ext cx="3794760" cy="2194036"/>
-          </a:xfrm>
-        </p:spPr>
-        <p:txBody>
-          <a:bodyPr/>
-          <a:lstStyle/>
-          <a:p>
-            <a:pPr marL="285750" indent="-285750" algn="l">
-              <a:buFont typeface="Arial" panose="020B0604020202020204" pitchFamily="34" charset="0"/>
-              <a:buChar char="•"/>
-            </a:pPr>
+            <a:off x="2124751" y="3607940"/>
+            <a:ext cx="2369175" cy="369332"/>
+          </a:xfrm>
+          <a:prstGeom prst="rect">
+            <a:avLst/>
+          </a:prstGeom>
+          <a:noFill/>
+        </p:spPr>
+        <p:txBody>
+          <a:bodyPr wrap="none" rtlCol="0">
+            <a:spAutoFit/>
+          </a:bodyPr>
+          <a:lstStyle/>
+          <a:p>
             <a:r>
               <a:rPr lang="en-GB" dirty="0"/>
-              <a:t>April 2016: First news of DNC hack</a:t>
-            </a:r>
-          </a:p>
-          <a:p>
-            <a:pPr marL="285750" indent="-285750" algn="l">
-              <a:buFont typeface="Arial" panose="020B0604020202020204" pitchFamily="34" charset="0"/>
-              <a:buChar char="•"/>
-            </a:pPr>
+              <a:t>T4: Super Tuesday, 2016</a:t>
+            </a:r>
+            <a:endParaRPr lang="en-US" dirty="0"/>
+          </a:p>
+        </p:txBody>
+      </p:sp>
+      <p:sp>
+        <p:nvSpPr>
+          <p:cNvPr id="7" name="TextBox 6">
+            <a:extLst>
+              <a:ext uri="{FF2B5EF4-FFF2-40B4-BE49-F238E27FC236}">
+                <a16:creationId xmlns:a16="http://schemas.microsoft.com/office/drawing/2014/main" id="{EE7A39F3-0D81-4E01-962C-14A57367ECAB}"/>
+              </a:ext>
+            </a:extLst>
+          </p:cNvPr>
+          <p:cNvSpPr txBox="1"/>
+          <p:nvPr/>
+        </p:nvSpPr>
+        <p:spPr>
+          <a:xfrm>
+            <a:off x="7665408" y="3609953"/>
+            <a:ext cx="2512547" cy="369332"/>
+          </a:xfrm>
+          <a:prstGeom prst="rect">
+            <a:avLst/>
+          </a:prstGeom>
+          <a:noFill/>
+        </p:spPr>
+        <p:txBody>
+          <a:bodyPr wrap="none" rtlCol="0">
+            <a:spAutoFit/>
+          </a:bodyPr>
+          <a:lstStyle/>
+          <a:p>
             <a:r>
               <a:rPr lang="en-GB" dirty="0"/>
-              <a:t>October 2016: Election month – email hack takes centre-stage</a:t>
-            </a:r>
-          </a:p>
-          <a:p>
-            <a:pPr marL="285750" indent="-285750" algn="l">
-              <a:buFont typeface="Arial" panose="020B0604020202020204" pitchFamily="34" charset="0"/>
-              <a:buChar char="•"/>
-            </a:pPr>
-            <a:r>
-              <a:rPr lang="en-GB" dirty="0"/>
-              <a:t>After October 2016: Minimal change =&gt; some consensus about Russia’s role? (even if the interpretation may vary)</a:t>
+              <a:t>T8: Election Month, 2016</a:t>
             </a:r>
             <a:endParaRPr lang="en-US" dirty="0"/>
           </a:p>
@@ -6377,7 +8921,7 @@
     </p:spTree>
     <p:extLst>
       <p:ext uri="{BB962C8B-B14F-4D97-AF65-F5344CB8AC3E}">
-        <p14:creationId xmlns:p14="http://schemas.microsoft.com/office/powerpoint/2010/main" val="4025758087"/>
+        <p14:creationId xmlns:p14="http://schemas.microsoft.com/office/powerpoint/2010/main" val="1817068428"/>
       </p:ext>
     </p:extLst>
   </p:cSld>
